--- a/docs/assets/subsetindex/subsetindex_diagrams.pptx
+++ b/docs/assets/subsetindex/subsetindex_diagrams.pptx
@@ -199,7 +199,7 @@
           <a:p>
             <a:fld id="{EEC0A53B-75BF-42C4-8116-D8B720742167}" type="datetimeFigureOut">
               <a:rPr lang="en-US" smtClean="0"/>
-              <a:t>11/30/2020</a:t>
+              <a:t>12/5/2020</a:t>
             </a:fld>
             <a:endParaRPr lang="en-US"/>
           </a:p>
@@ -874,7 +874,7 @@
           <a:p>
             <a:fld id="{0A721B81-1CFC-49A5-A68E-D3DEEF6F5AA5}" type="datetimeFigureOut">
               <a:rPr lang="en-US" smtClean="0"/>
-              <a:t>11/30/2020</a:t>
+              <a:t>12/5/2020</a:t>
             </a:fld>
             <a:endParaRPr lang="en-US"/>
           </a:p>
@@ -1072,7 +1072,7 @@
           <a:p>
             <a:fld id="{0A721B81-1CFC-49A5-A68E-D3DEEF6F5AA5}" type="datetimeFigureOut">
               <a:rPr lang="en-US" smtClean="0"/>
-              <a:t>11/30/2020</a:t>
+              <a:t>12/5/2020</a:t>
             </a:fld>
             <a:endParaRPr lang="en-US"/>
           </a:p>
@@ -1280,7 +1280,7 @@
           <a:p>
             <a:fld id="{0A721B81-1CFC-49A5-A68E-D3DEEF6F5AA5}" type="datetimeFigureOut">
               <a:rPr lang="en-US" smtClean="0"/>
-              <a:t>11/30/2020</a:t>
+              <a:t>12/5/2020</a:t>
             </a:fld>
             <a:endParaRPr lang="en-US"/>
           </a:p>
@@ -1478,7 +1478,7 @@
           <a:p>
             <a:fld id="{0A721B81-1CFC-49A5-A68E-D3DEEF6F5AA5}" type="datetimeFigureOut">
               <a:rPr lang="en-US" smtClean="0"/>
-              <a:t>11/30/2020</a:t>
+              <a:t>12/5/2020</a:t>
             </a:fld>
             <a:endParaRPr lang="en-US"/>
           </a:p>
@@ -1753,7 +1753,7 @@
           <a:p>
             <a:fld id="{0A721B81-1CFC-49A5-A68E-D3DEEF6F5AA5}" type="datetimeFigureOut">
               <a:rPr lang="en-US" smtClean="0"/>
-              <a:t>11/30/2020</a:t>
+              <a:t>12/5/2020</a:t>
             </a:fld>
             <a:endParaRPr lang="en-US"/>
           </a:p>
@@ -2018,7 +2018,7 @@
           <a:p>
             <a:fld id="{0A721B81-1CFC-49A5-A68E-D3DEEF6F5AA5}" type="datetimeFigureOut">
               <a:rPr lang="en-US" smtClean="0"/>
-              <a:t>11/30/2020</a:t>
+              <a:t>12/5/2020</a:t>
             </a:fld>
             <a:endParaRPr lang="en-US"/>
           </a:p>
@@ -2430,7 +2430,7 @@
           <a:p>
             <a:fld id="{0A721B81-1CFC-49A5-A68E-D3DEEF6F5AA5}" type="datetimeFigureOut">
               <a:rPr lang="en-US" smtClean="0"/>
-              <a:t>11/30/2020</a:t>
+              <a:t>12/5/2020</a:t>
             </a:fld>
             <a:endParaRPr lang="en-US"/>
           </a:p>
@@ -2571,7 +2571,7 @@
           <a:p>
             <a:fld id="{0A721B81-1CFC-49A5-A68E-D3DEEF6F5AA5}" type="datetimeFigureOut">
               <a:rPr lang="en-US" smtClean="0"/>
-              <a:t>11/30/2020</a:t>
+              <a:t>12/5/2020</a:t>
             </a:fld>
             <a:endParaRPr lang="en-US"/>
           </a:p>
@@ -2684,7 +2684,7 @@
           <a:p>
             <a:fld id="{0A721B81-1CFC-49A5-A68E-D3DEEF6F5AA5}" type="datetimeFigureOut">
               <a:rPr lang="en-US" smtClean="0"/>
-              <a:t>11/30/2020</a:t>
+              <a:t>12/5/2020</a:t>
             </a:fld>
             <a:endParaRPr lang="en-US"/>
           </a:p>
@@ -2995,7 +2995,7 @@
           <a:p>
             <a:fld id="{0A721B81-1CFC-49A5-A68E-D3DEEF6F5AA5}" type="datetimeFigureOut">
               <a:rPr lang="en-US" smtClean="0"/>
-              <a:t>11/30/2020</a:t>
+              <a:t>12/5/2020</a:t>
             </a:fld>
             <a:endParaRPr lang="en-US"/>
           </a:p>
@@ -3283,7 +3283,7 @@
           <a:p>
             <a:fld id="{0A721B81-1CFC-49A5-A68E-D3DEEF6F5AA5}" type="datetimeFigureOut">
               <a:rPr lang="en-US" smtClean="0"/>
-              <a:t>11/30/2020</a:t>
+              <a:t>12/5/2020</a:t>
             </a:fld>
             <a:endParaRPr lang="en-US"/>
           </a:p>
@@ -3524,7 +3524,7 @@
           <a:p>
             <a:fld id="{0A721B81-1CFC-49A5-A68E-D3DEEF6F5AA5}" type="datetimeFigureOut">
               <a:rPr lang="en-US" smtClean="0"/>
-              <a:t>11/30/2020</a:t>
+              <a:t>12/5/2020</a:t>
             </a:fld>
             <a:endParaRPr lang="en-US"/>
           </a:p>
@@ -5089,8 +5089,8 @@
         </p:nvSpPr>
         <p:spPr>
           <a:xfrm>
-            <a:off x="1580982" y="2141138"/>
-            <a:ext cx="9150176" cy="475248"/>
+            <a:off x="215327" y="1724757"/>
+            <a:ext cx="11780520" cy="1057622"/>
           </a:xfrm>
           <a:prstGeom prst="rect">
             <a:avLst/>
@@ -5120,22 +5120,22 @@
           <a:lstStyle/>
           <a:p>
             <a:r>
-              <a:rPr lang="en-US" sz="1200" dirty="0"/>
+              <a:rPr lang="en-US" dirty="0"/>
               <a:t>Predicate 1</a:t>
             </a:r>
             <a:br>
-              <a:rPr lang="en-US" sz="1200" dirty="0"/>
+              <a:rPr lang="en-US" dirty="0"/>
             </a:br>
             <a:r>
-              <a:rPr lang="en-US" sz="1200" dirty="0"/>
+              <a:rPr lang="en-US" dirty="0"/>
               <a:t>(</a:t>
             </a:r>
             <a:r>
-              <a:rPr lang="en-US" sz="1200" dirty="0" err="1"/>
+              <a:rPr lang="en-US" dirty="0" err="1"/>
               <a:t>KeyPointer</a:t>
             </a:r>
             <a:r>
-              <a:rPr lang="en-US" sz="1200" dirty="0"/>
+              <a:rPr lang="en-US" dirty="0"/>
               <a:t>)</a:t>
             </a:r>
           </a:p>
@@ -5143,10 +5143,10 @@
       </p:sp>
       <p:sp>
         <p:nvSpPr>
-          <p:cNvPr id="5" name="Rectangle 4">
-            <a:extLst>
-              <a:ext uri="{FF2B5EF4-FFF2-40B4-BE49-F238E27FC236}">
-                <a16:creationId xmlns:a16="http://schemas.microsoft.com/office/drawing/2014/main" id="{945C0C33-02E9-4A69-8AC6-CB3B41653501}"/>
+          <p:cNvPr id="14" name="Rectangle 13">
+            <a:extLst>
+              <a:ext uri="{FF2B5EF4-FFF2-40B4-BE49-F238E27FC236}">
+                <a16:creationId xmlns:a16="http://schemas.microsoft.com/office/drawing/2014/main" id="{AE929B07-DD3C-41D4-BA15-D26E67ACD2B3}"/>
               </a:ext>
             </a:extLst>
           </p:cNvPr>
@@ -5155,17 +5155,14 @@
         </p:nvSpPr>
         <p:spPr>
           <a:xfrm>
-            <a:off x="2930084" y="2222591"/>
-            <a:ext cx="1641916" cy="313701"/>
+            <a:off x="212414" y="2793203"/>
+            <a:ext cx="11780520" cy="1057622"/>
           </a:xfrm>
           <a:prstGeom prst="rect">
             <a:avLst/>
           </a:prstGeom>
           <a:solidFill>
-            <a:schemeClr val="accent1">
-              <a:lumMod val="60000"/>
-              <a:lumOff val="40000"/>
-            </a:schemeClr>
+            <a:schemeClr val="accent1"/>
           </a:solidFill>
         </p:spPr>
         <p:style>
@@ -5188,24 +5185,160 @@
           <a:bodyPr rtlCol="0" anchor="ctr"/>
           <a:lstStyle/>
           <a:p>
+            <a:r>
+              <a:rPr lang="en-US" dirty="0"/>
+              <a:t>Predicate 2</a:t>
+            </a:r>
+            <a:br>
+              <a:rPr lang="en-US" dirty="0"/>
+            </a:br>
+            <a:r>
+              <a:rPr lang="en-US" dirty="0"/>
+              <a:t>(</a:t>
+            </a:r>
+            <a:r>
+              <a:rPr lang="en-US" dirty="0" err="1"/>
+              <a:t>KeyPointer</a:t>
+            </a:r>
+            <a:r>
+              <a:rPr lang="en-US" dirty="0"/>
+              <a:t>)</a:t>
+            </a:r>
+          </a:p>
+        </p:txBody>
+      </p:sp>
+      <p:sp>
+        <p:nvSpPr>
+          <p:cNvPr id="26" name="Rectangle 25">
+            <a:extLst>
+              <a:ext uri="{FF2B5EF4-FFF2-40B4-BE49-F238E27FC236}">
+                <a16:creationId xmlns:a16="http://schemas.microsoft.com/office/drawing/2014/main" id="{957C8F4E-1B65-4F9F-8B24-A030F82BB63A}"/>
+              </a:ext>
+            </a:extLst>
+          </p:cNvPr>
+          <p:cNvSpPr/>
+          <p:nvPr/>
+        </p:nvSpPr>
+        <p:spPr>
+          <a:xfrm>
+            <a:off x="212414" y="3857500"/>
+            <a:ext cx="11780520" cy="1057622"/>
+          </a:xfrm>
+          <a:prstGeom prst="rect">
+            <a:avLst/>
+          </a:prstGeom>
+          <a:solidFill>
+            <a:schemeClr val="accent1"/>
+          </a:solidFill>
+        </p:spPr>
+        <p:style>
+          <a:lnRef idx="2">
+            <a:schemeClr val="accent1">
+              <a:shade val="50000"/>
+            </a:schemeClr>
+          </a:lnRef>
+          <a:fillRef idx="1">
+            <a:schemeClr val="accent1"/>
+          </a:fillRef>
+          <a:effectRef idx="0">
+            <a:schemeClr val="accent1"/>
+          </a:effectRef>
+          <a:fontRef idx="minor">
+            <a:schemeClr val="lt1"/>
+          </a:fontRef>
+        </p:style>
+        <p:txBody>
+          <a:bodyPr rtlCol="0" anchor="ctr"/>
+          <a:lstStyle/>
+          <a:p>
+            <a:r>
+              <a:rPr lang="en-US" dirty="0"/>
+              <a:t>Predicate 3</a:t>
+            </a:r>
+            <a:br>
+              <a:rPr lang="en-US" dirty="0"/>
+            </a:br>
+            <a:r>
+              <a:rPr lang="en-US" dirty="0"/>
+              <a:t>(</a:t>
+            </a:r>
+            <a:r>
+              <a:rPr lang="en-US" dirty="0" err="1"/>
+              <a:t>KeyPointer</a:t>
+            </a:r>
+            <a:r>
+              <a:rPr lang="en-US" dirty="0"/>
+              <a:t>)</a:t>
+            </a:r>
+          </a:p>
+        </p:txBody>
+      </p:sp>
+      <p:sp>
+        <p:nvSpPr>
+          <p:cNvPr id="37" name="Rectangle 36">
+            <a:extLst>
+              <a:ext uri="{FF2B5EF4-FFF2-40B4-BE49-F238E27FC236}">
+                <a16:creationId xmlns:a16="http://schemas.microsoft.com/office/drawing/2014/main" id="{3C28623A-4BEB-454A-864F-8788F8315F50}"/>
+              </a:ext>
+            </a:extLst>
+          </p:cNvPr>
+          <p:cNvSpPr/>
+          <p:nvPr/>
+        </p:nvSpPr>
+        <p:spPr>
+          <a:xfrm>
+            <a:off x="215327" y="813172"/>
+            <a:ext cx="11780520" cy="906058"/>
+          </a:xfrm>
+          <a:prstGeom prst="rect">
+            <a:avLst/>
+          </a:prstGeom>
+          <a:solidFill>
+            <a:schemeClr val="accent5"/>
+          </a:solidFill>
+        </p:spPr>
+        <p:style>
+          <a:lnRef idx="2">
+            <a:schemeClr val="accent1">
+              <a:shade val="50000"/>
+            </a:schemeClr>
+          </a:lnRef>
+          <a:fillRef idx="1">
+            <a:schemeClr val="accent1"/>
+          </a:fillRef>
+          <a:effectRef idx="0">
+            <a:schemeClr val="accent1"/>
+          </a:effectRef>
+          <a:fontRef idx="minor">
+            <a:schemeClr val="lt1"/>
+          </a:fontRef>
+        </p:style>
+        <p:txBody>
+          <a:bodyPr rtlCol="0" anchor="ctr"/>
+          <a:lstStyle/>
+          <a:p>
             <a:pPr algn="ctr"/>
             <a:r>
-              <a:rPr lang="en-US" sz="1000" dirty="0" err="1"/>
-              <a:t>PreviousAddress</a:t>
-            </a:r>
-            <a:r>
-              <a:rPr lang="en-US" sz="1000" dirty="0"/>
-              <a:t>: 8b</a:t>
-            </a:r>
-          </a:p>
-        </p:txBody>
-      </p:sp>
-      <p:sp>
-        <p:nvSpPr>
-          <p:cNvPr id="6" name="Rectangle 5">
-            <a:extLst>
-              <a:ext uri="{FF2B5EF4-FFF2-40B4-BE49-F238E27FC236}">
-                <a16:creationId xmlns:a16="http://schemas.microsoft.com/office/drawing/2014/main" id="{9D938DE9-50CD-4279-A9AB-2930ADBA2C40}"/>
+              <a:rPr lang="en-US" sz="2000" dirty="0"/>
+              <a:t>Record Header (</a:t>
+            </a:r>
+            <a:r>
+              <a:rPr lang="en-US" sz="2000" dirty="0" err="1"/>
+              <a:t>RecordInfo</a:t>
+            </a:r>
+            <a:r>
+              <a:rPr lang="en-US" sz="2000" dirty="0"/>
+              <a:t>)</a:t>
+            </a:r>
+          </a:p>
+        </p:txBody>
+      </p:sp>
+      <p:sp>
+        <p:nvSpPr>
+          <p:cNvPr id="39" name="Rectangle 38">
+            <a:extLst>
+              <a:ext uri="{FF2B5EF4-FFF2-40B4-BE49-F238E27FC236}">
+                <a16:creationId xmlns:a16="http://schemas.microsoft.com/office/drawing/2014/main" id="{D117F272-F03F-4909-8C93-48951AE11C1E}"/>
               </a:ext>
             </a:extLst>
           </p:cNvPr>
@@ -5214,971 +5347,8 @@
         </p:nvSpPr>
         <p:spPr>
           <a:xfrm>
-            <a:off x="4692140" y="2222591"/>
-            <a:ext cx="1508426" cy="313701"/>
-          </a:xfrm>
-          <a:prstGeom prst="rect">
-            <a:avLst/>
-          </a:prstGeom>
-          <a:solidFill>
-            <a:schemeClr val="accent1">
-              <a:lumMod val="60000"/>
-              <a:lumOff val="40000"/>
-            </a:schemeClr>
-          </a:solidFill>
-        </p:spPr>
-        <p:style>
-          <a:lnRef idx="2">
-            <a:schemeClr val="accent1">
-              <a:shade val="50000"/>
-            </a:schemeClr>
-          </a:lnRef>
-          <a:fillRef idx="1">
-            <a:schemeClr val="accent1"/>
-          </a:fillRef>
-          <a:effectRef idx="0">
-            <a:schemeClr val="accent1"/>
-          </a:effectRef>
-          <a:fontRef idx="minor">
-            <a:schemeClr val="lt1"/>
-          </a:fontRef>
-        </p:style>
-        <p:txBody>
-          <a:bodyPr rtlCol="0" anchor="ctr"/>
-          <a:lstStyle/>
-          <a:p>
-            <a:pPr algn="ctr"/>
-            <a:r>
-              <a:rPr lang="en-US" sz="1000" dirty="0"/>
-              <a:t>Offset to start of Keys: 2b</a:t>
-            </a:r>
-          </a:p>
-        </p:txBody>
-      </p:sp>
-      <p:sp>
-        <p:nvSpPr>
-          <p:cNvPr id="8" name="Rectangle 7">
-            <a:extLst>
-              <a:ext uri="{FF2B5EF4-FFF2-40B4-BE49-F238E27FC236}">
-                <a16:creationId xmlns:a16="http://schemas.microsoft.com/office/drawing/2014/main" id="{7063F499-C2CE-4D9A-BA06-F5CEFB2081DB}"/>
-              </a:ext>
-            </a:extLst>
-          </p:cNvPr>
-          <p:cNvSpPr/>
-          <p:nvPr/>
-        </p:nvSpPr>
-        <p:spPr>
-          <a:xfrm>
-            <a:off x="6320706" y="2222590"/>
-            <a:ext cx="1388286" cy="313701"/>
-          </a:xfrm>
-          <a:prstGeom prst="rect">
-            <a:avLst/>
-          </a:prstGeom>
-          <a:solidFill>
-            <a:schemeClr val="accent1">
-              <a:lumMod val="60000"/>
-              <a:lumOff val="40000"/>
-            </a:schemeClr>
-          </a:solidFill>
-        </p:spPr>
-        <p:style>
-          <a:lnRef idx="2">
-            <a:schemeClr val="accent1">
-              <a:shade val="50000"/>
-            </a:schemeClr>
-          </a:lnRef>
-          <a:fillRef idx="1">
-            <a:schemeClr val="accent1"/>
-          </a:fillRef>
-          <a:effectRef idx="0">
-            <a:schemeClr val="accent1"/>
-          </a:effectRef>
-          <a:fontRef idx="minor">
-            <a:schemeClr val="lt1"/>
-          </a:fontRef>
-        </p:style>
-        <p:txBody>
-          <a:bodyPr rtlCol="0" anchor="ctr"/>
-          <a:lstStyle/>
-          <a:p>
-            <a:pPr algn="ctr"/>
-            <a:r>
-              <a:rPr lang="en-US" sz="1000" dirty="0"/>
-              <a:t>Predicate Ordinal: 1b</a:t>
-            </a:r>
-          </a:p>
-        </p:txBody>
-      </p:sp>
-      <p:sp>
-        <p:nvSpPr>
-          <p:cNvPr id="10" name="Rectangle 9">
-            <a:extLst>
-              <a:ext uri="{FF2B5EF4-FFF2-40B4-BE49-F238E27FC236}">
-                <a16:creationId xmlns:a16="http://schemas.microsoft.com/office/drawing/2014/main" id="{EC25506E-5741-4263-9837-E6040D6CDA98}"/>
-              </a:ext>
-            </a:extLst>
-          </p:cNvPr>
-          <p:cNvSpPr/>
-          <p:nvPr/>
-        </p:nvSpPr>
-        <p:spPr>
-          <a:xfrm>
-            <a:off x="7829132" y="2222590"/>
-            <a:ext cx="647422" cy="313701"/>
-          </a:xfrm>
-          <a:prstGeom prst="rect">
-            <a:avLst/>
-          </a:prstGeom>
-          <a:solidFill>
-            <a:schemeClr val="accent1">
-              <a:lumMod val="60000"/>
-              <a:lumOff val="40000"/>
-            </a:schemeClr>
-          </a:solidFill>
-        </p:spPr>
-        <p:style>
-          <a:lnRef idx="2">
-            <a:schemeClr val="accent1">
-              <a:shade val="50000"/>
-            </a:schemeClr>
-          </a:lnRef>
-          <a:fillRef idx="1">
-            <a:schemeClr val="accent1"/>
-          </a:fillRef>
-          <a:effectRef idx="0">
-            <a:schemeClr val="accent1"/>
-          </a:effectRef>
-          <a:fontRef idx="minor">
-            <a:schemeClr val="lt1"/>
-          </a:fontRef>
-        </p:style>
-        <p:txBody>
-          <a:bodyPr rtlCol="0" anchor="ctr"/>
-          <a:lstStyle/>
-          <a:p>
-            <a:pPr algn="ctr"/>
-            <a:r>
-              <a:rPr lang="en-US" sz="1000" dirty="0"/>
-              <a:t>Flags: 1b</a:t>
-            </a:r>
-          </a:p>
-        </p:txBody>
-      </p:sp>
-      <p:sp>
-        <p:nvSpPr>
-          <p:cNvPr id="12" name="Rectangle 11">
-            <a:extLst>
-              <a:ext uri="{FF2B5EF4-FFF2-40B4-BE49-F238E27FC236}">
-                <a16:creationId xmlns:a16="http://schemas.microsoft.com/office/drawing/2014/main" id="{818F0276-BE78-4BD3-9738-38B1C5C244DF}"/>
-              </a:ext>
-            </a:extLst>
-          </p:cNvPr>
-          <p:cNvSpPr/>
-          <p:nvPr/>
-        </p:nvSpPr>
-        <p:spPr>
-          <a:xfrm>
-            <a:off x="8596695" y="2222590"/>
-            <a:ext cx="1988988" cy="313701"/>
-          </a:xfrm>
-          <a:prstGeom prst="rect">
-            <a:avLst/>
-          </a:prstGeom>
-          <a:solidFill>
-            <a:schemeClr val="accent1">
-              <a:lumMod val="60000"/>
-              <a:lumOff val="40000"/>
-            </a:schemeClr>
-          </a:solidFill>
-        </p:spPr>
-        <p:style>
-          <a:lnRef idx="2">
-            <a:schemeClr val="accent1">
-              <a:shade val="50000"/>
-            </a:schemeClr>
-          </a:lnRef>
-          <a:fillRef idx="1">
-            <a:schemeClr val="accent1"/>
-          </a:fillRef>
-          <a:effectRef idx="0">
-            <a:schemeClr val="accent1"/>
-          </a:effectRef>
-          <a:fontRef idx="minor">
-            <a:schemeClr val="lt1"/>
-          </a:fontRef>
-        </p:style>
-        <p:txBody>
-          <a:bodyPr rtlCol="0" anchor="ctr"/>
-          <a:lstStyle/>
-          <a:p>
-            <a:pPr algn="ctr"/>
-            <a:r>
-              <a:rPr lang="en-US" sz="1000" dirty="0"/>
-              <a:t>Key returned from Predicate: Nb</a:t>
-            </a:r>
-          </a:p>
-        </p:txBody>
-      </p:sp>
-      <p:sp>
-        <p:nvSpPr>
-          <p:cNvPr id="14" name="Rectangle 13">
-            <a:extLst>
-              <a:ext uri="{FF2B5EF4-FFF2-40B4-BE49-F238E27FC236}">
-                <a16:creationId xmlns:a16="http://schemas.microsoft.com/office/drawing/2014/main" id="{AE929B07-DD3C-41D4-BA15-D26E67ACD2B3}"/>
-              </a:ext>
-            </a:extLst>
-          </p:cNvPr>
-          <p:cNvSpPr/>
-          <p:nvPr/>
-        </p:nvSpPr>
-        <p:spPr>
-          <a:xfrm>
-            <a:off x="1580982" y="2616386"/>
-            <a:ext cx="9150176" cy="475248"/>
-          </a:xfrm>
-          <a:prstGeom prst="rect">
-            <a:avLst/>
-          </a:prstGeom>
-          <a:solidFill>
-            <a:schemeClr val="accent1"/>
-          </a:solidFill>
-        </p:spPr>
-        <p:style>
-          <a:lnRef idx="2">
-            <a:schemeClr val="accent1">
-              <a:shade val="50000"/>
-            </a:schemeClr>
-          </a:lnRef>
-          <a:fillRef idx="1">
-            <a:schemeClr val="accent1"/>
-          </a:fillRef>
-          <a:effectRef idx="0">
-            <a:schemeClr val="accent1"/>
-          </a:effectRef>
-          <a:fontRef idx="minor">
-            <a:schemeClr val="lt1"/>
-          </a:fontRef>
-        </p:style>
-        <p:txBody>
-          <a:bodyPr rtlCol="0" anchor="ctr"/>
-          <a:lstStyle/>
-          <a:p>
-            <a:r>
-              <a:rPr lang="en-US" sz="1200" dirty="0"/>
-              <a:t>Predicate 2</a:t>
-            </a:r>
-            <a:br>
-              <a:rPr lang="en-US" sz="1200" dirty="0"/>
-            </a:br>
-            <a:r>
-              <a:rPr lang="en-US" sz="1200" dirty="0"/>
-              <a:t>(</a:t>
-            </a:r>
-            <a:r>
-              <a:rPr lang="en-US" sz="1200" dirty="0" err="1"/>
-              <a:t>KeyPointer</a:t>
-            </a:r>
-            <a:r>
-              <a:rPr lang="en-US" sz="1200" dirty="0"/>
-              <a:t>)</a:t>
-            </a:r>
-          </a:p>
-        </p:txBody>
-      </p:sp>
-      <p:sp>
-        <p:nvSpPr>
-          <p:cNvPr id="16" name="Rectangle 15">
-            <a:extLst>
-              <a:ext uri="{FF2B5EF4-FFF2-40B4-BE49-F238E27FC236}">
-                <a16:creationId xmlns:a16="http://schemas.microsoft.com/office/drawing/2014/main" id="{43C063D6-16B3-410C-8A14-9A3F473923C6}"/>
-              </a:ext>
-            </a:extLst>
-          </p:cNvPr>
-          <p:cNvSpPr/>
-          <p:nvPr/>
-        </p:nvSpPr>
-        <p:spPr>
-          <a:xfrm>
-            <a:off x="2930084" y="2697839"/>
-            <a:ext cx="1641916" cy="313701"/>
-          </a:xfrm>
-          <a:prstGeom prst="rect">
-            <a:avLst/>
-          </a:prstGeom>
-          <a:solidFill>
-            <a:schemeClr val="accent1">
-              <a:lumMod val="60000"/>
-              <a:lumOff val="40000"/>
-            </a:schemeClr>
-          </a:solidFill>
-        </p:spPr>
-        <p:style>
-          <a:lnRef idx="2">
-            <a:schemeClr val="accent1">
-              <a:shade val="50000"/>
-            </a:schemeClr>
-          </a:lnRef>
-          <a:fillRef idx="1">
-            <a:schemeClr val="accent1"/>
-          </a:fillRef>
-          <a:effectRef idx="0">
-            <a:schemeClr val="accent1"/>
-          </a:effectRef>
-          <a:fontRef idx="minor">
-            <a:schemeClr val="lt1"/>
-          </a:fontRef>
-        </p:style>
-        <p:txBody>
-          <a:bodyPr rtlCol="0" anchor="ctr"/>
-          <a:lstStyle/>
-          <a:p>
-            <a:pPr algn="ctr"/>
-            <a:r>
-              <a:rPr lang="en-US" sz="1000" dirty="0" err="1"/>
-              <a:t>PreviousAddress</a:t>
-            </a:r>
-            <a:r>
-              <a:rPr lang="en-US" sz="1000" dirty="0"/>
-              <a:t>: 8b</a:t>
-            </a:r>
-          </a:p>
-        </p:txBody>
-      </p:sp>
-      <p:sp>
-        <p:nvSpPr>
-          <p:cNvPr id="18" name="Rectangle 17">
-            <a:extLst>
-              <a:ext uri="{FF2B5EF4-FFF2-40B4-BE49-F238E27FC236}">
-                <a16:creationId xmlns:a16="http://schemas.microsoft.com/office/drawing/2014/main" id="{55E7A7A2-E371-4BC6-9CE6-B1DD200DAA05}"/>
-              </a:ext>
-            </a:extLst>
-          </p:cNvPr>
-          <p:cNvSpPr/>
-          <p:nvPr/>
-        </p:nvSpPr>
-        <p:spPr>
-          <a:xfrm>
-            <a:off x="4692140" y="2697839"/>
-            <a:ext cx="1508426" cy="313701"/>
-          </a:xfrm>
-          <a:prstGeom prst="rect">
-            <a:avLst/>
-          </a:prstGeom>
-          <a:solidFill>
-            <a:schemeClr val="accent1">
-              <a:lumMod val="60000"/>
-              <a:lumOff val="40000"/>
-            </a:schemeClr>
-          </a:solidFill>
-        </p:spPr>
-        <p:style>
-          <a:lnRef idx="2">
-            <a:schemeClr val="accent1">
-              <a:shade val="50000"/>
-            </a:schemeClr>
-          </a:lnRef>
-          <a:fillRef idx="1">
-            <a:schemeClr val="accent1"/>
-          </a:fillRef>
-          <a:effectRef idx="0">
-            <a:schemeClr val="accent1"/>
-          </a:effectRef>
-          <a:fontRef idx="minor">
-            <a:schemeClr val="lt1"/>
-          </a:fontRef>
-        </p:style>
-        <p:txBody>
-          <a:bodyPr rtlCol="0" anchor="ctr"/>
-          <a:lstStyle/>
-          <a:p>
-            <a:pPr algn="ctr"/>
-            <a:r>
-              <a:rPr lang="en-US" sz="1000" dirty="0"/>
-              <a:t>Offset to start of Keys: 2b</a:t>
-            </a:r>
-          </a:p>
-        </p:txBody>
-      </p:sp>
-      <p:sp>
-        <p:nvSpPr>
-          <p:cNvPr id="20" name="Rectangle 19">
-            <a:extLst>
-              <a:ext uri="{FF2B5EF4-FFF2-40B4-BE49-F238E27FC236}">
-                <a16:creationId xmlns:a16="http://schemas.microsoft.com/office/drawing/2014/main" id="{1FE091A6-973F-43BA-BD13-4DF1692622A8}"/>
-              </a:ext>
-            </a:extLst>
-          </p:cNvPr>
-          <p:cNvSpPr/>
-          <p:nvPr/>
-        </p:nvSpPr>
-        <p:spPr>
-          <a:xfrm>
-            <a:off x="6320706" y="2697838"/>
-            <a:ext cx="1388286" cy="313701"/>
-          </a:xfrm>
-          <a:prstGeom prst="rect">
-            <a:avLst/>
-          </a:prstGeom>
-          <a:solidFill>
-            <a:schemeClr val="accent1">
-              <a:lumMod val="60000"/>
-              <a:lumOff val="40000"/>
-            </a:schemeClr>
-          </a:solidFill>
-        </p:spPr>
-        <p:style>
-          <a:lnRef idx="2">
-            <a:schemeClr val="accent1">
-              <a:shade val="50000"/>
-            </a:schemeClr>
-          </a:lnRef>
-          <a:fillRef idx="1">
-            <a:schemeClr val="accent1"/>
-          </a:fillRef>
-          <a:effectRef idx="0">
-            <a:schemeClr val="accent1"/>
-          </a:effectRef>
-          <a:fontRef idx="minor">
-            <a:schemeClr val="lt1"/>
-          </a:fontRef>
-        </p:style>
-        <p:txBody>
-          <a:bodyPr rtlCol="0" anchor="ctr"/>
-          <a:lstStyle/>
-          <a:p>
-            <a:pPr algn="ctr"/>
-            <a:r>
-              <a:rPr lang="en-US" sz="1000" dirty="0"/>
-              <a:t>Predicate Ordinal: 1b</a:t>
-            </a:r>
-          </a:p>
-        </p:txBody>
-      </p:sp>
-      <p:sp>
-        <p:nvSpPr>
-          <p:cNvPr id="22" name="Rectangle 21">
-            <a:extLst>
-              <a:ext uri="{FF2B5EF4-FFF2-40B4-BE49-F238E27FC236}">
-                <a16:creationId xmlns:a16="http://schemas.microsoft.com/office/drawing/2014/main" id="{4725400C-DC36-4DFE-AD82-843ADB472EEB}"/>
-              </a:ext>
-            </a:extLst>
-          </p:cNvPr>
-          <p:cNvSpPr/>
-          <p:nvPr/>
-        </p:nvSpPr>
-        <p:spPr>
-          <a:xfrm>
-            <a:off x="7829132" y="2697838"/>
-            <a:ext cx="647422" cy="313701"/>
-          </a:xfrm>
-          <a:prstGeom prst="rect">
-            <a:avLst/>
-          </a:prstGeom>
-          <a:solidFill>
-            <a:schemeClr val="accent1">
-              <a:lumMod val="60000"/>
-              <a:lumOff val="40000"/>
-            </a:schemeClr>
-          </a:solidFill>
-        </p:spPr>
-        <p:style>
-          <a:lnRef idx="2">
-            <a:schemeClr val="accent1">
-              <a:shade val="50000"/>
-            </a:schemeClr>
-          </a:lnRef>
-          <a:fillRef idx="1">
-            <a:schemeClr val="accent1"/>
-          </a:fillRef>
-          <a:effectRef idx="0">
-            <a:schemeClr val="accent1"/>
-          </a:effectRef>
-          <a:fontRef idx="minor">
-            <a:schemeClr val="lt1"/>
-          </a:fontRef>
-        </p:style>
-        <p:txBody>
-          <a:bodyPr rtlCol="0" anchor="ctr"/>
-          <a:lstStyle/>
-          <a:p>
-            <a:pPr algn="ctr"/>
-            <a:r>
-              <a:rPr lang="en-US" sz="1000" dirty="0"/>
-              <a:t>Flags: 1b</a:t>
-            </a:r>
-          </a:p>
-        </p:txBody>
-      </p:sp>
-      <p:sp>
-        <p:nvSpPr>
-          <p:cNvPr id="24" name="Rectangle 23">
-            <a:extLst>
-              <a:ext uri="{FF2B5EF4-FFF2-40B4-BE49-F238E27FC236}">
-                <a16:creationId xmlns:a16="http://schemas.microsoft.com/office/drawing/2014/main" id="{8904C377-8B99-4712-84ED-C76C46A55101}"/>
-              </a:ext>
-            </a:extLst>
-          </p:cNvPr>
-          <p:cNvSpPr/>
-          <p:nvPr/>
-        </p:nvSpPr>
-        <p:spPr>
-          <a:xfrm>
-            <a:off x="8596695" y="2697838"/>
-            <a:ext cx="1988988" cy="313701"/>
-          </a:xfrm>
-          <a:prstGeom prst="rect">
-            <a:avLst/>
-          </a:prstGeom>
-          <a:solidFill>
-            <a:schemeClr val="accent1">
-              <a:lumMod val="60000"/>
-              <a:lumOff val="40000"/>
-            </a:schemeClr>
-          </a:solidFill>
-        </p:spPr>
-        <p:style>
-          <a:lnRef idx="2">
-            <a:schemeClr val="accent1">
-              <a:shade val="50000"/>
-            </a:schemeClr>
-          </a:lnRef>
-          <a:fillRef idx="1">
-            <a:schemeClr val="accent1"/>
-          </a:fillRef>
-          <a:effectRef idx="0">
-            <a:schemeClr val="accent1"/>
-          </a:effectRef>
-          <a:fontRef idx="minor">
-            <a:schemeClr val="lt1"/>
-          </a:fontRef>
-        </p:style>
-        <p:txBody>
-          <a:bodyPr rtlCol="0" anchor="ctr"/>
-          <a:lstStyle/>
-          <a:p>
-            <a:pPr algn="ctr"/>
-            <a:r>
-              <a:rPr lang="en-US" sz="1000" dirty="0"/>
-              <a:t>Key returned from Predicate: Nb</a:t>
-            </a:r>
-          </a:p>
-        </p:txBody>
-      </p:sp>
-      <p:sp>
-        <p:nvSpPr>
-          <p:cNvPr id="26" name="Rectangle 25">
-            <a:extLst>
-              <a:ext uri="{FF2B5EF4-FFF2-40B4-BE49-F238E27FC236}">
-                <a16:creationId xmlns:a16="http://schemas.microsoft.com/office/drawing/2014/main" id="{957C8F4E-1B65-4F9F-8B24-A030F82BB63A}"/>
-              </a:ext>
-            </a:extLst>
-          </p:cNvPr>
-          <p:cNvSpPr/>
-          <p:nvPr/>
-        </p:nvSpPr>
-        <p:spPr>
-          <a:xfrm>
-            <a:off x="1580982" y="3080941"/>
-            <a:ext cx="9150176" cy="475248"/>
-          </a:xfrm>
-          <a:prstGeom prst="rect">
-            <a:avLst/>
-          </a:prstGeom>
-          <a:solidFill>
-            <a:schemeClr val="accent1"/>
-          </a:solidFill>
-        </p:spPr>
-        <p:style>
-          <a:lnRef idx="2">
-            <a:schemeClr val="accent1">
-              <a:shade val="50000"/>
-            </a:schemeClr>
-          </a:lnRef>
-          <a:fillRef idx="1">
-            <a:schemeClr val="accent1"/>
-          </a:fillRef>
-          <a:effectRef idx="0">
-            <a:schemeClr val="accent1"/>
-          </a:effectRef>
-          <a:fontRef idx="minor">
-            <a:schemeClr val="lt1"/>
-          </a:fontRef>
-        </p:style>
-        <p:txBody>
-          <a:bodyPr rtlCol="0" anchor="ctr"/>
-          <a:lstStyle/>
-          <a:p>
-            <a:r>
-              <a:rPr lang="en-US" sz="1200" dirty="0"/>
-              <a:t>Predicate 3</a:t>
-            </a:r>
-            <a:br>
-              <a:rPr lang="en-US" sz="1200" dirty="0"/>
-            </a:br>
-            <a:r>
-              <a:rPr lang="en-US" sz="1200" dirty="0"/>
-              <a:t>(</a:t>
-            </a:r>
-            <a:r>
-              <a:rPr lang="en-US" sz="1200" dirty="0" err="1"/>
-              <a:t>KeyPointer</a:t>
-            </a:r>
-            <a:r>
-              <a:rPr lang="en-US" sz="1200" dirty="0"/>
-              <a:t>)</a:t>
-            </a:r>
-          </a:p>
-        </p:txBody>
-      </p:sp>
-      <p:sp>
-        <p:nvSpPr>
-          <p:cNvPr id="28" name="Rectangle 27">
-            <a:extLst>
-              <a:ext uri="{FF2B5EF4-FFF2-40B4-BE49-F238E27FC236}">
-                <a16:creationId xmlns:a16="http://schemas.microsoft.com/office/drawing/2014/main" id="{9A643B56-2A0C-4662-8A4D-CD7B84C612A3}"/>
-              </a:ext>
-            </a:extLst>
-          </p:cNvPr>
-          <p:cNvSpPr/>
-          <p:nvPr/>
-        </p:nvSpPr>
-        <p:spPr>
-          <a:xfrm>
-            <a:off x="2930084" y="3162394"/>
-            <a:ext cx="1641916" cy="313701"/>
-          </a:xfrm>
-          <a:prstGeom prst="rect">
-            <a:avLst/>
-          </a:prstGeom>
-          <a:solidFill>
-            <a:schemeClr val="accent1">
-              <a:lumMod val="60000"/>
-              <a:lumOff val="40000"/>
-            </a:schemeClr>
-          </a:solidFill>
-        </p:spPr>
-        <p:style>
-          <a:lnRef idx="2">
-            <a:schemeClr val="accent1">
-              <a:shade val="50000"/>
-            </a:schemeClr>
-          </a:lnRef>
-          <a:fillRef idx="1">
-            <a:schemeClr val="accent1"/>
-          </a:fillRef>
-          <a:effectRef idx="0">
-            <a:schemeClr val="accent1"/>
-          </a:effectRef>
-          <a:fontRef idx="minor">
-            <a:schemeClr val="lt1"/>
-          </a:fontRef>
-        </p:style>
-        <p:txBody>
-          <a:bodyPr rtlCol="0" anchor="ctr"/>
-          <a:lstStyle/>
-          <a:p>
-            <a:pPr algn="ctr"/>
-            <a:r>
-              <a:rPr lang="en-US" sz="1000" dirty="0" err="1"/>
-              <a:t>PreviousAddress</a:t>
-            </a:r>
-            <a:r>
-              <a:rPr lang="en-US" sz="1000" dirty="0"/>
-              <a:t>: 8b</a:t>
-            </a:r>
-          </a:p>
-        </p:txBody>
-      </p:sp>
-      <p:sp>
-        <p:nvSpPr>
-          <p:cNvPr id="30" name="Rectangle 29">
-            <a:extLst>
-              <a:ext uri="{FF2B5EF4-FFF2-40B4-BE49-F238E27FC236}">
-                <a16:creationId xmlns:a16="http://schemas.microsoft.com/office/drawing/2014/main" id="{66F788CA-0343-477F-9FAE-11D8C2274C14}"/>
-              </a:ext>
-            </a:extLst>
-          </p:cNvPr>
-          <p:cNvSpPr/>
-          <p:nvPr/>
-        </p:nvSpPr>
-        <p:spPr>
-          <a:xfrm>
-            <a:off x="4692140" y="3162394"/>
-            <a:ext cx="1508426" cy="313701"/>
-          </a:xfrm>
-          <a:prstGeom prst="rect">
-            <a:avLst/>
-          </a:prstGeom>
-          <a:solidFill>
-            <a:schemeClr val="accent1">
-              <a:lumMod val="60000"/>
-              <a:lumOff val="40000"/>
-            </a:schemeClr>
-          </a:solidFill>
-        </p:spPr>
-        <p:style>
-          <a:lnRef idx="2">
-            <a:schemeClr val="accent1">
-              <a:shade val="50000"/>
-            </a:schemeClr>
-          </a:lnRef>
-          <a:fillRef idx="1">
-            <a:schemeClr val="accent1"/>
-          </a:fillRef>
-          <a:effectRef idx="0">
-            <a:schemeClr val="accent1"/>
-          </a:effectRef>
-          <a:fontRef idx="minor">
-            <a:schemeClr val="lt1"/>
-          </a:fontRef>
-        </p:style>
-        <p:txBody>
-          <a:bodyPr rtlCol="0" anchor="ctr"/>
-          <a:lstStyle/>
-          <a:p>
-            <a:pPr algn="ctr"/>
-            <a:r>
-              <a:rPr lang="en-US" sz="1000" dirty="0"/>
-              <a:t>Offset to start of Keys: 2b</a:t>
-            </a:r>
-          </a:p>
-        </p:txBody>
-      </p:sp>
-      <p:sp>
-        <p:nvSpPr>
-          <p:cNvPr id="32" name="Rectangle 31">
-            <a:extLst>
-              <a:ext uri="{FF2B5EF4-FFF2-40B4-BE49-F238E27FC236}">
-                <a16:creationId xmlns:a16="http://schemas.microsoft.com/office/drawing/2014/main" id="{839BC4E8-F2DA-40A5-94BF-2E796D74C801}"/>
-              </a:ext>
-            </a:extLst>
-          </p:cNvPr>
-          <p:cNvSpPr/>
-          <p:nvPr/>
-        </p:nvSpPr>
-        <p:spPr>
-          <a:xfrm>
-            <a:off x="6320706" y="3162393"/>
-            <a:ext cx="1388286" cy="313701"/>
-          </a:xfrm>
-          <a:prstGeom prst="rect">
-            <a:avLst/>
-          </a:prstGeom>
-          <a:solidFill>
-            <a:schemeClr val="accent1">
-              <a:lumMod val="60000"/>
-              <a:lumOff val="40000"/>
-            </a:schemeClr>
-          </a:solidFill>
-        </p:spPr>
-        <p:style>
-          <a:lnRef idx="2">
-            <a:schemeClr val="accent1">
-              <a:shade val="50000"/>
-            </a:schemeClr>
-          </a:lnRef>
-          <a:fillRef idx="1">
-            <a:schemeClr val="accent1"/>
-          </a:fillRef>
-          <a:effectRef idx="0">
-            <a:schemeClr val="accent1"/>
-          </a:effectRef>
-          <a:fontRef idx="minor">
-            <a:schemeClr val="lt1"/>
-          </a:fontRef>
-        </p:style>
-        <p:txBody>
-          <a:bodyPr rtlCol="0" anchor="ctr"/>
-          <a:lstStyle/>
-          <a:p>
-            <a:pPr algn="ctr"/>
-            <a:r>
-              <a:rPr lang="en-US" sz="1000" dirty="0"/>
-              <a:t>Predicate Ordinal: 1b</a:t>
-            </a:r>
-          </a:p>
-        </p:txBody>
-      </p:sp>
-      <p:sp>
-        <p:nvSpPr>
-          <p:cNvPr id="34" name="Rectangle 33">
-            <a:extLst>
-              <a:ext uri="{FF2B5EF4-FFF2-40B4-BE49-F238E27FC236}">
-                <a16:creationId xmlns:a16="http://schemas.microsoft.com/office/drawing/2014/main" id="{AE4E91F3-943A-4EE7-8A79-FB811D32089B}"/>
-              </a:ext>
-            </a:extLst>
-          </p:cNvPr>
-          <p:cNvSpPr/>
-          <p:nvPr/>
-        </p:nvSpPr>
-        <p:spPr>
-          <a:xfrm>
-            <a:off x="7829132" y="3162393"/>
-            <a:ext cx="647422" cy="313701"/>
-          </a:xfrm>
-          <a:prstGeom prst="rect">
-            <a:avLst/>
-          </a:prstGeom>
-          <a:solidFill>
-            <a:schemeClr val="accent1">
-              <a:lumMod val="60000"/>
-              <a:lumOff val="40000"/>
-            </a:schemeClr>
-          </a:solidFill>
-        </p:spPr>
-        <p:style>
-          <a:lnRef idx="2">
-            <a:schemeClr val="accent1">
-              <a:shade val="50000"/>
-            </a:schemeClr>
-          </a:lnRef>
-          <a:fillRef idx="1">
-            <a:schemeClr val="accent1"/>
-          </a:fillRef>
-          <a:effectRef idx="0">
-            <a:schemeClr val="accent1"/>
-          </a:effectRef>
-          <a:fontRef idx="minor">
-            <a:schemeClr val="lt1"/>
-          </a:fontRef>
-        </p:style>
-        <p:txBody>
-          <a:bodyPr rtlCol="0" anchor="ctr"/>
-          <a:lstStyle/>
-          <a:p>
-            <a:pPr algn="ctr"/>
-            <a:r>
-              <a:rPr lang="en-US" sz="1000" dirty="0"/>
-              <a:t>Flags: 1b</a:t>
-            </a:r>
-          </a:p>
-        </p:txBody>
-      </p:sp>
-      <p:sp>
-        <p:nvSpPr>
-          <p:cNvPr id="36" name="Rectangle 35">
-            <a:extLst>
-              <a:ext uri="{FF2B5EF4-FFF2-40B4-BE49-F238E27FC236}">
-                <a16:creationId xmlns:a16="http://schemas.microsoft.com/office/drawing/2014/main" id="{C4E28258-D525-42B7-BD16-79D1420DE7A9}"/>
-              </a:ext>
-            </a:extLst>
-          </p:cNvPr>
-          <p:cNvSpPr/>
-          <p:nvPr/>
-        </p:nvSpPr>
-        <p:spPr>
-          <a:xfrm>
-            <a:off x="8596695" y="3162393"/>
-            <a:ext cx="1988988" cy="313701"/>
-          </a:xfrm>
-          <a:prstGeom prst="rect">
-            <a:avLst/>
-          </a:prstGeom>
-          <a:solidFill>
-            <a:schemeClr val="accent1">
-              <a:lumMod val="60000"/>
-              <a:lumOff val="40000"/>
-            </a:schemeClr>
-          </a:solidFill>
-        </p:spPr>
-        <p:style>
-          <a:lnRef idx="2">
-            <a:schemeClr val="accent1">
-              <a:shade val="50000"/>
-            </a:schemeClr>
-          </a:lnRef>
-          <a:fillRef idx="1">
-            <a:schemeClr val="accent1"/>
-          </a:fillRef>
-          <a:effectRef idx="0">
-            <a:schemeClr val="accent1"/>
-          </a:effectRef>
-          <a:fontRef idx="minor">
-            <a:schemeClr val="lt1"/>
-          </a:fontRef>
-        </p:style>
-        <p:txBody>
-          <a:bodyPr rtlCol="0" anchor="ctr"/>
-          <a:lstStyle/>
-          <a:p>
-            <a:pPr algn="ctr"/>
-            <a:r>
-              <a:rPr lang="en-US" sz="1000" dirty="0"/>
-              <a:t>Key returned from Predicate: Nb</a:t>
-            </a:r>
-          </a:p>
-        </p:txBody>
-      </p:sp>
-      <p:sp>
-        <p:nvSpPr>
-          <p:cNvPr id="37" name="Rectangle 36">
-            <a:extLst>
-              <a:ext uri="{FF2B5EF4-FFF2-40B4-BE49-F238E27FC236}">
-                <a16:creationId xmlns:a16="http://schemas.microsoft.com/office/drawing/2014/main" id="{3C28623A-4BEB-454A-864F-8788F8315F50}"/>
-              </a:ext>
-            </a:extLst>
-          </p:cNvPr>
-          <p:cNvSpPr/>
-          <p:nvPr/>
-        </p:nvSpPr>
-        <p:spPr>
-          <a:xfrm>
-            <a:off x="1580982" y="1733996"/>
-            <a:ext cx="9150176" cy="407142"/>
-          </a:xfrm>
-          <a:prstGeom prst="rect">
-            <a:avLst/>
-          </a:prstGeom>
-          <a:solidFill>
-            <a:schemeClr val="accent5"/>
-          </a:solidFill>
-        </p:spPr>
-        <p:style>
-          <a:lnRef idx="2">
-            <a:schemeClr val="accent1">
-              <a:shade val="50000"/>
-            </a:schemeClr>
-          </a:lnRef>
-          <a:fillRef idx="1">
-            <a:schemeClr val="accent1"/>
-          </a:fillRef>
-          <a:effectRef idx="0">
-            <a:schemeClr val="accent1"/>
-          </a:effectRef>
-          <a:fontRef idx="minor">
-            <a:schemeClr val="lt1"/>
-          </a:fontRef>
-        </p:style>
-        <p:txBody>
-          <a:bodyPr rtlCol="0" anchor="ctr"/>
-          <a:lstStyle/>
-          <a:p>
-            <a:pPr algn="ctr"/>
-            <a:r>
-              <a:rPr lang="en-US"/>
-              <a:t>Record Header (RecordInfo)</a:t>
-            </a:r>
-            <a:endParaRPr lang="en-US" dirty="0"/>
-          </a:p>
-        </p:txBody>
-      </p:sp>
-      <p:sp>
-        <p:nvSpPr>
-          <p:cNvPr id="39" name="Rectangle 38">
-            <a:extLst>
-              <a:ext uri="{FF2B5EF4-FFF2-40B4-BE49-F238E27FC236}">
-                <a16:creationId xmlns:a16="http://schemas.microsoft.com/office/drawing/2014/main" id="{D117F272-F03F-4909-8C93-48951AE11C1E}"/>
-              </a:ext>
-            </a:extLst>
-          </p:cNvPr>
-          <p:cNvSpPr/>
-          <p:nvPr/>
-        </p:nvSpPr>
-        <p:spPr>
-          <a:xfrm>
-            <a:off x="1580982" y="3566882"/>
-            <a:ext cx="9150176" cy="407142"/>
+            <a:off x="212414" y="4914486"/>
+            <a:ext cx="11780520" cy="906058"/>
           </a:xfrm>
           <a:prstGeom prst="rect">
             <a:avLst/>
@@ -6214,16 +5384,895 @@
           <a:p>
             <a:pPr algn="ctr"/>
             <a:r>
-              <a:rPr lang="en-US" dirty="0"/>
+              <a:rPr lang="en-US" sz="2000" dirty="0"/>
               <a:t>Record Value (</a:t>
             </a:r>
             <a:r>
-              <a:rPr lang="en-US" dirty="0" err="1"/>
+              <a:rPr lang="en-US" sz="2000" dirty="0" err="1"/>
               <a:t>RecordId</a:t>
             </a:r>
             <a:r>
-              <a:rPr lang="en-US" dirty="0"/>
+              <a:rPr lang="en-US" sz="2000" dirty="0"/>
               <a:t>)</a:t>
+            </a:r>
+          </a:p>
+        </p:txBody>
+      </p:sp>
+      <p:sp>
+        <p:nvSpPr>
+          <p:cNvPr id="23" name="Rectangle 22">
+            <a:extLst>
+              <a:ext uri="{FF2B5EF4-FFF2-40B4-BE49-F238E27FC236}">
+                <a16:creationId xmlns:a16="http://schemas.microsoft.com/office/drawing/2014/main" id="{412783CC-A58A-4D8C-A2F5-99D92675ED74}"/>
+              </a:ext>
+            </a:extLst>
+          </p:cNvPr>
+          <p:cNvSpPr/>
+          <p:nvPr/>
+        </p:nvSpPr>
+        <p:spPr>
+          <a:xfrm>
+            <a:off x="1662782" y="4033571"/>
+            <a:ext cx="2113907" cy="698113"/>
+          </a:xfrm>
+          <a:prstGeom prst="rect">
+            <a:avLst/>
+          </a:prstGeom>
+          <a:solidFill>
+            <a:schemeClr val="accent1">
+              <a:lumMod val="60000"/>
+              <a:lumOff val="40000"/>
+            </a:schemeClr>
+          </a:solidFill>
+        </p:spPr>
+        <p:style>
+          <a:lnRef idx="2">
+            <a:schemeClr val="accent1">
+              <a:shade val="50000"/>
+            </a:schemeClr>
+          </a:lnRef>
+          <a:fillRef idx="1">
+            <a:schemeClr val="accent1"/>
+          </a:fillRef>
+          <a:effectRef idx="0">
+            <a:schemeClr val="accent1"/>
+          </a:effectRef>
+          <a:fontRef idx="minor">
+            <a:schemeClr val="lt1"/>
+          </a:fontRef>
+        </p:style>
+        <p:txBody>
+          <a:bodyPr rtlCol="0" anchor="ctr"/>
+          <a:lstStyle/>
+          <a:p>
+            <a:pPr algn="ctr"/>
+            <a:r>
+              <a:rPr lang="en-US" sz="1600" dirty="0" err="1"/>
+              <a:t>PreviousAddress</a:t>
+            </a:r>
+            <a:r>
+              <a:rPr lang="en-US" sz="1600" dirty="0"/>
+              <a:t>:</a:t>
+            </a:r>
+            <a:br>
+              <a:rPr lang="en-US" sz="1600" dirty="0"/>
+            </a:br>
+            <a:r>
+              <a:rPr lang="en-US" sz="1600" dirty="0"/>
+              <a:t>8 bytes</a:t>
+            </a:r>
+          </a:p>
+        </p:txBody>
+      </p:sp>
+      <p:sp>
+        <p:nvSpPr>
+          <p:cNvPr id="25" name="Rectangle 24">
+            <a:extLst>
+              <a:ext uri="{FF2B5EF4-FFF2-40B4-BE49-F238E27FC236}">
+                <a16:creationId xmlns:a16="http://schemas.microsoft.com/office/drawing/2014/main" id="{72E9A42B-E2BE-4955-93AF-EB9B750675F0}"/>
+              </a:ext>
+            </a:extLst>
+          </p:cNvPr>
+          <p:cNvSpPr/>
+          <p:nvPr/>
+        </p:nvSpPr>
+        <p:spPr>
+          <a:xfrm>
+            <a:off x="3995607" y="4033627"/>
+            <a:ext cx="1942043" cy="698113"/>
+          </a:xfrm>
+          <a:prstGeom prst="rect">
+            <a:avLst/>
+          </a:prstGeom>
+          <a:solidFill>
+            <a:schemeClr val="accent1">
+              <a:lumMod val="60000"/>
+              <a:lumOff val="40000"/>
+            </a:schemeClr>
+          </a:solidFill>
+        </p:spPr>
+        <p:style>
+          <a:lnRef idx="2">
+            <a:schemeClr val="accent1">
+              <a:shade val="50000"/>
+            </a:schemeClr>
+          </a:lnRef>
+          <a:fillRef idx="1">
+            <a:schemeClr val="accent1"/>
+          </a:fillRef>
+          <a:effectRef idx="0">
+            <a:schemeClr val="accent1"/>
+          </a:effectRef>
+          <a:fontRef idx="minor">
+            <a:schemeClr val="lt1"/>
+          </a:fontRef>
+        </p:style>
+        <p:txBody>
+          <a:bodyPr rtlCol="0" anchor="ctr"/>
+          <a:lstStyle/>
+          <a:p>
+            <a:pPr algn="ctr"/>
+            <a:r>
+              <a:rPr lang="en-US" sz="1600" dirty="0"/>
+              <a:t>Offset to start of Keys: 2 bytes</a:t>
+            </a:r>
+          </a:p>
+        </p:txBody>
+      </p:sp>
+      <p:sp>
+        <p:nvSpPr>
+          <p:cNvPr id="27" name="Rectangle 26">
+            <a:extLst>
+              <a:ext uri="{FF2B5EF4-FFF2-40B4-BE49-F238E27FC236}">
+                <a16:creationId xmlns:a16="http://schemas.microsoft.com/office/drawing/2014/main" id="{0CF48E9E-0C45-45AA-BE70-EE4DA9692607}"/>
+              </a:ext>
+            </a:extLst>
+          </p:cNvPr>
+          <p:cNvSpPr/>
+          <p:nvPr/>
+        </p:nvSpPr>
+        <p:spPr>
+          <a:xfrm>
+            <a:off x="6156568" y="4033627"/>
+            <a:ext cx="1787368" cy="698113"/>
+          </a:xfrm>
+          <a:prstGeom prst="rect">
+            <a:avLst/>
+          </a:prstGeom>
+          <a:solidFill>
+            <a:schemeClr val="accent1">
+              <a:lumMod val="60000"/>
+              <a:lumOff val="40000"/>
+            </a:schemeClr>
+          </a:solidFill>
+        </p:spPr>
+        <p:style>
+          <a:lnRef idx="2">
+            <a:schemeClr val="accent1">
+              <a:shade val="50000"/>
+            </a:schemeClr>
+          </a:lnRef>
+          <a:fillRef idx="1">
+            <a:schemeClr val="accent1"/>
+          </a:fillRef>
+          <a:effectRef idx="0">
+            <a:schemeClr val="accent1"/>
+          </a:effectRef>
+          <a:fontRef idx="minor">
+            <a:schemeClr val="lt1"/>
+          </a:fontRef>
+        </p:style>
+        <p:txBody>
+          <a:bodyPr rtlCol="0" anchor="ctr"/>
+          <a:lstStyle/>
+          <a:p>
+            <a:pPr algn="ctr"/>
+            <a:r>
+              <a:rPr lang="en-US" sz="1600" dirty="0"/>
+              <a:t>Predicate Ordinal: 1 byte</a:t>
+            </a:r>
+          </a:p>
+        </p:txBody>
+      </p:sp>
+      <p:sp>
+        <p:nvSpPr>
+          <p:cNvPr id="29" name="Rectangle 28">
+            <a:extLst>
+              <a:ext uri="{FF2B5EF4-FFF2-40B4-BE49-F238E27FC236}">
+                <a16:creationId xmlns:a16="http://schemas.microsoft.com/office/drawing/2014/main" id="{89DB618B-0418-4AF1-8AA3-AC563E8F2321}"/>
+              </a:ext>
+            </a:extLst>
+          </p:cNvPr>
+          <p:cNvSpPr/>
+          <p:nvPr/>
+        </p:nvSpPr>
+        <p:spPr>
+          <a:xfrm>
+            <a:off x="8146842" y="4033571"/>
+            <a:ext cx="969145" cy="698113"/>
+          </a:xfrm>
+          <a:prstGeom prst="rect">
+            <a:avLst/>
+          </a:prstGeom>
+          <a:solidFill>
+            <a:schemeClr val="accent1">
+              <a:lumMod val="60000"/>
+              <a:lumOff val="40000"/>
+            </a:schemeClr>
+          </a:solidFill>
+        </p:spPr>
+        <p:style>
+          <a:lnRef idx="2">
+            <a:schemeClr val="accent1">
+              <a:shade val="50000"/>
+            </a:schemeClr>
+          </a:lnRef>
+          <a:fillRef idx="1">
+            <a:schemeClr val="accent1"/>
+          </a:fillRef>
+          <a:effectRef idx="0">
+            <a:schemeClr val="accent1"/>
+          </a:effectRef>
+          <a:fontRef idx="minor">
+            <a:schemeClr val="lt1"/>
+          </a:fontRef>
+        </p:style>
+        <p:txBody>
+          <a:bodyPr rtlCol="0" anchor="ctr"/>
+          <a:lstStyle/>
+          <a:p>
+            <a:pPr algn="ctr"/>
+            <a:r>
+              <a:rPr lang="en-US" sz="1600" dirty="0"/>
+              <a:t>Flags:</a:t>
+            </a:r>
+            <a:br>
+              <a:rPr lang="en-US" sz="1600" dirty="0"/>
+            </a:br>
+            <a:r>
+              <a:rPr lang="en-US" sz="1600" dirty="0"/>
+              <a:t>1 byte</a:t>
+            </a:r>
+          </a:p>
+        </p:txBody>
+      </p:sp>
+      <p:sp>
+        <p:nvSpPr>
+          <p:cNvPr id="31" name="Rectangle 30">
+            <a:extLst>
+              <a:ext uri="{FF2B5EF4-FFF2-40B4-BE49-F238E27FC236}">
+                <a16:creationId xmlns:a16="http://schemas.microsoft.com/office/drawing/2014/main" id="{33F2A7CD-0241-4D82-BDB2-CAA466AE260E}"/>
+              </a:ext>
+            </a:extLst>
+          </p:cNvPr>
+          <p:cNvSpPr/>
+          <p:nvPr/>
+        </p:nvSpPr>
+        <p:spPr>
+          <a:xfrm>
+            <a:off x="9318893" y="4033571"/>
+            <a:ext cx="2560750" cy="698113"/>
+          </a:xfrm>
+          <a:prstGeom prst="rect">
+            <a:avLst/>
+          </a:prstGeom>
+          <a:solidFill>
+            <a:schemeClr val="accent1">
+              <a:lumMod val="60000"/>
+              <a:lumOff val="40000"/>
+            </a:schemeClr>
+          </a:solidFill>
+        </p:spPr>
+        <p:style>
+          <a:lnRef idx="2">
+            <a:schemeClr val="accent1">
+              <a:shade val="50000"/>
+            </a:schemeClr>
+          </a:lnRef>
+          <a:fillRef idx="1">
+            <a:schemeClr val="accent1"/>
+          </a:fillRef>
+          <a:effectRef idx="0">
+            <a:schemeClr val="accent1"/>
+          </a:effectRef>
+          <a:fontRef idx="minor">
+            <a:schemeClr val="lt1"/>
+          </a:fontRef>
+        </p:style>
+        <p:txBody>
+          <a:bodyPr rtlCol="0" anchor="ctr"/>
+          <a:lstStyle/>
+          <a:p>
+            <a:pPr algn="ctr"/>
+            <a:r>
+              <a:rPr lang="en-US" sz="1600" dirty="0"/>
+              <a:t>Key returned from Predicate: N bytes</a:t>
+            </a:r>
+          </a:p>
+        </p:txBody>
+      </p:sp>
+      <p:sp>
+        <p:nvSpPr>
+          <p:cNvPr id="52" name="Rectangle 51">
+            <a:extLst>
+              <a:ext uri="{FF2B5EF4-FFF2-40B4-BE49-F238E27FC236}">
+                <a16:creationId xmlns:a16="http://schemas.microsoft.com/office/drawing/2014/main" id="{FF263D60-B97D-4DFD-AFD9-CBC5A2A92672}"/>
+              </a:ext>
+            </a:extLst>
+          </p:cNvPr>
+          <p:cNvSpPr/>
+          <p:nvPr/>
+        </p:nvSpPr>
+        <p:spPr>
+          <a:xfrm>
+            <a:off x="1646820" y="2952022"/>
+            <a:ext cx="2113907" cy="698113"/>
+          </a:xfrm>
+          <a:prstGeom prst="rect">
+            <a:avLst/>
+          </a:prstGeom>
+          <a:solidFill>
+            <a:schemeClr val="accent1">
+              <a:lumMod val="60000"/>
+              <a:lumOff val="40000"/>
+            </a:schemeClr>
+          </a:solidFill>
+        </p:spPr>
+        <p:style>
+          <a:lnRef idx="2">
+            <a:schemeClr val="accent1">
+              <a:shade val="50000"/>
+            </a:schemeClr>
+          </a:lnRef>
+          <a:fillRef idx="1">
+            <a:schemeClr val="accent1"/>
+          </a:fillRef>
+          <a:effectRef idx="0">
+            <a:schemeClr val="accent1"/>
+          </a:effectRef>
+          <a:fontRef idx="minor">
+            <a:schemeClr val="lt1"/>
+          </a:fontRef>
+        </p:style>
+        <p:txBody>
+          <a:bodyPr rtlCol="0" anchor="ctr"/>
+          <a:lstStyle/>
+          <a:p>
+            <a:pPr algn="ctr"/>
+            <a:r>
+              <a:rPr lang="en-US" sz="1600" dirty="0" err="1"/>
+              <a:t>PreviousAddress</a:t>
+            </a:r>
+            <a:r>
+              <a:rPr lang="en-US" sz="1600" dirty="0"/>
+              <a:t>:</a:t>
+            </a:r>
+            <a:br>
+              <a:rPr lang="en-US" sz="1600" dirty="0"/>
+            </a:br>
+            <a:r>
+              <a:rPr lang="en-US" sz="1600" dirty="0"/>
+              <a:t>8 bytes</a:t>
+            </a:r>
+          </a:p>
+        </p:txBody>
+      </p:sp>
+      <p:sp>
+        <p:nvSpPr>
+          <p:cNvPr id="53" name="Rectangle 52">
+            <a:extLst>
+              <a:ext uri="{FF2B5EF4-FFF2-40B4-BE49-F238E27FC236}">
+                <a16:creationId xmlns:a16="http://schemas.microsoft.com/office/drawing/2014/main" id="{2E3786BF-73AF-4D4F-8873-7A2A2F27CEBB}"/>
+              </a:ext>
+            </a:extLst>
+          </p:cNvPr>
+          <p:cNvSpPr/>
+          <p:nvPr/>
+        </p:nvSpPr>
+        <p:spPr>
+          <a:xfrm>
+            <a:off x="3979645" y="2952078"/>
+            <a:ext cx="1942043" cy="698113"/>
+          </a:xfrm>
+          <a:prstGeom prst="rect">
+            <a:avLst/>
+          </a:prstGeom>
+          <a:solidFill>
+            <a:schemeClr val="accent1">
+              <a:lumMod val="60000"/>
+              <a:lumOff val="40000"/>
+            </a:schemeClr>
+          </a:solidFill>
+        </p:spPr>
+        <p:style>
+          <a:lnRef idx="2">
+            <a:schemeClr val="accent1">
+              <a:shade val="50000"/>
+            </a:schemeClr>
+          </a:lnRef>
+          <a:fillRef idx="1">
+            <a:schemeClr val="accent1"/>
+          </a:fillRef>
+          <a:effectRef idx="0">
+            <a:schemeClr val="accent1"/>
+          </a:effectRef>
+          <a:fontRef idx="minor">
+            <a:schemeClr val="lt1"/>
+          </a:fontRef>
+        </p:style>
+        <p:txBody>
+          <a:bodyPr rtlCol="0" anchor="ctr"/>
+          <a:lstStyle/>
+          <a:p>
+            <a:pPr algn="ctr"/>
+            <a:r>
+              <a:rPr lang="en-US" sz="1600" dirty="0"/>
+              <a:t>Offset to start of Keys: 2 bytes</a:t>
+            </a:r>
+          </a:p>
+        </p:txBody>
+      </p:sp>
+      <p:sp>
+        <p:nvSpPr>
+          <p:cNvPr id="54" name="Rectangle 53">
+            <a:extLst>
+              <a:ext uri="{FF2B5EF4-FFF2-40B4-BE49-F238E27FC236}">
+                <a16:creationId xmlns:a16="http://schemas.microsoft.com/office/drawing/2014/main" id="{90E6C797-CA84-4BCE-9593-6CCBEF17B6DB}"/>
+              </a:ext>
+            </a:extLst>
+          </p:cNvPr>
+          <p:cNvSpPr/>
+          <p:nvPr/>
+        </p:nvSpPr>
+        <p:spPr>
+          <a:xfrm>
+            <a:off x="6140606" y="2952078"/>
+            <a:ext cx="1787368" cy="698113"/>
+          </a:xfrm>
+          <a:prstGeom prst="rect">
+            <a:avLst/>
+          </a:prstGeom>
+          <a:solidFill>
+            <a:schemeClr val="accent1">
+              <a:lumMod val="60000"/>
+              <a:lumOff val="40000"/>
+            </a:schemeClr>
+          </a:solidFill>
+        </p:spPr>
+        <p:style>
+          <a:lnRef idx="2">
+            <a:schemeClr val="accent1">
+              <a:shade val="50000"/>
+            </a:schemeClr>
+          </a:lnRef>
+          <a:fillRef idx="1">
+            <a:schemeClr val="accent1"/>
+          </a:fillRef>
+          <a:effectRef idx="0">
+            <a:schemeClr val="accent1"/>
+          </a:effectRef>
+          <a:fontRef idx="minor">
+            <a:schemeClr val="lt1"/>
+          </a:fontRef>
+        </p:style>
+        <p:txBody>
+          <a:bodyPr rtlCol="0" anchor="ctr"/>
+          <a:lstStyle/>
+          <a:p>
+            <a:pPr algn="ctr"/>
+            <a:r>
+              <a:rPr lang="en-US" sz="1600" dirty="0"/>
+              <a:t>Predicate Ordinal: 1 byte</a:t>
+            </a:r>
+          </a:p>
+        </p:txBody>
+      </p:sp>
+      <p:sp>
+        <p:nvSpPr>
+          <p:cNvPr id="55" name="Rectangle 54">
+            <a:extLst>
+              <a:ext uri="{FF2B5EF4-FFF2-40B4-BE49-F238E27FC236}">
+                <a16:creationId xmlns:a16="http://schemas.microsoft.com/office/drawing/2014/main" id="{B4302E00-B012-408F-B1A0-26B7D609B616}"/>
+              </a:ext>
+            </a:extLst>
+          </p:cNvPr>
+          <p:cNvSpPr/>
+          <p:nvPr/>
+        </p:nvSpPr>
+        <p:spPr>
+          <a:xfrm>
+            <a:off x="8130880" y="2952022"/>
+            <a:ext cx="969145" cy="698113"/>
+          </a:xfrm>
+          <a:prstGeom prst="rect">
+            <a:avLst/>
+          </a:prstGeom>
+          <a:solidFill>
+            <a:schemeClr val="accent1">
+              <a:lumMod val="60000"/>
+              <a:lumOff val="40000"/>
+            </a:schemeClr>
+          </a:solidFill>
+        </p:spPr>
+        <p:style>
+          <a:lnRef idx="2">
+            <a:schemeClr val="accent1">
+              <a:shade val="50000"/>
+            </a:schemeClr>
+          </a:lnRef>
+          <a:fillRef idx="1">
+            <a:schemeClr val="accent1"/>
+          </a:fillRef>
+          <a:effectRef idx="0">
+            <a:schemeClr val="accent1"/>
+          </a:effectRef>
+          <a:fontRef idx="minor">
+            <a:schemeClr val="lt1"/>
+          </a:fontRef>
+        </p:style>
+        <p:txBody>
+          <a:bodyPr rtlCol="0" anchor="ctr"/>
+          <a:lstStyle/>
+          <a:p>
+            <a:pPr algn="ctr"/>
+            <a:r>
+              <a:rPr lang="en-US" sz="1600" dirty="0"/>
+              <a:t>Flags:</a:t>
+            </a:r>
+            <a:br>
+              <a:rPr lang="en-US" sz="1600" dirty="0"/>
+            </a:br>
+            <a:r>
+              <a:rPr lang="en-US" sz="1600" dirty="0"/>
+              <a:t>1 byte</a:t>
+            </a:r>
+          </a:p>
+        </p:txBody>
+      </p:sp>
+      <p:sp>
+        <p:nvSpPr>
+          <p:cNvPr id="56" name="Rectangle 55">
+            <a:extLst>
+              <a:ext uri="{FF2B5EF4-FFF2-40B4-BE49-F238E27FC236}">
+                <a16:creationId xmlns:a16="http://schemas.microsoft.com/office/drawing/2014/main" id="{4002183C-9555-46CC-AE7F-F29DE3A604BA}"/>
+              </a:ext>
+            </a:extLst>
+          </p:cNvPr>
+          <p:cNvSpPr/>
+          <p:nvPr/>
+        </p:nvSpPr>
+        <p:spPr>
+          <a:xfrm>
+            <a:off x="9302931" y="2952022"/>
+            <a:ext cx="2560750" cy="698113"/>
+          </a:xfrm>
+          <a:prstGeom prst="rect">
+            <a:avLst/>
+          </a:prstGeom>
+          <a:solidFill>
+            <a:schemeClr val="accent1">
+              <a:lumMod val="60000"/>
+              <a:lumOff val="40000"/>
+            </a:schemeClr>
+          </a:solidFill>
+        </p:spPr>
+        <p:style>
+          <a:lnRef idx="2">
+            <a:schemeClr val="accent1">
+              <a:shade val="50000"/>
+            </a:schemeClr>
+          </a:lnRef>
+          <a:fillRef idx="1">
+            <a:schemeClr val="accent1"/>
+          </a:fillRef>
+          <a:effectRef idx="0">
+            <a:schemeClr val="accent1"/>
+          </a:effectRef>
+          <a:fontRef idx="minor">
+            <a:schemeClr val="lt1"/>
+          </a:fontRef>
+        </p:style>
+        <p:txBody>
+          <a:bodyPr rtlCol="0" anchor="ctr"/>
+          <a:lstStyle/>
+          <a:p>
+            <a:pPr algn="ctr"/>
+            <a:r>
+              <a:rPr lang="en-US" sz="1600" dirty="0"/>
+              <a:t>Key returned from Predicate: N bytes</a:t>
+            </a:r>
+          </a:p>
+        </p:txBody>
+      </p:sp>
+      <p:sp>
+        <p:nvSpPr>
+          <p:cNvPr id="57" name="Rectangle 56">
+            <a:extLst>
+              <a:ext uri="{FF2B5EF4-FFF2-40B4-BE49-F238E27FC236}">
+                <a16:creationId xmlns:a16="http://schemas.microsoft.com/office/drawing/2014/main" id="{EF0AAD00-94A4-496F-9BB7-DB78028AD245}"/>
+              </a:ext>
+            </a:extLst>
+          </p:cNvPr>
+          <p:cNvSpPr/>
+          <p:nvPr/>
+        </p:nvSpPr>
+        <p:spPr>
+          <a:xfrm>
+            <a:off x="1662782" y="1877993"/>
+            <a:ext cx="2113907" cy="698113"/>
+          </a:xfrm>
+          <a:prstGeom prst="rect">
+            <a:avLst/>
+          </a:prstGeom>
+          <a:solidFill>
+            <a:schemeClr val="accent1">
+              <a:lumMod val="60000"/>
+              <a:lumOff val="40000"/>
+            </a:schemeClr>
+          </a:solidFill>
+        </p:spPr>
+        <p:style>
+          <a:lnRef idx="2">
+            <a:schemeClr val="accent1">
+              <a:shade val="50000"/>
+            </a:schemeClr>
+          </a:lnRef>
+          <a:fillRef idx="1">
+            <a:schemeClr val="accent1"/>
+          </a:fillRef>
+          <a:effectRef idx="0">
+            <a:schemeClr val="accent1"/>
+          </a:effectRef>
+          <a:fontRef idx="minor">
+            <a:schemeClr val="lt1"/>
+          </a:fontRef>
+        </p:style>
+        <p:txBody>
+          <a:bodyPr rtlCol="0" anchor="ctr"/>
+          <a:lstStyle/>
+          <a:p>
+            <a:pPr algn="ctr"/>
+            <a:r>
+              <a:rPr lang="en-US" sz="1600" dirty="0" err="1"/>
+              <a:t>PreviousAddress</a:t>
+            </a:r>
+            <a:r>
+              <a:rPr lang="en-US" sz="1600" dirty="0"/>
+              <a:t>:</a:t>
+            </a:r>
+            <a:br>
+              <a:rPr lang="en-US" sz="1600" dirty="0"/>
+            </a:br>
+            <a:r>
+              <a:rPr lang="en-US" sz="1600" dirty="0"/>
+              <a:t>8 bytes</a:t>
+            </a:r>
+          </a:p>
+        </p:txBody>
+      </p:sp>
+      <p:sp>
+        <p:nvSpPr>
+          <p:cNvPr id="58" name="Rectangle 57">
+            <a:extLst>
+              <a:ext uri="{FF2B5EF4-FFF2-40B4-BE49-F238E27FC236}">
+                <a16:creationId xmlns:a16="http://schemas.microsoft.com/office/drawing/2014/main" id="{17C721A4-681B-439E-8DC5-9F24F1F8A0EE}"/>
+              </a:ext>
+            </a:extLst>
+          </p:cNvPr>
+          <p:cNvSpPr/>
+          <p:nvPr/>
+        </p:nvSpPr>
+        <p:spPr>
+          <a:xfrm>
+            <a:off x="3995607" y="1878049"/>
+            <a:ext cx="1942043" cy="698113"/>
+          </a:xfrm>
+          <a:prstGeom prst="rect">
+            <a:avLst/>
+          </a:prstGeom>
+          <a:solidFill>
+            <a:schemeClr val="accent1">
+              <a:lumMod val="60000"/>
+              <a:lumOff val="40000"/>
+            </a:schemeClr>
+          </a:solidFill>
+        </p:spPr>
+        <p:style>
+          <a:lnRef idx="2">
+            <a:schemeClr val="accent1">
+              <a:shade val="50000"/>
+            </a:schemeClr>
+          </a:lnRef>
+          <a:fillRef idx="1">
+            <a:schemeClr val="accent1"/>
+          </a:fillRef>
+          <a:effectRef idx="0">
+            <a:schemeClr val="accent1"/>
+          </a:effectRef>
+          <a:fontRef idx="minor">
+            <a:schemeClr val="lt1"/>
+          </a:fontRef>
+        </p:style>
+        <p:txBody>
+          <a:bodyPr rtlCol="0" anchor="ctr"/>
+          <a:lstStyle/>
+          <a:p>
+            <a:pPr algn="ctr"/>
+            <a:r>
+              <a:rPr lang="en-US" sz="1600" dirty="0"/>
+              <a:t>Offset to start of Keys: 2 bytes</a:t>
+            </a:r>
+          </a:p>
+        </p:txBody>
+      </p:sp>
+      <p:sp>
+        <p:nvSpPr>
+          <p:cNvPr id="59" name="Rectangle 58">
+            <a:extLst>
+              <a:ext uri="{FF2B5EF4-FFF2-40B4-BE49-F238E27FC236}">
+                <a16:creationId xmlns:a16="http://schemas.microsoft.com/office/drawing/2014/main" id="{077B8922-2855-4553-A3A0-9A9CD9613682}"/>
+              </a:ext>
+            </a:extLst>
+          </p:cNvPr>
+          <p:cNvSpPr/>
+          <p:nvPr/>
+        </p:nvSpPr>
+        <p:spPr>
+          <a:xfrm>
+            <a:off x="6156568" y="1878049"/>
+            <a:ext cx="1787368" cy="698113"/>
+          </a:xfrm>
+          <a:prstGeom prst="rect">
+            <a:avLst/>
+          </a:prstGeom>
+          <a:solidFill>
+            <a:schemeClr val="accent1">
+              <a:lumMod val="60000"/>
+              <a:lumOff val="40000"/>
+            </a:schemeClr>
+          </a:solidFill>
+        </p:spPr>
+        <p:style>
+          <a:lnRef idx="2">
+            <a:schemeClr val="accent1">
+              <a:shade val="50000"/>
+            </a:schemeClr>
+          </a:lnRef>
+          <a:fillRef idx="1">
+            <a:schemeClr val="accent1"/>
+          </a:fillRef>
+          <a:effectRef idx="0">
+            <a:schemeClr val="accent1"/>
+          </a:effectRef>
+          <a:fontRef idx="minor">
+            <a:schemeClr val="lt1"/>
+          </a:fontRef>
+        </p:style>
+        <p:txBody>
+          <a:bodyPr rtlCol="0" anchor="ctr"/>
+          <a:lstStyle/>
+          <a:p>
+            <a:pPr algn="ctr"/>
+            <a:r>
+              <a:rPr lang="en-US" sz="1600" dirty="0"/>
+              <a:t>Predicate Ordinal: 1 byte</a:t>
+            </a:r>
+          </a:p>
+        </p:txBody>
+      </p:sp>
+      <p:sp>
+        <p:nvSpPr>
+          <p:cNvPr id="60" name="Rectangle 59">
+            <a:extLst>
+              <a:ext uri="{FF2B5EF4-FFF2-40B4-BE49-F238E27FC236}">
+                <a16:creationId xmlns:a16="http://schemas.microsoft.com/office/drawing/2014/main" id="{19B17998-32EB-449D-B52B-F5355EA5CB10}"/>
+              </a:ext>
+            </a:extLst>
+          </p:cNvPr>
+          <p:cNvSpPr/>
+          <p:nvPr/>
+        </p:nvSpPr>
+        <p:spPr>
+          <a:xfrm>
+            <a:off x="8146842" y="1877993"/>
+            <a:ext cx="969145" cy="698113"/>
+          </a:xfrm>
+          <a:prstGeom prst="rect">
+            <a:avLst/>
+          </a:prstGeom>
+          <a:solidFill>
+            <a:schemeClr val="accent1">
+              <a:lumMod val="60000"/>
+              <a:lumOff val="40000"/>
+            </a:schemeClr>
+          </a:solidFill>
+        </p:spPr>
+        <p:style>
+          <a:lnRef idx="2">
+            <a:schemeClr val="accent1">
+              <a:shade val="50000"/>
+            </a:schemeClr>
+          </a:lnRef>
+          <a:fillRef idx="1">
+            <a:schemeClr val="accent1"/>
+          </a:fillRef>
+          <a:effectRef idx="0">
+            <a:schemeClr val="accent1"/>
+          </a:effectRef>
+          <a:fontRef idx="minor">
+            <a:schemeClr val="lt1"/>
+          </a:fontRef>
+        </p:style>
+        <p:txBody>
+          <a:bodyPr rtlCol="0" anchor="ctr"/>
+          <a:lstStyle/>
+          <a:p>
+            <a:pPr algn="ctr"/>
+            <a:r>
+              <a:rPr lang="en-US" sz="1600" dirty="0"/>
+              <a:t>Flags:</a:t>
+            </a:r>
+            <a:br>
+              <a:rPr lang="en-US" sz="1600" dirty="0"/>
+            </a:br>
+            <a:r>
+              <a:rPr lang="en-US" sz="1600" dirty="0"/>
+              <a:t>1 byte</a:t>
+            </a:r>
+          </a:p>
+        </p:txBody>
+      </p:sp>
+      <p:sp>
+        <p:nvSpPr>
+          <p:cNvPr id="61" name="Rectangle 60">
+            <a:extLst>
+              <a:ext uri="{FF2B5EF4-FFF2-40B4-BE49-F238E27FC236}">
+                <a16:creationId xmlns:a16="http://schemas.microsoft.com/office/drawing/2014/main" id="{DA023248-E6C7-441A-AAA2-91F4CC88D437}"/>
+              </a:ext>
+            </a:extLst>
+          </p:cNvPr>
+          <p:cNvSpPr/>
+          <p:nvPr/>
+        </p:nvSpPr>
+        <p:spPr>
+          <a:xfrm>
+            <a:off x="9318893" y="1877993"/>
+            <a:ext cx="2560750" cy="698113"/>
+          </a:xfrm>
+          <a:prstGeom prst="rect">
+            <a:avLst/>
+          </a:prstGeom>
+          <a:solidFill>
+            <a:schemeClr val="accent1">
+              <a:lumMod val="60000"/>
+              <a:lumOff val="40000"/>
+            </a:schemeClr>
+          </a:solidFill>
+        </p:spPr>
+        <p:style>
+          <a:lnRef idx="2">
+            <a:schemeClr val="accent1">
+              <a:shade val="50000"/>
+            </a:schemeClr>
+          </a:lnRef>
+          <a:fillRef idx="1">
+            <a:schemeClr val="accent1"/>
+          </a:fillRef>
+          <a:effectRef idx="0">
+            <a:schemeClr val="accent1"/>
+          </a:effectRef>
+          <a:fontRef idx="minor">
+            <a:schemeClr val="lt1"/>
+          </a:fontRef>
+        </p:style>
+        <p:txBody>
+          <a:bodyPr rtlCol="0" anchor="ctr"/>
+          <a:lstStyle/>
+          <a:p>
+            <a:pPr algn="ctr"/>
+            <a:r>
+              <a:rPr lang="en-US" sz="1600" dirty="0"/>
+              <a:t>Key returned from Predicate: N bytes</a:t>
             </a:r>
           </a:p>
         </p:txBody>
@@ -6272,8 +6321,8 @@
         </p:nvSpPr>
         <p:spPr>
           <a:xfrm>
-            <a:off x="960258" y="1962289"/>
-            <a:ext cx="2490434" cy="273653"/>
+            <a:off x="627446" y="1464860"/>
+            <a:ext cx="3264679" cy="511439"/>
           </a:xfrm>
           <a:prstGeom prst="rect">
             <a:avLst/>
@@ -6303,7 +6352,7 @@
           <a:lstStyle/>
           <a:p>
             <a:r>
-              <a:rPr lang="en-US" sz="1000" dirty="0"/>
+              <a:rPr lang="en-US" sz="1400" dirty="0"/>
               <a:t>Predicate 2</a:t>
             </a:r>
           </a:p>
@@ -6323,8 +6372,8 @@
         </p:nvSpPr>
         <p:spPr>
           <a:xfrm>
-            <a:off x="1808343" y="2026435"/>
-            <a:ext cx="834739" cy="165501"/>
+            <a:off x="1629164" y="1547513"/>
+            <a:ext cx="1274388" cy="336516"/>
           </a:xfrm>
           <a:prstGeom prst="rect">
             <a:avLst/>
@@ -6358,10 +6407,10 @@
           <a:p>
             <a:pPr algn="ctr"/>
             <a:r>
-              <a:rPr lang="en-US" sz="1000" dirty="0" err="1"/>
+              <a:rPr lang="en-US" sz="1400" dirty="0" err="1"/>
               <a:t>PrevAddress</a:t>
             </a:r>
-            <a:endParaRPr lang="en-US" sz="1000" dirty="0"/>
+            <a:endParaRPr lang="en-US" sz="1400" dirty="0"/>
           </a:p>
         </p:txBody>
       </p:sp>
@@ -6379,8 +6428,8 @@
         </p:nvSpPr>
         <p:spPr>
           <a:xfrm>
-            <a:off x="2749874" y="2029772"/>
-            <a:ext cx="587351" cy="165501"/>
+            <a:off x="3017019" y="1549189"/>
+            <a:ext cx="769951" cy="336516"/>
           </a:xfrm>
           <a:prstGeom prst="rect">
             <a:avLst/>
@@ -6414,7 +6463,7 @@
           <a:p>
             <a:pPr algn="ctr"/>
             <a:r>
-              <a:rPr lang="en-US" sz="1000" dirty="0"/>
+              <a:rPr lang="en-US" sz="1400" dirty="0"/>
               <a:t>“cat”</a:t>
             </a:r>
           </a:p>
@@ -6434,8 +6483,8 @@
         </p:nvSpPr>
         <p:spPr>
           <a:xfrm>
-            <a:off x="960257" y="1788753"/>
-            <a:ext cx="2490435" cy="166862"/>
+            <a:off x="627402" y="1124419"/>
+            <a:ext cx="3264680" cy="339283"/>
           </a:xfrm>
           <a:prstGeom prst="rect">
             <a:avLst/>
@@ -6465,7 +6514,7 @@
           <a:lstStyle/>
           <a:p>
             <a:r>
-              <a:rPr lang="en-US" sz="1000" dirty="0"/>
+              <a:rPr lang="en-US" sz="1400" dirty="0"/>
               <a:t>Predicate 1</a:t>
             </a:r>
           </a:p>
@@ -6485,8 +6534,8 @@
         </p:nvSpPr>
         <p:spPr>
           <a:xfrm>
-            <a:off x="960251" y="2234581"/>
-            <a:ext cx="2490434" cy="166862"/>
+            <a:off x="627439" y="1984089"/>
+            <a:ext cx="3264679" cy="339283"/>
           </a:xfrm>
           <a:prstGeom prst="rect">
             <a:avLst/>
@@ -6516,7 +6565,7 @@
           <a:lstStyle/>
           <a:p>
             <a:r>
-              <a:rPr lang="en-US" sz="1000" dirty="0"/>
+              <a:rPr lang="en-US" sz="1400" dirty="0"/>
               <a:t>Predicate 3</a:t>
             </a:r>
           </a:p>
@@ -6536,8 +6585,8 @@
         </p:nvSpPr>
         <p:spPr>
           <a:xfrm>
-            <a:off x="960256" y="1615217"/>
-            <a:ext cx="2490436" cy="166862"/>
+            <a:off x="627659" y="783753"/>
+            <a:ext cx="3264682" cy="339283"/>
           </a:xfrm>
           <a:prstGeom prst="rect">
             <a:avLst/>
@@ -6566,8 +6615,9 @@
           <a:bodyPr rtlCol="0" anchor="ctr"/>
           <a:lstStyle/>
           <a:p>
-            <a:r>
-              <a:rPr lang="en-US" sz="1000" dirty="0"/>
+            <a:pPr algn="ctr"/>
+            <a:r>
+              <a:rPr lang="en-US" sz="1600" dirty="0"/>
               <a:t>Header</a:t>
             </a:r>
           </a:p>
@@ -6587,8 +6637,8 @@
         </p:nvSpPr>
         <p:spPr>
           <a:xfrm>
-            <a:off x="960254" y="2409478"/>
-            <a:ext cx="2490431" cy="166862"/>
+            <a:off x="627406" y="2324134"/>
+            <a:ext cx="3264675" cy="339283"/>
           </a:xfrm>
           <a:prstGeom prst="rect">
             <a:avLst/>
@@ -6617,11 +6667,12 @@
           <a:bodyPr rtlCol="0" anchor="ctr"/>
           <a:lstStyle/>
           <a:p>
-            <a:r>
-              <a:rPr lang="en-US" sz="1000" dirty="0" err="1"/>
+            <a:pPr algn="ctr"/>
+            <a:r>
+              <a:rPr lang="en-US" sz="1600" dirty="0" err="1"/>
               <a:t>RecordId</a:t>
             </a:r>
-            <a:endParaRPr lang="en-US" sz="1000" dirty="0"/>
+            <a:endParaRPr lang="en-US" sz="1600" dirty="0"/>
           </a:p>
         </p:txBody>
       </p:sp>
@@ -6639,8 +6690,8 @@
         </p:nvSpPr>
         <p:spPr>
           <a:xfrm>
-            <a:off x="960254" y="1221425"/>
-            <a:ext cx="2557179" cy="213582"/>
+            <a:off x="624480" y="237603"/>
+            <a:ext cx="3264632" cy="434279"/>
           </a:xfrm>
           <a:prstGeom prst="rect">
             <a:avLst/>
@@ -6672,7 +6723,7 @@
           <a:p>
             <a:pPr algn="ctr"/>
             <a:r>
-              <a:rPr lang="en-US" sz="1400" dirty="0">
+              <a:rPr lang="en-US" dirty="0">
                 <a:solidFill>
                   <a:schemeClr val="tx1"/>
                 </a:solidFill>
@@ -6696,8 +6747,8 @@
         </p:nvSpPr>
         <p:spPr>
           <a:xfrm>
-            <a:off x="960253" y="3338457"/>
-            <a:ext cx="2490429" cy="273653"/>
+            <a:off x="627407" y="3439511"/>
+            <a:ext cx="3264672" cy="556423"/>
           </a:xfrm>
           <a:prstGeom prst="rect">
             <a:avLst/>
@@ -6727,7 +6778,7 @@
           <a:lstStyle/>
           <a:p>
             <a:r>
-              <a:rPr lang="en-US" sz="1000" dirty="0"/>
+              <a:rPr lang="en-US" sz="1400" dirty="0"/>
               <a:t>Predicate 2</a:t>
             </a:r>
           </a:p>
@@ -6747,8 +6798,8 @@
         </p:nvSpPr>
         <p:spPr>
           <a:xfrm>
-            <a:off x="1808340" y="3402603"/>
-            <a:ext cx="834740" cy="165501"/>
+            <a:off x="1649196" y="3542749"/>
+            <a:ext cx="1254356" cy="336516"/>
           </a:xfrm>
           <a:prstGeom prst="rect">
             <a:avLst/>
@@ -6782,10 +6833,10 @@
           <a:p>
             <a:pPr algn="ctr"/>
             <a:r>
-              <a:rPr lang="en-US" sz="1000" dirty="0" err="1"/>
+              <a:rPr lang="en-US" sz="1400" dirty="0" err="1"/>
               <a:t>PrevAddress</a:t>
             </a:r>
-            <a:endParaRPr lang="en-US" sz="1000" dirty="0"/>
+            <a:endParaRPr lang="en-US" sz="1400" dirty="0"/>
           </a:p>
         </p:txBody>
       </p:sp>
@@ -6803,8 +6854,8 @@
         </p:nvSpPr>
         <p:spPr>
           <a:xfrm>
-            <a:off x="2749872" y="3405940"/>
-            <a:ext cx="587350" cy="165501"/>
+            <a:off x="3018535" y="3545925"/>
+            <a:ext cx="769950" cy="336516"/>
           </a:xfrm>
           <a:prstGeom prst="rect">
             <a:avLst/>
@@ -6838,7 +6889,7 @@
           <a:p>
             <a:pPr algn="ctr"/>
             <a:r>
-              <a:rPr lang="en-US" sz="1000" dirty="0"/>
+              <a:rPr lang="en-US" sz="1400" dirty="0"/>
               <a:t>“dog”</a:t>
             </a:r>
           </a:p>
@@ -6858,8 +6909,8 @@
         </p:nvSpPr>
         <p:spPr>
           <a:xfrm>
-            <a:off x="960253" y="3164921"/>
-            <a:ext cx="2490429" cy="166862"/>
+            <a:off x="627407" y="3098591"/>
+            <a:ext cx="3264672" cy="339283"/>
           </a:xfrm>
           <a:prstGeom prst="rect">
             <a:avLst/>
@@ -6889,7 +6940,7 @@
           <a:lstStyle/>
           <a:p>
             <a:r>
-              <a:rPr lang="en-US" sz="1000" dirty="0"/>
+              <a:rPr lang="en-US" sz="1400" dirty="0"/>
               <a:t>Predicate 1</a:t>
             </a:r>
           </a:p>
@@ -6909,8 +6960,8 @@
         </p:nvSpPr>
         <p:spPr>
           <a:xfrm>
-            <a:off x="960252" y="3612110"/>
-            <a:ext cx="2490429" cy="166862"/>
+            <a:off x="627407" y="3997712"/>
+            <a:ext cx="3264672" cy="339283"/>
           </a:xfrm>
           <a:prstGeom prst="rect">
             <a:avLst/>
@@ -6940,7 +6991,7 @@
           <a:lstStyle/>
           <a:p>
             <a:r>
-              <a:rPr lang="en-US" sz="1000" dirty="0"/>
+              <a:rPr lang="en-US" sz="1400" dirty="0"/>
               <a:t>Predicate 3</a:t>
             </a:r>
           </a:p>
@@ -6960,8 +7011,8 @@
         </p:nvSpPr>
         <p:spPr>
           <a:xfrm>
-            <a:off x="960251" y="2991385"/>
-            <a:ext cx="2490429" cy="166862"/>
+            <a:off x="627407" y="2779063"/>
+            <a:ext cx="3264672" cy="339283"/>
           </a:xfrm>
           <a:prstGeom prst="rect">
             <a:avLst/>
@@ -6990,8 +7041,9 @@
           <a:bodyPr rtlCol="0" anchor="ctr"/>
           <a:lstStyle/>
           <a:p>
-            <a:r>
-              <a:rPr lang="en-US" sz="1000" dirty="0"/>
+            <a:pPr algn="ctr"/>
+            <a:r>
+              <a:rPr lang="en-US" sz="1600" dirty="0"/>
               <a:t>Header</a:t>
             </a:r>
           </a:p>
@@ -7011,8 +7063,8 @@
         </p:nvSpPr>
         <p:spPr>
           <a:xfrm>
-            <a:off x="960250" y="3785646"/>
-            <a:ext cx="2490429" cy="166862"/>
+            <a:off x="627405" y="4339067"/>
+            <a:ext cx="3264672" cy="339283"/>
           </a:xfrm>
           <a:prstGeom prst="rect">
             <a:avLst/>
@@ -7041,11 +7093,12 @@
           <a:bodyPr rtlCol="0" anchor="ctr"/>
           <a:lstStyle/>
           <a:p>
-            <a:r>
-              <a:rPr lang="en-US" sz="1000" dirty="0" err="1"/>
+            <a:pPr algn="ctr"/>
+            <a:r>
+              <a:rPr lang="en-US" sz="1600" dirty="0" err="1"/>
               <a:t>RecordId</a:t>
             </a:r>
-            <a:endParaRPr lang="en-US" sz="1000" dirty="0"/>
+            <a:endParaRPr lang="en-US" sz="1600" dirty="0"/>
           </a:p>
         </p:txBody>
       </p:sp>
@@ -7063,8 +7116,8 @@
         </p:nvSpPr>
         <p:spPr>
           <a:xfrm>
-            <a:off x="960253" y="4719951"/>
-            <a:ext cx="2490429" cy="273653"/>
+            <a:off x="627399" y="5470303"/>
+            <a:ext cx="3264672" cy="556423"/>
           </a:xfrm>
           <a:prstGeom prst="rect">
             <a:avLst/>
@@ -7094,7 +7147,7 @@
           <a:lstStyle/>
           <a:p>
             <a:r>
-              <a:rPr lang="en-US" sz="1000" dirty="0"/>
+              <a:rPr lang="en-US" sz="1400" dirty="0"/>
               <a:t>Predicate 2</a:t>
             </a:r>
           </a:p>
@@ -7114,8 +7167,8 @@
         </p:nvSpPr>
         <p:spPr>
           <a:xfrm>
-            <a:off x="1808339" y="4784097"/>
-            <a:ext cx="834743" cy="165501"/>
+            <a:off x="1629164" y="5585917"/>
+            <a:ext cx="1274388" cy="336516"/>
           </a:xfrm>
           <a:prstGeom prst="rect">
             <a:avLst/>
@@ -7149,10 +7202,10 @@
           <a:p>
             <a:pPr algn="ctr"/>
             <a:r>
-              <a:rPr lang="en-US" sz="1000" dirty="0" err="1"/>
+              <a:rPr lang="en-US" sz="1400" dirty="0" err="1"/>
               <a:t>PrevAddress</a:t>
             </a:r>
-            <a:endParaRPr lang="en-US" sz="1000" dirty="0"/>
+            <a:endParaRPr lang="en-US" sz="1400" dirty="0"/>
           </a:p>
         </p:txBody>
       </p:sp>
@@ -7170,8 +7223,8 @@
         </p:nvSpPr>
         <p:spPr>
           <a:xfrm>
-            <a:off x="2749874" y="4787434"/>
-            <a:ext cx="587351" cy="165501"/>
+            <a:off x="3017018" y="5578426"/>
+            <a:ext cx="769951" cy="336516"/>
           </a:xfrm>
           <a:prstGeom prst="rect">
             <a:avLst/>
@@ -7205,7 +7258,7 @@
           <a:p>
             <a:pPr algn="ctr"/>
             <a:r>
-              <a:rPr lang="en-US" sz="1000" dirty="0"/>
+              <a:rPr lang="en-US" sz="1400" dirty="0"/>
               <a:t>“cat”</a:t>
             </a:r>
           </a:p>
@@ -7225,8 +7278,8 @@
         </p:nvSpPr>
         <p:spPr>
           <a:xfrm>
-            <a:off x="960253" y="4546415"/>
-            <a:ext cx="2490429" cy="166862"/>
+            <a:off x="627396" y="5128826"/>
+            <a:ext cx="3264672" cy="339283"/>
           </a:xfrm>
           <a:prstGeom prst="rect">
             <a:avLst/>
@@ -7256,7 +7309,7 @@
           <a:lstStyle/>
           <a:p>
             <a:r>
-              <a:rPr lang="en-US" sz="1000" dirty="0"/>
+              <a:rPr lang="en-US" sz="1400" dirty="0"/>
               <a:t>Predicate 1</a:t>
             </a:r>
           </a:p>
@@ -7276,8 +7329,8 @@
         </p:nvSpPr>
         <p:spPr>
           <a:xfrm>
-            <a:off x="960252" y="4993604"/>
-            <a:ext cx="2490429" cy="166862"/>
+            <a:off x="627398" y="6024284"/>
+            <a:ext cx="3264672" cy="339283"/>
           </a:xfrm>
           <a:prstGeom prst="rect">
             <a:avLst/>
@@ -7307,7 +7360,7 @@
           <a:lstStyle/>
           <a:p>
             <a:r>
-              <a:rPr lang="en-US" sz="1000" dirty="0"/>
+              <a:rPr lang="en-US" sz="1400" dirty="0"/>
               <a:t>Predicate 3</a:t>
             </a:r>
           </a:p>
@@ -7327,8 +7380,8 @@
         </p:nvSpPr>
         <p:spPr>
           <a:xfrm>
-            <a:off x="960251" y="4372879"/>
-            <a:ext cx="2490429" cy="166862"/>
+            <a:off x="627405" y="4785390"/>
+            <a:ext cx="3264672" cy="339283"/>
           </a:xfrm>
           <a:prstGeom prst="rect">
             <a:avLst/>
@@ -7357,8 +7410,9 @@
           <a:bodyPr rtlCol="0" anchor="ctr"/>
           <a:lstStyle/>
           <a:p>
-            <a:r>
-              <a:rPr lang="en-US" sz="1000" dirty="0"/>
+            <a:pPr algn="ctr"/>
+            <a:r>
+              <a:rPr lang="en-US" sz="1600" dirty="0"/>
               <a:t>Header</a:t>
             </a:r>
           </a:p>
@@ -7378,8 +7432,8 @@
         </p:nvSpPr>
         <p:spPr>
           <a:xfrm>
-            <a:off x="960250" y="5167140"/>
-            <a:ext cx="2490429" cy="166862"/>
+            <a:off x="624440" y="6370134"/>
+            <a:ext cx="3264672" cy="339283"/>
           </a:xfrm>
           <a:prstGeom prst="rect">
             <a:avLst/>
@@ -7408,11 +7462,12 @@
           <a:bodyPr rtlCol="0" anchor="ctr"/>
           <a:lstStyle/>
           <a:p>
-            <a:r>
-              <a:rPr lang="en-US" sz="1000" dirty="0" err="1"/>
+            <a:pPr algn="ctr"/>
+            <a:r>
+              <a:rPr lang="en-US" sz="1600" dirty="0" err="1"/>
               <a:t>RecordId</a:t>
             </a:r>
-            <a:endParaRPr lang="en-US" sz="1000" dirty="0"/>
+            <a:endParaRPr lang="en-US" sz="1600" dirty="0"/>
           </a:p>
         </p:txBody>
       </p:sp>
@@ -7434,12 +7489,12 @@
         </p:nvCxnSpPr>
         <p:spPr>
           <a:xfrm rot="10800000" flipV="1">
-            <a:off x="960253" y="2109186"/>
-            <a:ext cx="848090" cy="2747592"/>
+            <a:off x="627400" y="1715771"/>
+            <a:ext cx="1001765" cy="4032744"/>
           </a:xfrm>
           <a:prstGeom prst="curvedConnector3">
             <a:avLst>
-              <a:gd name="adj1" fmla="val 162370"/>
+              <a:gd name="adj1" fmla="val 122820"/>
             </a:avLst>
           </a:prstGeom>
           <a:ln w="12700">
@@ -7466,10 +7521,10 @@
       </p:cxnSp>
       <p:sp>
         <p:nvSpPr>
-          <p:cNvPr id="182" name="Rectangle 181">
-            <a:extLst>
-              <a:ext uri="{FF2B5EF4-FFF2-40B4-BE49-F238E27FC236}">
-                <a16:creationId xmlns:a16="http://schemas.microsoft.com/office/drawing/2014/main" id="{CE17F706-E72A-4869-BB4F-08A92A37A48A}"/>
+          <p:cNvPr id="78" name="Rectangle 77">
+            <a:extLst>
+              <a:ext uri="{FF2B5EF4-FFF2-40B4-BE49-F238E27FC236}">
+                <a16:creationId xmlns:a16="http://schemas.microsoft.com/office/drawing/2014/main" id="{45A75C26-987B-4602-A206-058EDED30C8B}"/>
               </a:ext>
             </a:extLst>
           </p:cNvPr>
@@ -7478,8 +7533,8 @@
         </p:nvSpPr>
         <p:spPr>
           <a:xfrm>
-            <a:off x="4666317" y="1962289"/>
-            <a:ext cx="2490434" cy="273653"/>
+            <a:off x="4617656" y="1464860"/>
+            <a:ext cx="3264679" cy="511439"/>
           </a:xfrm>
           <a:prstGeom prst="rect">
             <a:avLst/>
@@ -7509,7 +7564,7 @@
           <a:lstStyle/>
           <a:p>
             <a:r>
-              <a:rPr lang="en-US" sz="1000" dirty="0"/>
+              <a:rPr lang="en-US" sz="1400" dirty="0"/>
               <a:t>Predicate 2</a:t>
             </a:r>
           </a:p>
@@ -7517,10 +7572,10 @@
       </p:sp>
       <p:sp>
         <p:nvSpPr>
-          <p:cNvPr id="183" name="Rectangle 182">
-            <a:extLst>
-              <a:ext uri="{FF2B5EF4-FFF2-40B4-BE49-F238E27FC236}">
-                <a16:creationId xmlns:a16="http://schemas.microsoft.com/office/drawing/2014/main" id="{F7016152-7D2C-4665-BE33-E19A134AFF2F}"/>
+          <p:cNvPr id="79" name="Rectangle 78">
+            <a:extLst>
+              <a:ext uri="{FF2B5EF4-FFF2-40B4-BE49-F238E27FC236}">
+                <a16:creationId xmlns:a16="http://schemas.microsoft.com/office/drawing/2014/main" id="{4369D6B7-73AC-44BF-A2F6-ECACFD0E8B95}"/>
               </a:ext>
             </a:extLst>
           </p:cNvPr>
@@ -7529,8 +7584,8 @@
         </p:nvSpPr>
         <p:spPr>
           <a:xfrm>
-            <a:off x="5514402" y="2026435"/>
-            <a:ext cx="834739" cy="165501"/>
+            <a:off x="5619374" y="1547513"/>
+            <a:ext cx="1274388" cy="336516"/>
           </a:xfrm>
           <a:prstGeom prst="rect">
             <a:avLst/>
@@ -7564,19 +7619,19 @@
           <a:p>
             <a:pPr algn="ctr"/>
             <a:r>
-              <a:rPr lang="en-US" sz="1000" dirty="0" err="1"/>
+              <a:rPr lang="en-US" sz="1400" dirty="0" err="1"/>
               <a:t>PrevAddress</a:t>
             </a:r>
-            <a:endParaRPr lang="en-US" sz="1000" dirty="0"/>
-          </a:p>
-        </p:txBody>
-      </p:sp>
-      <p:sp>
-        <p:nvSpPr>
-          <p:cNvPr id="184" name="Rectangle 183">
-            <a:extLst>
-              <a:ext uri="{FF2B5EF4-FFF2-40B4-BE49-F238E27FC236}">
-                <a16:creationId xmlns:a16="http://schemas.microsoft.com/office/drawing/2014/main" id="{D5C3F3F2-FFE6-4541-9953-24467B85C824}"/>
+            <a:endParaRPr lang="en-US" sz="1400" dirty="0"/>
+          </a:p>
+        </p:txBody>
+      </p:sp>
+      <p:sp>
+        <p:nvSpPr>
+          <p:cNvPr id="80" name="Rectangle 79">
+            <a:extLst>
+              <a:ext uri="{FF2B5EF4-FFF2-40B4-BE49-F238E27FC236}">
+                <a16:creationId xmlns:a16="http://schemas.microsoft.com/office/drawing/2014/main" id="{37929DB4-E1C1-491A-993A-09CE7D5C26FA}"/>
               </a:ext>
             </a:extLst>
           </p:cNvPr>
@@ -7585,8 +7640,8 @@
         </p:nvSpPr>
         <p:spPr>
           <a:xfrm>
-            <a:off x="6455933" y="2029772"/>
-            <a:ext cx="587351" cy="165501"/>
+            <a:off x="7007229" y="1549189"/>
+            <a:ext cx="769951" cy="336516"/>
           </a:xfrm>
           <a:prstGeom prst="rect">
             <a:avLst/>
@@ -7620,7 +7675,7 @@
           <a:p>
             <a:pPr algn="ctr"/>
             <a:r>
-              <a:rPr lang="en-US" sz="1000" dirty="0"/>
+              <a:rPr lang="en-US" sz="1400" dirty="0"/>
               <a:t>“cat”</a:t>
             </a:r>
           </a:p>
@@ -7628,10 +7683,10 @@
       </p:sp>
       <p:sp>
         <p:nvSpPr>
-          <p:cNvPr id="185" name="Rectangle 184">
-            <a:extLst>
-              <a:ext uri="{FF2B5EF4-FFF2-40B4-BE49-F238E27FC236}">
-                <a16:creationId xmlns:a16="http://schemas.microsoft.com/office/drawing/2014/main" id="{C8597BF7-190A-4EED-AFBC-5B148E65FFC2}"/>
+          <p:cNvPr id="81" name="Rectangle 80">
+            <a:extLst>
+              <a:ext uri="{FF2B5EF4-FFF2-40B4-BE49-F238E27FC236}">
+                <a16:creationId xmlns:a16="http://schemas.microsoft.com/office/drawing/2014/main" id="{A05EE9DD-5EDA-4C31-A6C1-B41D23903CD8}"/>
               </a:ext>
             </a:extLst>
           </p:cNvPr>
@@ -7640,8 +7695,8 @@
         </p:nvSpPr>
         <p:spPr>
           <a:xfrm>
-            <a:off x="4666316" y="1788753"/>
-            <a:ext cx="2490435" cy="166862"/>
+            <a:off x="4617612" y="1124419"/>
+            <a:ext cx="3264680" cy="339283"/>
           </a:xfrm>
           <a:prstGeom prst="rect">
             <a:avLst/>
@@ -7671,7 +7726,7 @@
           <a:lstStyle/>
           <a:p>
             <a:r>
-              <a:rPr lang="en-US" sz="1000" dirty="0"/>
+              <a:rPr lang="en-US" sz="1400" dirty="0"/>
               <a:t>Predicate 1</a:t>
             </a:r>
           </a:p>
@@ -7679,10 +7734,10 @@
       </p:sp>
       <p:sp>
         <p:nvSpPr>
-          <p:cNvPr id="186" name="Rectangle 185">
-            <a:extLst>
-              <a:ext uri="{FF2B5EF4-FFF2-40B4-BE49-F238E27FC236}">
-                <a16:creationId xmlns:a16="http://schemas.microsoft.com/office/drawing/2014/main" id="{58D0ED31-A431-463E-9C7F-3B6CAA036C1B}"/>
+          <p:cNvPr id="82" name="Rectangle 81">
+            <a:extLst>
+              <a:ext uri="{FF2B5EF4-FFF2-40B4-BE49-F238E27FC236}">
+                <a16:creationId xmlns:a16="http://schemas.microsoft.com/office/drawing/2014/main" id="{945F12CC-C8E2-4FF3-B3EA-978C97A553DA}"/>
               </a:ext>
             </a:extLst>
           </p:cNvPr>
@@ -7691,8 +7746,8 @@
         </p:nvSpPr>
         <p:spPr>
           <a:xfrm>
-            <a:off x="4666310" y="2234581"/>
-            <a:ext cx="2490434" cy="166862"/>
+            <a:off x="4617649" y="1984089"/>
+            <a:ext cx="3264679" cy="339283"/>
           </a:xfrm>
           <a:prstGeom prst="rect">
             <a:avLst/>
@@ -7722,7 +7777,7 @@
           <a:lstStyle/>
           <a:p>
             <a:r>
-              <a:rPr lang="en-US" sz="1000" dirty="0"/>
+              <a:rPr lang="en-US" sz="1400" dirty="0"/>
               <a:t>Predicate 3</a:t>
             </a:r>
           </a:p>
@@ -7730,10 +7785,10 @@
       </p:sp>
       <p:sp>
         <p:nvSpPr>
-          <p:cNvPr id="187" name="Rectangle 186">
-            <a:extLst>
-              <a:ext uri="{FF2B5EF4-FFF2-40B4-BE49-F238E27FC236}">
-                <a16:creationId xmlns:a16="http://schemas.microsoft.com/office/drawing/2014/main" id="{5D0E4FD0-CAF4-40E7-B6CC-BD337A56CBE6}"/>
+          <p:cNvPr id="83" name="Rectangle 82">
+            <a:extLst>
+              <a:ext uri="{FF2B5EF4-FFF2-40B4-BE49-F238E27FC236}">
+                <a16:creationId xmlns:a16="http://schemas.microsoft.com/office/drawing/2014/main" id="{2097610D-3659-4003-B5BD-667085C4170B}"/>
               </a:ext>
             </a:extLst>
           </p:cNvPr>
@@ -7742,8 +7797,8 @@
         </p:nvSpPr>
         <p:spPr>
           <a:xfrm>
-            <a:off x="4666315" y="1615217"/>
-            <a:ext cx="2490436" cy="166862"/>
+            <a:off x="4617869" y="783753"/>
+            <a:ext cx="3264682" cy="339283"/>
           </a:xfrm>
           <a:prstGeom prst="rect">
             <a:avLst/>
@@ -7772,8 +7827,9 @@
           <a:bodyPr rtlCol="0" anchor="ctr"/>
           <a:lstStyle/>
           <a:p>
-            <a:r>
-              <a:rPr lang="en-US" sz="1000" dirty="0"/>
+            <a:pPr algn="ctr"/>
+            <a:r>
+              <a:rPr lang="en-US" sz="1600" dirty="0"/>
               <a:t>Header</a:t>
             </a:r>
           </a:p>
@@ -7781,10 +7837,10 @@
       </p:sp>
       <p:sp>
         <p:nvSpPr>
-          <p:cNvPr id="188" name="Rectangle 187">
-            <a:extLst>
-              <a:ext uri="{FF2B5EF4-FFF2-40B4-BE49-F238E27FC236}">
-                <a16:creationId xmlns:a16="http://schemas.microsoft.com/office/drawing/2014/main" id="{4966CECC-3A92-47C8-BD7A-8D266D6D88CE}"/>
+          <p:cNvPr id="84" name="Rectangle 83">
+            <a:extLst>
+              <a:ext uri="{FF2B5EF4-FFF2-40B4-BE49-F238E27FC236}">
+                <a16:creationId xmlns:a16="http://schemas.microsoft.com/office/drawing/2014/main" id="{A70D12CD-C7C7-4C93-8725-8F75F4FF811A}"/>
               </a:ext>
             </a:extLst>
           </p:cNvPr>
@@ -7793,8 +7849,8 @@
         </p:nvSpPr>
         <p:spPr>
           <a:xfrm>
-            <a:off x="4666313" y="2409478"/>
-            <a:ext cx="2490431" cy="166862"/>
+            <a:off x="4617616" y="2324134"/>
+            <a:ext cx="3264675" cy="339283"/>
           </a:xfrm>
           <a:prstGeom prst="rect">
             <a:avLst/>
@@ -7823,20 +7879,21 @@
           <a:bodyPr rtlCol="0" anchor="ctr"/>
           <a:lstStyle/>
           <a:p>
-            <a:r>
-              <a:rPr lang="en-US" sz="1000" dirty="0" err="1"/>
+            <a:pPr algn="ctr"/>
+            <a:r>
+              <a:rPr lang="en-US" sz="1600" dirty="0" err="1"/>
               <a:t>RecordId</a:t>
             </a:r>
-            <a:endParaRPr lang="en-US" sz="1000" dirty="0"/>
-          </a:p>
-        </p:txBody>
-      </p:sp>
-      <p:sp>
-        <p:nvSpPr>
-          <p:cNvPr id="189" name="Rectangle 188">
-            <a:extLst>
-              <a:ext uri="{FF2B5EF4-FFF2-40B4-BE49-F238E27FC236}">
-                <a16:creationId xmlns:a16="http://schemas.microsoft.com/office/drawing/2014/main" id="{DFCABDB1-6FE1-48BE-847E-C0FF4B6BEE01}"/>
+            <a:endParaRPr lang="en-US" sz="1600" dirty="0"/>
+          </a:p>
+        </p:txBody>
+      </p:sp>
+      <p:sp>
+        <p:nvSpPr>
+          <p:cNvPr id="85" name="Rectangle 84">
+            <a:extLst>
+              <a:ext uri="{FF2B5EF4-FFF2-40B4-BE49-F238E27FC236}">
+                <a16:creationId xmlns:a16="http://schemas.microsoft.com/office/drawing/2014/main" id="{8E327664-14E6-4F21-94F7-1AE612C374D3}"/>
               </a:ext>
             </a:extLst>
           </p:cNvPr>
@@ -7845,8 +7902,8 @@
         </p:nvSpPr>
         <p:spPr>
           <a:xfrm>
-            <a:off x="4666313" y="1221425"/>
-            <a:ext cx="2557179" cy="213582"/>
+            <a:off x="4614690" y="237603"/>
+            <a:ext cx="3264632" cy="434279"/>
           </a:xfrm>
           <a:prstGeom prst="rect">
             <a:avLst/>
@@ -7878,22 +7935,22 @@
           <a:p>
             <a:pPr algn="ctr"/>
             <a:r>
-              <a:rPr lang="en-US" sz="1400" dirty="0">
+              <a:rPr lang="en-US" dirty="0">
                 <a:solidFill>
                   <a:schemeClr val="tx1"/>
                 </a:solidFill>
               </a:rPr>
-              <a:t>Collision within Predicates</a:t>
-            </a:r>
-          </a:p>
-        </p:txBody>
-      </p:sp>
-      <p:sp>
-        <p:nvSpPr>
-          <p:cNvPr id="190" name="Rectangle 189">
-            <a:extLst>
-              <a:ext uri="{FF2B5EF4-FFF2-40B4-BE49-F238E27FC236}">
-                <a16:creationId xmlns:a16="http://schemas.microsoft.com/office/drawing/2014/main" id="{4102627F-5E22-4DF7-8EB7-8DFEE4126D4A}"/>
+              <a:t>Key Collision Within Predicate</a:t>
+            </a:r>
+          </a:p>
+        </p:txBody>
+      </p:sp>
+      <p:sp>
+        <p:nvSpPr>
+          <p:cNvPr id="86" name="Rectangle 85">
+            <a:extLst>
+              <a:ext uri="{FF2B5EF4-FFF2-40B4-BE49-F238E27FC236}">
+                <a16:creationId xmlns:a16="http://schemas.microsoft.com/office/drawing/2014/main" id="{43F1BE5D-8895-47C7-A436-6CE186C5148B}"/>
               </a:ext>
             </a:extLst>
           </p:cNvPr>
@@ -7902,8 +7959,8 @@
         </p:nvSpPr>
         <p:spPr>
           <a:xfrm>
-            <a:off x="4666312" y="3338457"/>
-            <a:ext cx="2490429" cy="273653"/>
+            <a:off x="4617617" y="3439511"/>
+            <a:ext cx="3264672" cy="556423"/>
           </a:xfrm>
           <a:prstGeom prst="rect">
             <a:avLst/>
@@ -7933,7 +7990,7 @@
           <a:lstStyle/>
           <a:p>
             <a:r>
-              <a:rPr lang="en-US" sz="1000" dirty="0"/>
+              <a:rPr lang="en-US" sz="1400" dirty="0"/>
               <a:t>Predicate 2</a:t>
             </a:r>
           </a:p>
@@ -7941,10 +7998,10 @@
       </p:sp>
       <p:sp>
         <p:nvSpPr>
-          <p:cNvPr id="191" name="Rectangle 190">
-            <a:extLst>
-              <a:ext uri="{FF2B5EF4-FFF2-40B4-BE49-F238E27FC236}">
-                <a16:creationId xmlns:a16="http://schemas.microsoft.com/office/drawing/2014/main" id="{C9E27A69-2A03-4193-AADA-99329069437A}"/>
+          <p:cNvPr id="87" name="Rectangle 86">
+            <a:extLst>
+              <a:ext uri="{FF2B5EF4-FFF2-40B4-BE49-F238E27FC236}">
+                <a16:creationId xmlns:a16="http://schemas.microsoft.com/office/drawing/2014/main" id="{F56296FC-0CD7-488A-99E8-95BD488CAD76}"/>
               </a:ext>
             </a:extLst>
           </p:cNvPr>
@@ -7953,8 +8010,8 @@
         </p:nvSpPr>
         <p:spPr>
           <a:xfrm>
-            <a:off x="5514399" y="3402603"/>
-            <a:ext cx="834740" cy="165501"/>
+            <a:off x="5639406" y="3542749"/>
+            <a:ext cx="1254356" cy="336516"/>
           </a:xfrm>
           <a:prstGeom prst="rect">
             <a:avLst/>
@@ -7988,19 +8045,19 @@
           <a:p>
             <a:pPr algn="ctr"/>
             <a:r>
-              <a:rPr lang="en-US" sz="1000" dirty="0" err="1"/>
+              <a:rPr lang="en-US" sz="1400" dirty="0" err="1"/>
               <a:t>PrevAddress</a:t>
             </a:r>
-            <a:endParaRPr lang="en-US" sz="1000" dirty="0"/>
-          </a:p>
-        </p:txBody>
-      </p:sp>
-      <p:sp>
-        <p:nvSpPr>
-          <p:cNvPr id="192" name="Rectangle 191">
-            <a:extLst>
-              <a:ext uri="{FF2B5EF4-FFF2-40B4-BE49-F238E27FC236}">
-                <a16:creationId xmlns:a16="http://schemas.microsoft.com/office/drawing/2014/main" id="{83DEABA9-727E-46CB-8CB0-DC8757EFCB30}"/>
+            <a:endParaRPr lang="en-US" sz="1400" dirty="0"/>
+          </a:p>
+        </p:txBody>
+      </p:sp>
+      <p:sp>
+        <p:nvSpPr>
+          <p:cNvPr id="88" name="Rectangle 87">
+            <a:extLst>
+              <a:ext uri="{FF2B5EF4-FFF2-40B4-BE49-F238E27FC236}">
+                <a16:creationId xmlns:a16="http://schemas.microsoft.com/office/drawing/2014/main" id="{40474EAD-FDE8-407E-A3ED-DDCF7C6FD461}"/>
               </a:ext>
             </a:extLst>
           </p:cNvPr>
@@ -8009,8 +8066,8 @@
         </p:nvSpPr>
         <p:spPr>
           <a:xfrm>
-            <a:off x="6455931" y="3405940"/>
-            <a:ext cx="587350" cy="165501"/>
+            <a:off x="7008745" y="3545925"/>
+            <a:ext cx="769950" cy="336516"/>
           </a:xfrm>
           <a:prstGeom prst="rect">
             <a:avLst/>
@@ -8044,7 +8101,7 @@
           <a:p>
             <a:pPr algn="ctr"/>
             <a:r>
-              <a:rPr lang="en-US" sz="1000" dirty="0"/>
+              <a:rPr lang="en-US" sz="1400" dirty="0"/>
               <a:t>“dog”</a:t>
             </a:r>
           </a:p>
@@ -8052,10 +8109,10 @@
       </p:sp>
       <p:sp>
         <p:nvSpPr>
-          <p:cNvPr id="193" name="Rectangle 192">
-            <a:extLst>
-              <a:ext uri="{FF2B5EF4-FFF2-40B4-BE49-F238E27FC236}">
-                <a16:creationId xmlns:a16="http://schemas.microsoft.com/office/drawing/2014/main" id="{1F3B8A37-09F2-4EE5-BAE3-2DB59E0B5668}"/>
+          <p:cNvPr id="89" name="Rectangle 88">
+            <a:extLst>
+              <a:ext uri="{FF2B5EF4-FFF2-40B4-BE49-F238E27FC236}">
+                <a16:creationId xmlns:a16="http://schemas.microsoft.com/office/drawing/2014/main" id="{C5D6BD73-B2F4-46F5-B8C0-69F008ED180F}"/>
               </a:ext>
             </a:extLst>
           </p:cNvPr>
@@ -8064,8 +8121,8 @@
         </p:nvSpPr>
         <p:spPr>
           <a:xfrm>
-            <a:off x="4666312" y="3164921"/>
-            <a:ext cx="2490429" cy="166862"/>
+            <a:off x="4617617" y="3098591"/>
+            <a:ext cx="3264672" cy="339283"/>
           </a:xfrm>
           <a:prstGeom prst="rect">
             <a:avLst/>
@@ -8095,7 +8152,7 @@
           <a:lstStyle/>
           <a:p>
             <a:r>
-              <a:rPr lang="en-US" sz="1000" dirty="0"/>
+              <a:rPr lang="en-US" sz="1400" dirty="0"/>
               <a:t>Predicate 1</a:t>
             </a:r>
           </a:p>
@@ -8103,10 +8160,10 @@
       </p:sp>
       <p:sp>
         <p:nvSpPr>
-          <p:cNvPr id="194" name="Rectangle 193">
-            <a:extLst>
-              <a:ext uri="{FF2B5EF4-FFF2-40B4-BE49-F238E27FC236}">
-                <a16:creationId xmlns:a16="http://schemas.microsoft.com/office/drawing/2014/main" id="{E5371751-6E6D-4FA7-82E5-6C2681FC83AA}"/>
+          <p:cNvPr id="90" name="Rectangle 89">
+            <a:extLst>
+              <a:ext uri="{FF2B5EF4-FFF2-40B4-BE49-F238E27FC236}">
+                <a16:creationId xmlns:a16="http://schemas.microsoft.com/office/drawing/2014/main" id="{9951B8B0-C2C7-4E7E-A3DE-B60EC5AB45FB}"/>
               </a:ext>
             </a:extLst>
           </p:cNvPr>
@@ -8115,8 +8172,8 @@
         </p:nvSpPr>
         <p:spPr>
           <a:xfrm>
-            <a:off x="4666311" y="3612110"/>
-            <a:ext cx="2490429" cy="166862"/>
+            <a:off x="4617617" y="3997712"/>
+            <a:ext cx="3264672" cy="339283"/>
           </a:xfrm>
           <a:prstGeom prst="rect">
             <a:avLst/>
@@ -8146,7 +8203,7 @@
           <a:lstStyle/>
           <a:p>
             <a:r>
-              <a:rPr lang="en-US" sz="1000" dirty="0"/>
+              <a:rPr lang="en-US" sz="1400" dirty="0"/>
               <a:t>Predicate 3</a:t>
             </a:r>
           </a:p>
@@ -8154,10 +8211,10 @@
       </p:sp>
       <p:sp>
         <p:nvSpPr>
-          <p:cNvPr id="195" name="Rectangle 194">
-            <a:extLst>
-              <a:ext uri="{FF2B5EF4-FFF2-40B4-BE49-F238E27FC236}">
-                <a16:creationId xmlns:a16="http://schemas.microsoft.com/office/drawing/2014/main" id="{EA379579-D37D-44C3-B895-557522B51D97}"/>
+          <p:cNvPr id="91" name="Rectangle 90">
+            <a:extLst>
+              <a:ext uri="{FF2B5EF4-FFF2-40B4-BE49-F238E27FC236}">
+                <a16:creationId xmlns:a16="http://schemas.microsoft.com/office/drawing/2014/main" id="{934D9AEB-9525-4AEB-A7B0-54BA468635D1}"/>
               </a:ext>
             </a:extLst>
           </p:cNvPr>
@@ -8166,8 +8223,8 @@
         </p:nvSpPr>
         <p:spPr>
           <a:xfrm>
-            <a:off x="4666310" y="2991385"/>
-            <a:ext cx="2490429" cy="166862"/>
+            <a:off x="4617617" y="2779063"/>
+            <a:ext cx="3264672" cy="339283"/>
           </a:xfrm>
           <a:prstGeom prst="rect">
             <a:avLst/>
@@ -8196,8 +8253,9 @@
           <a:bodyPr rtlCol="0" anchor="ctr"/>
           <a:lstStyle/>
           <a:p>
-            <a:r>
-              <a:rPr lang="en-US" sz="1000" dirty="0"/>
+            <a:pPr algn="ctr"/>
+            <a:r>
+              <a:rPr lang="en-US" sz="1600" dirty="0"/>
               <a:t>Header</a:t>
             </a:r>
           </a:p>
@@ -8205,10 +8263,10 @@
       </p:sp>
       <p:sp>
         <p:nvSpPr>
-          <p:cNvPr id="196" name="Rectangle 195">
-            <a:extLst>
-              <a:ext uri="{FF2B5EF4-FFF2-40B4-BE49-F238E27FC236}">
-                <a16:creationId xmlns:a16="http://schemas.microsoft.com/office/drawing/2014/main" id="{FB92F023-2699-43E1-8916-6E4D019B6096}"/>
+          <p:cNvPr id="92" name="Rectangle 91">
+            <a:extLst>
+              <a:ext uri="{FF2B5EF4-FFF2-40B4-BE49-F238E27FC236}">
+                <a16:creationId xmlns:a16="http://schemas.microsoft.com/office/drawing/2014/main" id="{EA1C043C-3033-47C9-8E41-29AA723D543D}"/>
               </a:ext>
             </a:extLst>
           </p:cNvPr>
@@ -8217,8 +8275,8 @@
         </p:nvSpPr>
         <p:spPr>
           <a:xfrm>
-            <a:off x="4666309" y="3785646"/>
-            <a:ext cx="2490429" cy="166862"/>
+            <a:off x="4617615" y="4339067"/>
+            <a:ext cx="3264672" cy="339283"/>
           </a:xfrm>
           <a:prstGeom prst="rect">
             <a:avLst/>
@@ -8247,20 +8305,21 @@
           <a:bodyPr rtlCol="0" anchor="ctr"/>
           <a:lstStyle/>
           <a:p>
-            <a:r>
-              <a:rPr lang="en-US" sz="1000" dirty="0" err="1"/>
+            <a:pPr algn="ctr"/>
+            <a:r>
+              <a:rPr lang="en-US" sz="1600" dirty="0" err="1"/>
               <a:t>RecordId</a:t>
             </a:r>
-            <a:endParaRPr lang="en-US" sz="1000" dirty="0"/>
-          </a:p>
-        </p:txBody>
-      </p:sp>
-      <p:sp>
-        <p:nvSpPr>
-          <p:cNvPr id="197" name="Rectangle 196">
-            <a:extLst>
-              <a:ext uri="{FF2B5EF4-FFF2-40B4-BE49-F238E27FC236}">
-                <a16:creationId xmlns:a16="http://schemas.microsoft.com/office/drawing/2014/main" id="{3F2A8151-DE4D-4931-BEC9-986BF9A0401D}"/>
+            <a:endParaRPr lang="en-US" sz="1600" dirty="0"/>
+          </a:p>
+        </p:txBody>
+      </p:sp>
+      <p:sp>
+        <p:nvSpPr>
+          <p:cNvPr id="93" name="Rectangle 92">
+            <a:extLst>
+              <a:ext uri="{FF2B5EF4-FFF2-40B4-BE49-F238E27FC236}">
+                <a16:creationId xmlns:a16="http://schemas.microsoft.com/office/drawing/2014/main" id="{AC1CEC7A-08A5-41B5-ACE9-E65FD0C1155E}"/>
               </a:ext>
             </a:extLst>
           </p:cNvPr>
@@ -8269,8 +8328,8 @@
         </p:nvSpPr>
         <p:spPr>
           <a:xfrm>
-            <a:off x="4666312" y="4719951"/>
-            <a:ext cx="2490429" cy="273653"/>
+            <a:off x="4617609" y="5470303"/>
+            <a:ext cx="3264672" cy="556423"/>
           </a:xfrm>
           <a:prstGeom prst="rect">
             <a:avLst/>
@@ -8300,7 +8359,7 @@
           <a:lstStyle/>
           <a:p>
             <a:r>
-              <a:rPr lang="en-US" sz="1000" dirty="0"/>
+              <a:rPr lang="en-US" sz="1400" dirty="0"/>
               <a:t>Predicate 2</a:t>
             </a:r>
           </a:p>
@@ -8308,10 +8367,10 @@
       </p:sp>
       <p:sp>
         <p:nvSpPr>
-          <p:cNvPr id="198" name="Rectangle 197">
-            <a:extLst>
-              <a:ext uri="{FF2B5EF4-FFF2-40B4-BE49-F238E27FC236}">
-                <a16:creationId xmlns:a16="http://schemas.microsoft.com/office/drawing/2014/main" id="{9F09D6E1-D481-44CE-9310-A28647D0D2EA}"/>
+          <p:cNvPr id="94" name="Rectangle 93">
+            <a:extLst>
+              <a:ext uri="{FF2B5EF4-FFF2-40B4-BE49-F238E27FC236}">
+                <a16:creationId xmlns:a16="http://schemas.microsoft.com/office/drawing/2014/main" id="{B5C688F9-07EF-484B-9E9B-300961D378D8}"/>
               </a:ext>
             </a:extLst>
           </p:cNvPr>
@@ -8320,8 +8379,8 @@
         </p:nvSpPr>
         <p:spPr>
           <a:xfrm>
-            <a:off x="5514398" y="4784097"/>
-            <a:ext cx="834743" cy="165501"/>
+            <a:off x="5619374" y="5585917"/>
+            <a:ext cx="1274388" cy="336516"/>
           </a:xfrm>
           <a:prstGeom prst="rect">
             <a:avLst/>
@@ -8355,19 +8414,19 @@
           <a:p>
             <a:pPr algn="ctr"/>
             <a:r>
-              <a:rPr lang="en-US" sz="1000" dirty="0" err="1"/>
+              <a:rPr lang="en-US" sz="1400" dirty="0" err="1"/>
               <a:t>PrevAddress</a:t>
             </a:r>
-            <a:endParaRPr lang="en-US" sz="1000" dirty="0"/>
-          </a:p>
-        </p:txBody>
-      </p:sp>
-      <p:sp>
-        <p:nvSpPr>
-          <p:cNvPr id="199" name="Rectangle 198">
-            <a:extLst>
-              <a:ext uri="{FF2B5EF4-FFF2-40B4-BE49-F238E27FC236}">
-                <a16:creationId xmlns:a16="http://schemas.microsoft.com/office/drawing/2014/main" id="{6A7ABB7B-235D-4946-B2F4-15A355198BDB}"/>
+            <a:endParaRPr lang="en-US" sz="1400" dirty="0"/>
+          </a:p>
+        </p:txBody>
+      </p:sp>
+      <p:sp>
+        <p:nvSpPr>
+          <p:cNvPr id="95" name="Rectangle 94">
+            <a:extLst>
+              <a:ext uri="{FF2B5EF4-FFF2-40B4-BE49-F238E27FC236}">
+                <a16:creationId xmlns:a16="http://schemas.microsoft.com/office/drawing/2014/main" id="{ED30BD82-C821-44B0-9E96-23A205EDB3EA}"/>
               </a:ext>
             </a:extLst>
           </p:cNvPr>
@@ -8376,8 +8435,8 @@
         </p:nvSpPr>
         <p:spPr>
           <a:xfrm>
-            <a:off x="6455933" y="4787434"/>
-            <a:ext cx="587351" cy="165501"/>
+            <a:off x="7007228" y="5578426"/>
+            <a:ext cx="769951" cy="336516"/>
           </a:xfrm>
           <a:prstGeom prst="rect">
             <a:avLst/>
@@ -8411,7 +8470,7 @@
           <a:p>
             <a:pPr algn="ctr"/>
             <a:r>
-              <a:rPr lang="en-US" sz="1000" dirty="0"/>
+              <a:rPr lang="en-US" sz="1400" dirty="0"/>
               <a:t>“cat”</a:t>
             </a:r>
           </a:p>
@@ -8419,10 +8478,10 @@
       </p:sp>
       <p:sp>
         <p:nvSpPr>
-          <p:cNvPr id="200" name="Rectangle 199">
-            <a:extLst>
-              <a:ext uri="{FF2B5EF4-FFF2-40B4-BE49-F238E27FC236}">
-                <a16:creationId xmlns:a16="http://schemas.microsoft.com/office/drawing/2014/main" id="{0977CD30-C0C9-4F13-A8E9-BF3602ED9F8A}"/>
+          <p:cNvPr id="96" name="Rectangle 95">
+            <a:extLst>
+              <a:ext uri="{FF2B5EF4-FFF2-40B4-BE49-F238E27FC236}">
+                <a16:creationId xmlns:a16="http://schemas.microsoft.com/office/drawing/2014/main" id="{9A90B5B8-954C-473E-B1D4-CCAE1DDA9A29}"/>
               </a:ext>
             </a:extLst>
           </p:cNvPr>
@@ -8431,8 +8490,8 @@
         </p:nvSpPr>
         <p:spPr>
           <a:xfrm>
-            <a:off x="4666312" y="4546415"/>
-            <a:ext cx="2490429" cy="166862"/>
+            <a:off x="4617606" y="5128826"/>
+            <a:ext cx="3264672" cy="339283"/>
           </a:xfrm>
           <a:prstGeom prst="rect">
             <a:avLst/>
@@ -8462,7 +8521,7 @@
           <a:lstStyle/>
           <a:p>
             <a:r>
-              <a:rPr lang="en-US" sz="1000" dirty="0"/>
+              <a:rPr lang="en-US" sz="1400" dirty="0"/>
               <a:t>Predicate 1</a:t>
             </a:r>
           </a:p>
@@ -8470,10 +8529,10 @@
       </p:sp>
       <p:sp>
         <p:nvSpPr>
-          <p:cNvPr id="201" name="Rectangle 200">
-            <a:extLst>
-              <a:ext uri="{FF2B5EF4-FFF2-40B4-BE49-F238E27FC236}">
-                <a16:creationId xmlns:a16="http://schemas.microsoft.com/office/drawing/2014/main" id="{03397ACF-99FB-4ACE-8581-023DF35830BF}"/>
+          <p:cNvPr id="97" name="Rectangle 96">
+            <a:extLst>
+              <a:ext uri="{FF2B5EF4-FFF2-40B4-BE49-F238E27FC236}">
+                <a16:creationId xmlns:a16="http://schemas.microsoft.com/office/drawing/2014/main" id="{46BB69B0-71E3-4564-9FD2-FAFE80644C59}"/>
               </a:ext>
             </a:extLst>
           </p:cNvPr>
@@ -8482,8 +8541,8 @@
         </p:nvSpPr>
         <p:spPr>
           <a:xfrm>
-            <a:off x="4666311" y="4993604"/>
-            <a:ext cx="2490429" cy="166862"/>
+            <a:off x="4617608" y="6024284"/>
+            <a:ext cx="3264672" cy="339283"/>
           </a:xfrm>
           <a:prstGeom prst="rect">
             <a:avLst/>
@@ -8513,7 +8572,7 @@
           <a:lstStyle/>
           <a:p>
             <a:r>
-              <a:rPr lang="en-US" sz="1000" dirty="0"/>
+              <a:rPr lang="en-US" sz="1400" dirty="0"/>
               <a:t>Predicate 3</a:t>
             </a:r>
           </a:p>
@@ -8521,10 +8580,10 @@
       </p:sp>
       <p:sp>
         <p:nvSpPr>
-          <p:cNvPr id="202" name="Rectangle 201">
-            <a:extLst>
-              <a:ext uri="{FF2B5EF4-FFF2-40B4-BE49-F238E27FC236}">
-                <a16:creationId xmlns:a16="http://schemas.microsoft.com/office/drawing/2014/main" id="{123C66F7-AAE4-483B-8AC8-1B274B67AEF8}"/>
+          <p:cNvPr id="98" name="Rectangle 97">
+            <a:extLst>
+              <a:ext uri="{FF2B5EF4-FFF2-40B4-BE49-F238E27FC236}">
+                <a16:creationId xmlns:a16="http://schemas.microsoft.com/office/drawing/2014/main" id="{7814AE60-F05D-4A0E-A87E-0DF24183FE63}"/>
               </a:ext>
             </a:extLst>
           </p:cNvPr>
@@ -8533,8 +8592,8 @@
         </p:nvSpPr>
         <p:spPr>
           <a:xfrm>
-            <a:off x="4666310" y="4372879"/>
-            <a:ext cx="2490429" cy="166862"/>
+            <a:off x="4617615" y="4785390"/>
+            <a:ext cx="3264672" cy="339283"/>
           </a:xfrm>
           <a:prstGeom prst="rect">
             <a:avLst/>
@@ -8563,8 +8622,9 @@
           <a:bodyPr rtlCol="0" anchor="ctr"/>
           <a:lstStyle/>
           <a:p>
-            <a:r>
-              <a:rPr lang="en-US" sz="1000" dirty="0"/>
+            <a:pPr algn="ctr"/>
+            <a:r>
+              <a:rPr lang="en-US" sz="1600" dirty="0"/>
               <a:t>Header</a:t>
             </a:r>
           </a:p>
@@ -8572,10 +8632,10 @@
       </p:sp>
       <p:sp>
         <p:nvSpPr>
-          <p:cNvPr id="203" name="Rectangle 202">
-            <a:extLst>
-              <a:ext uri="{FF2B5EF4-FFF2-40B4-BE49-F238E27FC236}">
-                <a16:creationId xmlns:a16="http://schemas.microsoft.com/office/drawing/2014/main" id="{0DEC8E0B-7F53-415E-9F1B-DB88E9217EEF}"/>
+          <p:cNvPr id="99" name="Rectangle 98">
+            <a:extLst>
+              <a:ext uri="{FF2B5EF4-FFF2-40B4-BE49-F238E27FC236}">
+                <a16:creationId xmlns:a16="http://schemas.microsoft.com/office/drawing/2014/main" id="{B5E227D1-FA92-4A43-819C-6897F8249C71}"/>
               </a:ext>
             </a:extLst>
           </p:cNvPr>
@@ -8584,8 +8644,8 @@
         </p:nvSpPr>
         <p:spPr>
           <a:xfrm>
-            <a:off x="4666309" y="5167140"/>
-            <a:ext cx="2490429" cy="166862"/>
+            <a:off x="4614650" y="6370134"/>
+            <a:ext cx="3264672" cy="339283"/>
           </a:xfrm>
           <a:prstGeom prst="rect">
             <a:avLst/>
@@ -8614,38 +8674,39 @@
           <a:bodyPr rtlCol="0" anchor="ctr"/>
           <a:lstStyle/>
           <a:p>
-            <a:r>
-              <a:rPr lang="en-US" sz="1000" dirty="0" err="1"/>
+            <a:pPr algn="ctr"/>
+            <a:r>
+              <a:rPr lang="en-US" sz="1600" dirty="0" err="1"/>
               <a:t>RecordId</a:t>
             </a:r>
-            <a:endParaRPr lang="en-US" sz="1000" dirty="0"/>
+            <a:endParaRPr lang="en-US" sz="1600" dirty="0"/>
           </a:p>
         </p:txBody>
       </p:sp>
       <p:cxnSp>
         <p:nvCxnSpPr>
-          <p:cNvPr id="204" name="Connector: Curved 203">
-            <a:extLst>
-              <a:ext uri="{FF2B5EF4-FFF2-40B4-BE49-F238E27FC236}">
-                <a16:creationId xmlns:a16="http://schemas.microsoft.com/office/drawing/2014/main" id="{111E2E8F-98C4-4BB6-B97F-745766340DF4}"/>
+          <p:cNvPr id="100" name="Connector: Curved 99">
+            <a:extLst>
+              <a:ext uri="{FF2B5EF4-FFF2-40B4-BE49-F238E27FC236}">
+                <a16:creationId xmlns:a16="http://schemas.microsoft.com/office/drawing/2014/main" id="{B903E8C7-1CAF-45B8-89BF-BA6E3D9FADF6}"/>
               </a:ext>
             </a:extLst>
           </p:cNvPr>
           <p:cNvCxnSpPr>
             <a:cxnSpLocks/>
-            <a:stCxn id="183" idx="1"/>
-            <a:endCxn id="190" idx="1"/>
+            <a:stCxn id="79" idx="1"/>
+            <a:endCxn id="86" idx="1"/>
           </p:cNvCxnSpPr>
           <p:nvPr/>
         </p:nvCxnSpPr>
         <p:spPr>
           <a:xfrm rot="10800000" flipV="1">
-            <a:off x="4666312" y="2109186"/>
-            <a:ext cx="848090" cy="1366098"/>
+            <a:off x="4617618" y="1715771"/>
+            <a:ext cx="1001757" cy="2001952"/>
           </a:xfrm>
           <a:prstGeom prst="curvedConnector3">
             <a:avLst>
-              <a:gd name="adj1" fmla="val 126955"/>
+              <a:gd name="adj1" fmla="val 122820"/>
             </a:avLst>
           </a:prstGeom>
           <a:ln w="12700">
@@ -8670,28 +8731,1194 @@
           </a:fontRef>
         </p:style>
       </p:cxnSp>
+      <p:sp>
+        <p:nvSpPr>
+          <p:cNvPr id="124" name="Rectangle 123">
+            <a:extLst>
+              <a:ext uri="{FF2B5EF4-FFF2-40B4-BE49-F238E27FC236}">
+                <a16:creationId xmlns:a16="http://schemas.microsoft.com/office/drawing/2014/main" id="{CF72A5A3-3DDD-4D93-90EF-4549C4F544E2}"/>
+              </a:ext>
+            </a:extLst>
+          </p:cNvPr>
+          <p:cNvSpPr/>
+          <p:nvPr/>
+        </p:nvSpPr>
+        <p:spPr>
+          <a:xfrm>
+            <a:off x="8604380" y="1464860"/>
+            <a:ext cx="3264679" cy="511439"/>
+          </a:xfrm>
+          <a:prstGeom prst="rect">
+            <a:avLst/>
+          </a:prstGeom>
+          <a:solidFill>
+            <a:schemeClr val="accent1"/>
+          </a:solidFill>
+        </p:spPr>
+        <p:style>
+          <a:lnRef idx="2">
+            <a:schemeClr val="accent1">
+              <a:shade val="50000"/>
+            </a:schemeClr>
+          </a:lnRef>
+          <a:fillRef idx="1">
+            <a:schemeClr val="accent1"/>
+          </a:fillRef>
+          <a:effectRef idx="0">
+            <a:schemeClr val="accent1"/>
+          </a:effectRef>
+          <a:fontRef idx="minor">
+            <a:schemeClr val="lt1"/>
+          </a:fontRef>
+        </p:style>
+        <p:txBody>
+          <a:bodyPr rtlCol="0" anchor="ctr"/>
+          <a:lstStyle/>
+          <a:p>
+            <a:r>
+              <a:rPr lang="en-US" sz="1400" dirty="0"/>
+              <a:t>Predicate 2</a:t>
+            </a:r>
+          </a:p>
+        </p:txBody>
+      </p:sp>
+      <p:sp>
+        <p:nvSpPr>
+          <p:cNvPr id="126" name="Rectangle 125">
+            <a:extLst>
+              <a:ext uri="{FF2B5EF4-FFF2-40B4-BE49-F238E27FC236}">
+                <a16:creationId xmlns:a16="http://schemas.microsoft.com/office/drawing/2014/main" id="{09F83AB9-56FA-424E-A019-E67BAD51ED50}"/>
+              </a:ext>
+            </a:extLst>
+          </p:cNvPr>
+          <p:cNvSpPr/>
+          <p:nvPr/>
+        </p:nvSpPr>
+        <p:spPr>
+          <a:xfrm>
+            <a:off x="9606098" y="1547513"/>
+            <a:ext cx="1274388" cy="336516"/>
+          </a:xfrm>
+          <a:prstGeom prst="rect">
+            <a:avLst/>
+          </a:prstGeom>
+          <a:solidFill>
+            <a:schemeClr val="accent1">
+              <a:lumMod val="60000"/>
+              <a:lumOff val="40000"/>
+            </a:schemeClr>
+          </a:solidFill>
+        </p:spPr>
+        <p:style>
+          <a:lnRef idx="2">
+            <a:schemeClr val="accent1">
+              <a:shade val="50000"/>
+            </a:schemeClr>
+          </a:lnRef>
+          <a:fillRef idx="1">
+            <a:schemeClr val="accent1"/>
+          </a:fillRef>
+          <a:effectRef idx="0">
+            <a:schemeClr val="accent1"/>
+          </a:effectRef>
+          <a:fontRef idx="minor">
+            <a:schemeClr val="lt1"/>
+          </a:fontRef>
+        </p:style>
+        <p:txBody>
+          <a:bodyPr rtlCol="0" anchor="ctr"/>
+          <a:lstStyle/>
+          <a:p>
+            <a:pPr algn="ctr"/>
+            <a:r>
+              <a:rPr lang="en-US" sz="1400" dirty="0" err="1"/>
+              <a:t>PrevAddress</a:t>
+            </a:r>
+            <a:endParaRPr lang="en-US" sz="1400" dirty="0"/>
+          </a:p>
+        </p:txBody>
+      </p:sp>
+      <p:sp>
+        <p:nvSpPr>
+          <p:cNvPr id="127" name="Rectangle 126">
+            <a:extLst>
+              <a:ext uri="{FF2B5EF4-FFF2-40B4-BE49-F238E27FC236}">
+                <a16:creationId xmlns:a16="http://schemas.microsoft.com/office/drawing/2014/main" id="{1D274E8D-A418-4521-ACE0-3D3A145E02F7}"/>
+              </a:ext>
+            </a:extLst>
+          </p:cNvPr>
+          <p:cNvSpPr/>
+          <p:nvPr/>
+        </p:nvSpPr>
+        <p:spPr>
+          <a:xfrm>
+            <a:off x="10993953" y="1549189"/>
+            <a:ext cx="769951" cy="336516"/>
+          </a:xfrm>
+          <a:prstGeom prst="rect">
+            <a:avLst/>
+          </a:prstGeom>
+          <a:solidFill>
+            <a:schemeClr val="accent1">
+              <a:lumMod val="60000"/>
+              <a:lumOff val="40000"/>
+            </a:schemeClr>
+          </a:solidFill>
+        </p:spPr>
+        <p:style>
+          <a:lnRef idx="2">
+            <a:schemeClr val="accent1">
+              <a:shade val="50000"/>
+            </a:schemeClr>
+          </a:lnRef>
+          <a:fillRef idx="1">
+            <a:schemeClr val="accent1"/>
+          </a:fillRef>
+          <a:effectRef idx="0">
+            <a:schemeClr val="accent1"/>
+          </a:effectRef>
+          <a:fontRef idx="minor">
+            <a:schemeClr val="lt1"/>
+          </a:fontRef>
+        </p:style>
+        <p:txBody>
+          <a:bodyPr rtlCol="0" anchor="ctr"/>
+          <a:lstStyle/>
+          <a:p>
+            <a:pPr algn="ctr"/>
+            <a:r>
+              <a:rPr lang="en-US" sz="1400" dirty="0"/>
+              <a:t>“cat”</a:t>
+            </a:r>
+          </a:p>
+        </p:txBody>
+      </p:sp>
+      <p:sp>
+        <p:nvSpPr>
+          <p:cNvPr id="128" name="Rectangle 127">
+            <a:extLst>
+              <a:ext uri="{FF2B5EF4-FFF2-40B4-BE49-F238E27FC236}">
+                <a16:creationId xmlns:a16="http://schemas.microsoft.com/office/drawing/2014/main" id="{18CB0C62-2E5D-48B7-ADA1-6C580D74748B}"/>
+              </a:ext>
+            </a:extLst>
+          </p:cNvPr>
+          <p:cNvSpPr/>
+          <p:nvPr/>
+        </p:nvSpPr>
+        <p:spPr>
+          <a:xfrm>
+            <a:off x="8604336" y="1124419"/>
+            <a:ext cx="3264680" cy="339283"/>
+          </a:xfrm>
+          <a:prstGeom prst="rect">
+            <a:avLst/>
+          </a:prstGeom>
+          <a:solidFill>
+            <a:schemeClr val="accent1"/>
+          </a:solidFill>
+        </p:spPr>
+        <p:style>
+          <a:lnRef idx="2">
+            <a:schemeClr val="accent1">
+              <a:shade val="50000"/>
+            </a:schemeClr>
+          </a:lnRef>
+          <a:fillRef idx="1">
+            <a:schemeClr val="accent1"/>
+          </a:fillRef>
+          <a:effectRef idx="0">
+            <a:schemeClr val="accent1"/>
+          </a:effectRef>
+          <a:fontRef idx="minor">
+            <a:schemeClr val="lt1"/>
+          </a:fontRef>
+        </p:style>
+        <p:txBody>
+          <a:bodyPr rtlCol="0" anchor="ctr"/>
+          <a:lstStyle/>
+          <a:p>
+            <a:r>
+              <a:rPr lang="en-US" sz="1400" dirty="0"/>
+              <a:t>Predicate 1</a:t>
+            </a:r>
+          </a:p>
+        </p:txBody>
+      </p:sp>
+      <p:sp>
+        <p:nvSpPr>
+          <p:cNvPr id="130" name="Rectangle 129">
+            <a:extLst>
+              <a:ext uri="{FF2B5EF4-FFF2-40B4-BE49-F238E27FC236}">
+                <a16:creationId xmlns:a16="http://schemas.microsoft.com/office/drawing/2014/main" id="{AB791CC3-0CDB-47EB-A292-C6C09117E7C6}"/>
+              </a:ext>
+            </a:extLst>
+          </p:cNvPr>
+          <p:cNvSpPr/>
+          <p:nvPr/>
+        </p:nvSpPr>
+        <p:spPr>
+          <a:xfrm>
+            <a:off x="8604373" y="1984089"/>
+            <a:ext cx="3264679" cy="339283"/>
+          </a:xfrm>
+          <a:prstGeom prst="rect">
+            <a:avLst/>
+          </a:prstGeom>
+          <a:solidFill>
+            <a:schemeClr val="accent1"/>
+          </a:solidFill>
+        </p:spPr>
+        <p:style>
+          <a:lnRef idx="2">
+            <a:schemeClr val="accent1">
+              <a:shade val="50000"/>
+            </a:schemeClr>
+          </a:lnRef>
+          <a:fillRef idx="1">
+            <a:schemeClr val="accent1"/>
+          </a:fillRef>
+          <a:effectRef idx="0">
+            <a:schemeClr val="accent1"/>
+          </a:effectRef>
+          <a:fontRef idx="minor">
+            <a:schemeClr val="lt1"/>
+          </a:fontRef>
+        </p:style>
+        <p:txBody>
+          <a:bodyPr rtlCol="0" anchor="ctr"/>
+          <a:lstStyle/>
+          <a:p>
+            <a:r>
+              <a:rPr lang="en-US" sz="1400" dirty="0"/>
+              <a:t>Predicate 3</a:t>
+            </a:r>
+          </a:p>
+        </p:txBody>
+      </p:sp>
+      <p:sp>
+        <p:nvSpPr>
+          <p:cNvPr id="132" name="Rectangle 131">
+            <a:extLst>
+              <a:ext uri="{FF2B5EF4-FFF2-40B4-BE49-F238E27FC236}">
+                <a16:creationId xmlns:a16="http://schemas.microsoft.com/office/drawing/2014/main" id="{C453F538-9676-42B6-9663-943D17DA451A}"/>
+              </a:ext>
+            </a:extLst>
+          </p:cNvPr>
+          <p:cNvSpPr/>
+          <p:nvPr/>
+        </p:nvSpPr>
+        <p:spPr>
+          <a:xfrm>
+            <a:off x="8604593" y="783753"/>
+            <a:ext cx="3264682" cy="339283"/>
+          </a:xfrm>
+          <a:prstGeom prst="rect">
+            <a:avLst/>
+          </a:prstGeom>
+          <a:solidFill>
+            <a:schemeClr val="accent5"/>
+          </a:solidFill>
+        </p:spPr>
+        <p:style>
+          <a:lnRef idx="2">
+            <a:schemeClr val="accent1">
+              <a:shade val="50000"/>
+            </a:schemeClr>
+          </a:lnRef>
+          <a:fillRef idx="1">
+            <a:schemeClr val="accent1"/>
+          </a:fillRef>
+          <a:effectRef idx="0">
+            <a:schemeClr val="accent1"/>
+          </a:effectRef>
+          <a:fontRef idx="minor">
+            <a:schemeClr val="lt1"/>
+          </a:fontRef>
+        </p:style>
+        <p:txBody>
+          <a:bodyPr rtlCol="0" anchor="ctr"/>
+          <a:lstStyle/>
+          <a:p>
+            <a:pPr algn="ctr"/>
+            <a:r>
+              <a:rPr lang="en-US" sz="1600" dirty="0"/>
+              <a:t>Header</a:t>
+            </a:r>
+          </a:p>
+        </p:txBody>
+      </p:sp>
+      <p:sp>
+        <p:nvSpPr>
+          <p:cNvPr id="134" name="Rectangle 133">
+            <a:extLst>
+              <a:ext uri="{FF2B5EF4-FFF2-40B4-BE49-F238E27FC236}">
+                <a16:creationId xmlns:a16="http://schemas.microsoft.com/office/drawing/2014/main" id="{643E5E62-20E5-4953-BABE-A761630E9D3D}"/>
+              </a:ext>
+            </a:extLst>
+          </p:cNvPr>
+          <p:cNvSpPr/>
+          <p:nvPr/>
+        </p:nvSpPr>
+        <p:spPr>
+          <a:xfrm>
+            <a:off x="8604340" y="2324134"/>
+            <a:ext cx="3264675" cy="339283"/>
+          </a:xfrm>
+          <a:prstGeom prst="rect">
+            <a:avLst/>
+          </a:prstGeom>
+          <a:solidFill>
+            <a:srgbClr val="00B050"/>
+          </a:solidFill>
+        </p:spPr>
+        <p:style>
+          <a:lnRef idx="2">
+            <a:schemeClr val="accent1">
+              <a:shade val="50000"/>
+            </a:schemeClr>
+          </a:lnRef>
+          <a:fillRef idx="1">
+            <a:schemeClr val="accent1"/>
+          </a:fillRef>
+          <a:effectRef idx="0">
+            <a:schemeClr val="accent1"/>
+          </a:effectRef>
+          <a:fontRef idx="minor">
+            <a:schemeClr val="lt1"/>
+          </a:fontRef>
+        </p:style>
+        <p:txBody>
+          <a:bodyPr rtlCol="0" anchor="ctr"/>
+          <a:lstStyle/>
+          <a:p>
+            <a:pPr algn="ctr"/>
+            <a:r>
+              <a:rPr lang="en-US" sz="1600" dirty="0" err="1"/>
+              <a:t>RecordId</a:t>
+            </a:r>
+            <a:endParaRPr lang="en-US" sz="1600" dirty="0"/>
+          </a:p>
+        </p:txBody>
+      </p:sp>
+      <p:sp>
+        <p:nvSpPr>
+          <p:cNvPr id="136" name="Rectangle 135">
+            <a:extLst>
+              <a:ext uri="{FF2B5EF4-FFF2-40B4-BE49-F238E27FC236}">
+                <a16:creationId xmlns:a16="http://schemas.microsoft.com/office/drawing/2014/main" id="{0B0A8F98-6EEE-4C04-BD11-0DAFFCFF4F06}"/>
+              </a:ext>
+            </a:extLst>
+          </p:cNvPr>
+          <p:cNvSpPr/>
+          <p:nvPr/>
+        </p:nvSpPr>
+        <p:spPr>
+          <a:xfrm>
+            <a:off x="8601414" y="237603"/>
+            <a:ext cx="3264632" cy="434279"/>
+          </a:xfrm>
+          <a:prstGeom prst="rect">
+            <a:avLst/>
+          </a:prstGeom>
+          <a:noFill/>
+          <a:ln>
+            <a:noFill/>
+          </a:ln>
+        </p:spPr>
+        <p:style>
+          <a:lnRef idx="2">
+            <a:schemeClr val="accent1">
+              <a:shade val="50000"/>
+            </a:schemeClr>
+          </a:lnRef>
+          <a:fillRef idx="1">
+            <a:schemeClr val="accent1"/>
+          </a:fillRef>
+          <a:effectRef idx="0">
+            <a:schemeClr val="accent1"/>
+          </a:effectRef>
+          <a:fontRef idx="minor">
+            <a:schemeClr val="lt1"/>
+          </a:fontRef>
+        </p:style>
+        <p:txBody>
+          <a:bodyPr rtlCol="0" anchor="ctr"/>
+          <a:lstStyle/>
+          <a:p>
+            <a:pPr algn="ctr"/>
+            <a:r>
+              <a:rPr lang="en-US" dirty="0">
+                <a:solidFill>
+                  <a:schemeClr val="tx1"/>
+                </a:solidFill>
+              </a:rPr>
+              <a:t>Key Collision Across Predicates</a:t>
+            </a:r>
+          </a:p>
+        </p:txBody>
+      </p:sp>
+      <p:sp>
+        <p:nvSpPr>
+          <p:cNvPr id="138" name="Rectangle 137">
+            <a:extLst>
+              <a:ext uri="{FF2B5EF4-FFF2-40B4-BE49-F238E27FC236}">
+                <a16:creationId xmlns:a16="http://schemas.microsoft.com/office/drawing/2014/main" id="{75C1DCDB-2B81-4004-9AC4-9968A7D2F386}"/>
+              </a:ext>
+            </a:extLst>
+          </p:cNvPr>
+          <p:cNvSpPr/>
+          <p:nvPr/>
+        </p:nvSpPr>
+        <p:spPr>
+          <a:xfrm>
+            <a:off x="8604341" y="3119144"/>
+            <a:ext cx="3264672" cy="541728"/>
+          </a:xfrm>
+          <a:prstGeom prst="rect">
+            <a:avLst/>
+          </a:prstGeom>
+          <a:solidFill>
+            <a:schemeClr val="accent1"/>
+          </a:solidFill>
+        </p:spPr>
+        <p:style>
+          <a:lnRef idx="2">
+            <a:schemeClr val="accent1">
+              <a:shade val="50000"/>
+            </a:schemeClr>
+          </a:lnRef>
+          <a:fillRef idx="1">
+            <a:schemeClr val="accent1"/>
+          </a:fillRef>
+          <a:effectRef idx="0">
+            <a:schemeClr val="accent1"/>
+          </a:effectRef>
+          <a:fontRef idx="minor">
+            <a:schemeClr val="lt1"/>
+          </a:fontRef>
+        </p:style>
+        <p:txBody>
+          <a:bodyPr rtlCol="0" anchor="ctr"/>
+          <a:lstStyle/>
+          <a:p>
+            <a:r>
+              <a:rPr lang="en-US" sz="1400" dirty="0"/>
+              <a:t>Predicate 1</a:t>
+            </a:r>
+          </a:p>
+        </p:txBody>
+      </p:sp>
+      <p:sp>
+        <p:nvSpPr>
+          <p:cNvPr id="140" name="Rectangle 139">
+            <a:extLst>
+              <a:ext uri="{FF2B5EF4-FFF2-40B4-BE49-F238E27FC236}">
+                <a16:creationId xmlns:a16="http://schemas.microsoft.com/office/drawing/2014/main" id="{9077ED2A-18DD-4590-A700-8EA39D9380A0}"/>
+              </a:ext>
+            </a:extLst>
+          </p:cNvPr>
+          <p:cNvSpPr/>
+          <p:nvPr/>
+        </p:nvSpPr>
+        <p:spPr>
+          <a:xfrm>
+            <a:off x="9626130" y="3222381"/>
+            <a:ext cx="1254356" cy="336516"/>
+          </a:xfrm>
+          <a:prstGeom prst="rect">
+            <a:avLst/>
+          </a:prstGeom>
+          <a:solidFill>
+            <a:schemeClr val="accent1">
+              <a:lumMod val="60000"/>
+              <a:lumOff val="40000"/>
+            </a:schemeClr>
+          </a:solidFill>
+        </p:spPr>
+        <p:style>
+          <a:lnRef idx="2">
+            <a:schemeClr val="accent1">
+              <a:shade val="50000"/>
+            </a:schemeClr>
+          </a:lnRef>
+          <a:fillRef idx="1">
+            <a:schemeClr val="accent1"/>
+          </a:fillRef>
+          <a:effectRef idx="0">
+            <a:schemeClr val="accent1"/>
+          </a:effectRef>
+          <a:fontRef idx="minor">
+            <a:schemeClr val="lt1"/>
+          </a:fontRef>
+        </p:style>
+        <p:txBody>
+          <a:bodyPr rtlCol="0" anchor="ctr"/>
+          <a:lstStyle/>
+          <a:p>
+            <a:pPr algn="ctr"/>
+            <a:r>
+              <a:rPr lang="en-US" sz="1400" dirty="0" err="1"/>
+              <a:t>PrevAddress</a:t>
+            </a:r>
+            <a:endParaRPr lang="en-US" sz="1400" dirty="0"/>
+          </a:p>
+        </p:txBody>
+      </p:sp>
+      <p:sp>
+        <p:nvSpPr>
+          <p:cNvPr id="142" name="Rectangle 141">
+            <a:extLst>
+              <a:ext uri="{FF2B5EF4-FFF2-40B4-BE49-F238E27FC236}">
+                <a16:creationId xmlns:a16="http://schemas.microsoft.com/office/drawing/2014/main" id="{EEC00B97-0387-410E-BD80-59794BD5B7AE}"/>
+              </a:ext>
+            </a:extLst>
+          </p:cNvPr>
+          <p:cNvSpPr/>
+          <p:nvPr/>
+        </p:nvSpPr>
+        <p:spPr>
+          <a:xfrm>
+            <a:off x="10995469" y="3225557"/>
+            <a:ext cx="769950" cy="336516"/>
+          </a:xfrm>
+          <a:prstGeom prst="rect">
+            <a:avLst/>
+          </a:prstGeom>
+          <a:solidFill>
+            <a:schemeClr val="accent1">
+              <a:lumMod val="60000"/>
+              <a:lumOff val="40000"/>
+            </a:schemeClr>
+          </a:solidFill>
+        </p:spPr>
+        <p:style>
+          <a:lnRef idx="2">
+            <a:schemeClr val="accent1">
+              <a:shade val="50000"/>
+            </a:schemeClr>
+          </a:lnRef>
+          <a:fillRef idx="1">
+            <a:schemeClr val="accent1"/>
+          </a:fillRef>
+          <a:effectRef idx="0">
+            <a:schemeClr val="accent1"/>
+          </a:effectRef>
+          <a:fontRef idx="minor">
+            <a:schemeClr val="lt1"/>
+          </a:fontRef>
+        </p:style>
+        <p:txBody>
+          <a:bodyPr rtlCol="0" anchor="ctr"/>
+          <a:lstStyle/>
+          <a:p>
+            <a:pPr algn="ctr"/>
+            <a:r>
+              <a:rPr lang="en-US" sz="1400" dirty="0"/>
+              <a:t>“boat”</a:t>
+            </a:r>
+          </a:p>
+        </p:txBody>
+      </p:sp>
+      <p:sp>
+        <p:nvSpPr>
+          <p:cNvPr id="144" name="Rectangle 143">
+            <a:extLst>
+              <a:ext uri="{FF2B5EF4-FFF2-40B4-BE49-F238E27FC236}">
+                <a16:creationId xmlns:a16="http://schemas.microsoft.com/office/drawing/2014/main" id="{9BFD79E5-6C8F-43B2-800A-8011851AC0AB}"/>
+              </a:ext>
+            </a:extLst>
+          </p:cNvPr>
+          <p:cNvSpPr/>
+          <p:nvPr/>
+        </p:nvSpPr>
+        <p:spPr>
+          <a:xfrm>
+            <a:off x="8601000" y="3658526"/>
+            <a:ext cx="3264672" cy="339283"/>
+          </a:xfrm>
+          <a:prstGeom prst="rect">
+            <a:avLst/>
+          </a:prstGeom>
+          <a:solidFill>
+            <a:schemeClr val="accent1"/>
+          </a:solidFill>
+        </p:spPr>
+        <p:style>
+          <a:lnRef idx="2">
+            <a:schemeClr val="accent1">
+              <a:shade val="50000"/>
+            </a:schemeClr>
+          </a:lnRef>
+          <a:fillRef idx="1">
+            <a:schemeClr val="accent1"/>
+          </a:fillRef>
+          <a:effectRef idx="0">
+            <a:schemeClr val="accent1"/>
+          </a:effectRef>
+          <a:fontRef idx="minor">
+            <a:schemeClr val="lt1"/>
+          </a:fontRef>
+        </p:style>
+        <p:txBody>
+          <a:bodyPr rtlCol="0" anchor="ctr"/>
+          <a:lstStyle/>
+          <a:p>
+            <a:r>
+              <a:rPr lang="en-US" sz="1400" dirty="0"/>
+              <a:t>Predicate 2</a:t>
+            </a:r>
+          </a:p>
+        </p:txBody>
+      </p:sp>
+      <p:sp>
+        <p:nvSpPr>
+          <p:cNvPr id="146" name="Rectangle 145">
+            <a:extLst>
+              <a:ext uri="{FF2B5EF4-FFF2-40B4-BE49-F238E27FC236}">
+                <a16:creationId xmlns:a16="http://schemas.microsoft.com/office/drawing/2014/main" id="{A0D8A335-58BB-4FE9-96C5-CCDB73CD31BC}"/>
+              </a:ext>
+            </a:extLst>
+          </p:cNvPr>
+          <p:cNvSpPr/>
+          <p:nvPr/>
+        </p:nvSpPr>
+        <p:spPr>
+          <a:xfrm>
+            <a:off x="8604341" y="3997712"/>
+            <a:ext cx="3264672" cy="339283"/>
+          </a:xfrm>
+          <a:prstGeom prst="rect">
+            <a:avLst/>
+          </a:prstGeom>
+          <a:solidFill>
+            <a:schemeClr val="accent1"/>
+          </a:solidFill>
+        </p:spPr>
+        <p:style>
+          <a:lnRef idx="2">
+            <a:schemeClr val="accent1">
+              <a:shade val="50000"/>
+            </a:schemeClr>
+          </a:lnRef>
+          <a:fillRef idx="1">
+            <a:schemeClr val="accent1"/>
+          </a:fillRef>
+          <a:effectRef idx="0">
+            <a:schemeClr val="accent1"/>
+          </a:effectRef>
+          <a:fontRef idx="minor">
+            <a:schemeClr val="lt1"/>
+          </a:fontRef>
+        </p:style>
+        <p:txBody>
+          <a:bodyPr rtlCol="0" anchor="ctr"/>
+          <a:lstStyle/>
+          <a:p>
+            <a:r>
+              <a:rPr lang="en-US" sz="1400" dirty="0"/>
+              <a:t>Predicate 3</a:t>
+            </a:r>
+          </a:p>
+        </p:txBody>
+      </p:sp>
+      <p:sp>
+        <p:nvSpPr>
+          <p:cNvPr id="148" name="Rectangle 147">
+            <a:extLst>
+              <a:ext uri="{FF2B5EF4-FFF2-40B4-BE49-F238E27FC236}">
+                <a16:creationId xmlns:a16="http://schemas.microsoft.com/office/drawing/2014/main" id="{16DFA1E7-4A18-4899-AEAB-36818FC97DEC}"/>
+              </a:ext>
+            </a:extLst>
+          </p:cNvPr>
+          <p:cNvSpPr/>
+          <p:nvPr/>
+        </p:nvSpPr>
+        <p:spPr>
+          <a:xfrm>
+            <a:off x="8604341" y="2779063"/>
+            <a:ext cx="3264672" cy="339283"/>
+          </a:xfrm>
+          <a:prstGeom prst="rect">
+            <a:avLst/>
+          </a:prstGeom>
+          <a:solidFill>
+            <a:schemeClr val="accent5"/>
+          </a:solidFill>
+        </p:spPr>
+        <p:style>
+          <a:lnRef idx="2">
+            <a:schemeClr val="accent1">
+              <a:shade val="50000"/>
+            </a:schemeClr>
+          </a:lnRef>
+          <a:fillRef idx="1">
+            <a:schemeClr val="accent1"/>
+          </a:fillRef>
+          <a:effectRef idx="0">
+            <a:schemeClr val="accent1"/>
+          </a:effectRef>
+          <a:fontRef idx="minor">
+            <a:schemeClr val="lt1"/>
+          </a:fontRef>
+        </p:style>
+        <p:txBody>
+          <a:bodyPr rtlCol="0" anchor="ctr"/>
+          <a:lstStyle/>
+          <a:p>
+            <a:pPr algn="ctr"/>
+            <a:r>
+              <a:rPr lang="en-US" sz="1600" dirty="0"/>
+              <a:t>Header</a:t>
+            </a:r>
+          </a:p>
+        </p:txBody>
+      </p:sp>
+      <p:sp>
+        <p:nvSpPr>
+          <p:cNvPr id="150" name="Rectangle 149">
+            <a:extLst>
+              <a:ext uri="{FF2B5EF4-FFF2-40B4-BE49-F238E27FC236}">
+                <a16:creationId xmlns:a16="http://schemas.microsoft.com/office/drawing/2014/main" id="{41F3D2F3-33F2-47ED-8E60-7D3DA11D617E}"/>
+              </a:ext>
+            </a:extLst>
+          </p:cNvPr>
+          <p:cNvSpPr/>
+          <p:nvPr/>
+        </p:nvSpPr>
+        <p:spPr>
+          <a:xfrm>
+            <a:off x="8604339" y="4339067"/>
+            <a:ext cx="3264672" cy="339283"/>
+          </a:xfrm>
+          <a:prstGeom prst="rect">
+            <a:avLst/>
+          </a:prstGeom>
+          <a:solidFill>
+            <a:srgbClr val="00B050"/>
+          </a:solidFill>
+        </p:spPr>
+        <p:style>
+          <a:lnRef idx="2">
+            <a:schemeClr val="accent1">
+              <a:shade val="50000"/>
+            </a:schemeClr>
+          </a:lnRef>
+          <a:fillRef idx="1">
+            <a:schemeClr val="accent1"/>
+          </a:fillRef>
+          <a:effectRef idx="0">
+            <a:schemeClr val="accent1"/>
+          </a:effectRef>
+          <a:fontRef idx="minor">
+            <a:schemeClr val="lt1"/>
+          </a:fontRef>
+        </p:style>
+        <p:txBody>
+          <a:bodyPr rtlCol="0" anchor="ctr"/>
+          <a:lstStyle/>
+          <a:p>
+            <a:pPr algn="ctr"/>
+            <a:r>
+              <a:rPr lang="en-US" sz="1600" dirty="0" err="1"/>
+              <a:t>RecordId</a:t>
+            </a:r>
+            <a:endParaRPr lang="en-US" sz="1600" dirty="0"/>
+          </a:p>
+        </p:txBody>
+      </p:sp>
+      <p:sp>
+        <p:nvSpPr>
+          <p:cNvPr id="152" name="Rectangle 151">
+            <a:extLst>
+              <a:ext uri="{FF2B5EF4-FFF2-40B4-BE49-F238E27FC236}">
+                <a16:creationId xmlns:a16="http://schemas.microsoft.com/office/drawing/2014/main" id="{237F35CD-F04D-44EE-97F5-D078C6CFB059}"/>
+              </a:ext>
+            </a:extLst>
+          </p:cNvPr>
+          <p:cNvSpPr/>
+          <p:nvPr/>
+        </p:nvSpPr>
+        <p:spPr>
+          <a:xfrm>
+            <a:off x="8604333" y="5470303"/>
+            <a:ext cx="3264672" cy="556423"/>
+          </a:xfrm>
+          <a:prstGeom prst="rect">
+            <a:avLst/>
+          </a:prstGeom>
+          <a:solidFill>
+            <a:schemeClr val="accent1"/>
+          </a:solidFill>
+        </p:spPr>
+        <p:style>
+          <a:lnRef idx="2">
+            <a:schemeClr val="accent1">
+              <a:shade val="50000"/>
+            </a:schemeClr>
+          </a:lnRef>
+          <a:fillRef idx="1">
+            <a:schemeClr val="accent1"/>
+          </a:fillRef>
+          <a:effectRef idx="0">
+            <a:schemeClr val="accent1"/>
+          </a:effectRef>
+          <a:fontRef idx="minor">
+            <a:schemeClr val="lt1"/>
+          </a:fontRef>
+        </p:style>
+        <p:txBody>
+          <a:bodyPr rtlCol="0" anchor="ctr"/>
+          <a:lstStyle/>
+          <a:p>
+            <a:r>
+              <a:rPr lang="en-US" sz="1400" dirty="0"/>
+              <a:t>Predicate 2</a:t>
+            </a:r>
+          </a:p>
+        </p:txBody>
+      </p:sp>
+      <p:sp>
+        <p:nvSpPr>
+          <p:cNvPr id="154" name="Rectangle 153">
+            <a:extLst>
+              <a:ext uri="{FF2B5EF4-FFF2-40B4-BE49-F238E27FC236}">
+                <a16:creationId xmlns:a16="http://schemas.microsoft.com/office/drawing/2014/main" id="{02F2D09C-5E9A-47A9-BB3E-A07952F4A928}"/>
+              </a:ext>
+            </a:extLst>
+          </p:cNvPr>
+          <p:cNvSpPr/>
+          <p:nvPr/>
+        </p:nvSpPr>
+        <p:spPr>
+          <a:xfrm>
+            <a:off x="9606098" y="5585917"/>
+            <a:ext cx="1274388" cy="336516"/>
+          </a:xfrm>
+          <a:prstGeom prst="rect">
+            <a:avLst/>
+          </a:prstGeom>
+          <a:solidFill>
+            <a:schemeClr val="accent1">
+              <a:lumMod val="60000"/>
+              <a:lumOff val="40000"/>
+            </a:schemeClr>
+          </a:solidFill>
+        </p:spPr>
+        <p:style>
+          <a:lnRef idx="2">
+            <a:schemeClr val="accent1">
+              <a:shade val="50000"/>
+            </a:schemeClr>
+          </a:lnRef>
+          <a:fillRef idx="1">
+            <a:schemeClr val="accent1"/>
+          </a:fillRef>
+          <a:effectRef idx="0">
+            <a:schemeClr val="accent1"/>
+          </a:effectRef>
+          <a:fontRef idx="minor">
+            <a:schemeClr val="lt1"/>
+          </a:fontRef>
+        </p:style>
+        <p:txBody>
+          <a:bodyPr rtlCol="0" anchor="ctr"/>
+          <a:lstStyle/>
+          <a:p>
+            <a:pPr algn="ctr"/>
+            <a:r>
+              <a:rPr lang="en-US" sz="1400" dirty="0" err="1"/>
+              <a:t>PrevAddress</a:t>
+            </a:r>
+            <a:endParaRPr lang="en-US" sz="1400" dirty="0"/>
+          </a:p>
+        </p:txBody>
+      </p:sp>
+      <p:sp>
+        <p:nvSpPr>
+          <p:cNvPr id="156" name="Rectangle 155">
+            <a:extLst>
+              <a:ext uri="{FF2B5EF4-FFF2-40B4-BE49-F238E27FC236}">
+                <a16:creationId xmlns:a16="http://schemas.microsoft.com/office/drawing/2014/main" id="{6376DA37-E081-45F5-B663-7F22387EDFCC}"/>
+              </a:ext>
+            </a:extLst>
+          </p:cNvPr>
+          <p:cNvSpPr/>
+          <p:nvPr/>
+        </p:nvSpPr>
+        <p:spPr>
+          <a:xfrm>
+            <a:off x="10993952" y="5578426"/>
+            <a:ext cx="769951" cy="336516"/>
+          </a:xfrm>
+          <a:prstGeom prst="rect">
+            <a:avLst/>
+          </a:prstGeom>
+          <a:solidFill>
+            <a:schemeClr val="accent1">
+              <a:lumMod val="60000"/>
+              <a:lumOff val="40000"/>
+            </a:schemeClr>
+          </a:solidFill>
+        </p:spPr>
+        <p:style>
+          <a:lnRef idx="2">
+            <a:schemeClr val="accent1">
+              <a:shade val="50000"/>
+            </a:schemeClr>
+          </a:lnRef>
+          <a:fillRef idx="1">
+            <a:schemeClr val="accent1"/>
+          </a:fillRef>
+          <a:effectRef idx="0">
+            <a:schemeClr val="accent1"/>
+          </a:effectRef>
+          <a:fontRef idx="minor">
+            <a:schemeClr val="lt1"/>
+          </a:fontRef>
+        </p:style>
+        <p:txBody>
+          <a:bodyPr rtlCol="0" anchor="ctr"/>
+          <a:lstStyle/>
+          <a:p>
+            <a:pPr algn="ctr"/>
+            <a:r>
+              <a:rPr lang="en-US" sz="1400" dirty="0"/>
+              <a:t>“cat”</a:t>
+            </a:r>
+          </a:p>
+        </p:txBody>
+      </p:sp>
+      <p:sp>
+        <p:nvSpPr>
+          <p:cNvPr id="158" name="Rectangle 157">
+            <a:extLst>
+              <a:ext uri="{FF2B5EF4-FFF2-40B4-BE49-F238E27FC236}">
+                <a16:creationId xmlns:a16="http://schemas.microsoft.com/office/drawing/2014/main" id="{76921B84-9B64-41C1-B818-38F6CF6ECC15}"/>
+              </a:ext>
+            </a:extLst>
+          </p:cNvPr>
+          <p:cNvSpPr/>
+          <p:nvPr/>
+        </p:nvSpPr>
+        <p:spPr>
+          <a:xfrm>
+            <a:off x="8604330" y="5128826"/>
+            <a:ext cx="3264672" cy="339283"/>
+          </a:xfrm>
+          <a:prstGeom prst="rect">
+            <a:avLst/>
+          </a:prstGeom>
+          <a:solidFill>
+            <a:schemeClr val="accent1"/>
+          </a:solidFill>
+        </p:spPr>
+        <p:style>
+          <a:lnRef idx="2">
+            <a:schemeClr val="accent1">
+              <a:shade val="50000"/>
+            </a:schemeClr>
+          </a:lnRef>
+          <a:fillRef idx="1">
+            <a:schemeClr val="accent1"/>
+          </a:fillRef>
+          <a:effectRef idx="0">
+            <a:schemeClr val="accent1"/>
+          </a:effectRef>
+          <a:fontRef idx="minor">
+            <a:schemeClr val="lt1"/>
+          </a:fontRef>
+        </p:style>
+        <p:txBody>
+          <a:bodyPr rtlCol="0" anchor="ctr"/>
+          <a:lstStyle/>
+          <a:p>
+            <a:r>
+              <a:rPr lang="en-US" sz="1400" dirty="0"/>
+              <a:t>Predicate 1</a:t>
+            </a:r>
+          </a:p>
+        </p:txBody>
+      </p:sp>
+      <p:sp>
+        <p:nvSpPr>
+          <p:cNvPr id="160" name="Rectangle 159">
+            <a:extLst>
+              <a:ext uri="{FF2B5EF4-FFF2-40B4-BE49-F238E27FC236}">
+                <a16:creationId xmlns:a16="http://schemas.microsoft.com/office/drawing/2014/main" id="{E814702B-4F95-4CE5-A477-26286A3C48DE}"/>
+              </a:ext>
+            </a:extLst>
+          </p:cNvPr>
+          <p:cNvSpPr/>
+          <p:nvPr/>
+        </p:nvSpPr>
+        <p:spPr>
+          <a:xfrm>
+            <a:off x="8604332" y="6024284"/>
+            <a:ext cx="3264672" cy="339283"/>
+          </a:xfrm>
+          <a:prstGeom prst="rect">
+            <a:avLst/>
+          </a:prstGeom>
+          <a:solidFill>
+            <a:schemeClr val="accent1"/>
+          </a:solidFill>
+        </p:spPr>
+        <p:style>
+          <a:lnRef idx="2">
+            <a:schemeClr val="accent1">
+              <a:shade val="50000"/>
+            </a:schemeClr>
+          </a:lnRef>
+          <a:fillRef idx="1">
+            <a:schemeClr val="accent1"/>
+          </a:fillRef>
+          <a:effectRef idx="0">
+            <a:schemeClr val="accent1"/>
+          </a:effectRef>
+          <a:fontRef idx="minor">
+            <a:schemeClr val="lt1"/>
+          </a:fontRef>
+        </p:style>
+        <p:txBody>
+          <a:bodyPr rtlCol="0" anchor="ctr"/>
+          <a:lstStyle/>
+          <a:p>
+            <a:r>
+              <a:rPr lang="en-US" sz="1400" dirty="0"/>
+              <a:t>Predicate 3</a:t>
+            </a:r>
+          </a:p>
+        </p:txBody>
+      </p:sp>
+      <p:sp>
+        <p:nvSpPr>
+          <p:cNvPr id="162" name="Rectangle 161">
+            <a:extLst>
+              <a:ext uri="{FF2B5EF4-FFF2-40B4-BE49-F238E27FC236}">
+                <a16:creationId xmlns:a16="http://schemas.microsoft.com/office/drawing/2014/main" id="{F73FA4DA-48DA-491E-B8C2-54D5B808E67D}"/>
+              </a:ext>
+            </a:extLst>
+          </p:cNvPr>
+          <p:cNvSpPr/>
+          <p:nvPr/>
+        </p:nvSpPr>
+        <p:spPr>
+          <a:xfrm>
+            <a:off x="8604339" y="4785390"/>
+            <a:ext cx="3264672" cy="339283"/>
+          </a:xfrm>
+          <a:prstGeom prst="rect">
+            <a:avLst/>
+          </a:prstGeom>
+          <a:solidFill>
+            <a:schemeClr val="accent5"/>
+          </a:solidFill>
+        </p:spPr>
+        <p:style>
+          <a:lnRef idx="2">
+            <a:schemeClr val="accent1">
+              <a:shade val="50000"/>
+            </a:schemeClr>
+          </a:lnRef>
+          <a:fillRef idx="1">
+            <a:schemeClr val="accent1"/>
+          </a:fillRef>
+          <a:effectRef idx="0">
+            <a:schemeClr val="accent1"/>
+          </a:effectRef>
+          <a:fontRef idx="minor">
+            <a:schemeClr val="lt1"/>
+          </a:fontRef>
+        </p:style>
+        <p:txBody>
+          <a:bodyPr rtlCol="0" anchor="ctr"/>
+          <a:lstStyle/>
+          <a:p>
+            <a:pPr algn="ctr"/>
+            <a:r>
+              <a:rPr lang="en-US" sz="1600" dirty="0"/>
+              <a:t>Header</a:t>
+            </a:r>
+          </a:p>
+        </p:txBody>
+      </p:sp>
+      <p:sp>
+        <p:nvSpPr>
+          <p:cNvPr id="164" name="Rectangle 163">
+            <a:extLst>
+              <a:ext uri="{FF2B5EF4-FFF2-40B4-BE49-F238E27FC236}">
+                <a16:creationId xmlns:a16="http://schemas.microsoft.com/office/drawing/2014/main" id="{DB9E780D-AB59-463B-8BCF-1027F982259D}"/>
+              </a:ext>
+            </a:extLst>
+          </p:cNvPr>
+          <p:cNvSpPr/>
+          <p:nvPr/>
+        </p:nvSpPr>
+        <p:spPr>
+          <a:xfrm>
+            <a:off x="8601374" y="6370134"/>
+            <a:ext cx="3264672" cy="339283"/>
+          </a:xfrm>
+          <a:prstGeom prst="rect">
+            <a:avLst/>
+          </a:prstGeom>
+          <a:solidFill>
+            <a:srgbClr val="00B050"/>
+          </a:solidFill>
+        </p:spPr>
+        <p:style>
+          <a:lnRef idx="2">
+            <a:schemeClr val="accent1">
+              <a:shade val="50000"/>
+            </a:schemeClr>
+          </a:lnRef>
+          <a:fillRef idx="1">
+            <a:schemeClr val="accent1"/>
+          </a:fillRef>
+          <a:effectRef idx="0">
+            <a:schemeClr val="accent1"/>
+          </a:effectRef>
+          <a:fontRef idx="minor">
+            <a:schemeClr val="lt1"/>
+          </a:fontRef>
+        </p:style>
+        <p:txBody>
+          <a:bodyPr rtlCol="0" anchor="ctr"/>
+          <a:lstStyle/>
+          <a:p>
+            <a:pPr algn="ctr"/>
+            <a:r>
+              <a:rPr lang="en-US" sz="1600" dirty="0" err="1"/>
+              <a:t>RecordId</a:t>
+            </a:r>
+            <a:endParaRPr lang="en-US" sz="1600" dirty="0"/>
+          </a:p>
+        </p:txBody>
+      </p:sp>
       <p:cxnSp>
         <p:nvCxnSpPr>
-          <p:cNvPr id="206" name="Connector: Curved 205">
-            <a:extLst>
-              <a:ext uri="{FF2B5EF4-FFF2-40B4-BE49-F238E27FC236}">
-                <a16:creationId xmlns:a16="http://schemas.microsoft.com/office/drawing/2014/main" id="{4615DDDA-6291-411D-A95B-8B06FFEE306C}"/>
+          <p:cNvPr id="166" name="Connector: Curved 165">
+            <a:extLst>
+              <a:ext uri="{FF2B5EF4-FFF2-40B4-BE49-F238E27FC236}">
+                <a16:creationId xmlns:a16="http://schemas.microsoft.com/office/drawing/2014/main" id="{C52B99C7-3A0A-4222-8BCF-D1C63478879D}"/>
               </a:ext>
             </a:extLst>
           </p:cNvPr>
           <p:cNvCxnSpPr>
             <a:cxnSpLocks/>
+            <a:stCxn id="126" idx="1"/>
+            <a:endCxn id="138" idx="1"/>
           </p:cNvCxnSpPr>
           <p:nvPr/>
         </p:nvCxnSpPr>
         <p:spPr>
           <a:xfrm rot="10800000" flipV="1">
-            <a:off x="4666307" y="3495993"/>
-            <a:ext cx="848090" cy="1366098"/>
+            <a:off x="8604342" y="1715770"/>
+            <a:ext cx="1001757" cy="1674237"/>
           </a:xfrm>
           <a:prstGeom prst="curvedConnector3">
             <a:avLst>
-              <a:gd name="adj1" fmla="val 126955"/>
+              <a:gd name="adj1" fmla="val 122820"/>
             </a:avLst>
           </a:prstGeom>
           <a:ln w="12700">
@@ -8716,1188 +9943,28 @@
           </a:fontRef>
         </p:style>
       </p:cxnSp>
-      <p:sp>
-        <p:nvSpPr>
-          <p:cNvPr id="207" name="Rectangle 206">
-            <a:extLst>
-              <a:ext uri="{FF2B5EF4-FFF2-40B4-BE49-F238E27FC236}">
-                <a16:creationId xmlns:a16="http://schemas.microsoft.com/office/drawing/2014/main" id="{B7AE6F9F-F42A-4868-A769-D2EDFE3CB243}"/>
-              </a:ext>
-            </a:extLst>
-          </p:cNvPr>
-          <p:cNvSpPr/>
-          <p:nvPr/>
-        </p:nvSpPr>
-        <p:spPr>
-          <a:xfrm>
-            <a:off x="8439157" y="1962289"/>
-            <a:ext cx="2490434" cy="273653"/>
-          </a:xfrm>
-          <a:prstGeom prst="rect">
-            <a:avLst/>
-          </a:prstGeom>
-          <a:solidFill>
-            <a:schemeClr val="accent1"/>
-          </a:solidFill>
-        </p:spPr>
-        <p:style>
-          <a:lnRef idx="2">
-            <a:schemeClr val="accent1">
-              <a:shade val="50000"/>
-            </a:schemeClr>
-          </a:lnRef>
-          <a:fillRef idx="1">
-            <a:schemeClr val="accent1"/>
-          </a:fillRef>
-          <a:effectRef idx="0">
-            <a:schemeClr val="accent1"/>
-          </a:effectRef>
-          <a:fontRef idx="minor">
-            <a:schemeClr val="lt1"/>
-          </a:fontRef>
-        </p:style>
-        <p:txBody>
-          <a:bodyPr rtlCol="0" anchor="ctr"/>
-          <a:lstStyle/>
-          <a:p>
-            <a:r>
-              <a:rPr lang="en-US" sz="1000" dirty="0"/>
-              <a:t>Predicate 2</a:t>
-            </a:r>
-          </a:p>
-        </p:txBody>
-      </p:sp>
-      <p:sp>
-        <p:nvSpPr>
-          <p:cNvPr id="208" name="Rectangle 207">
-            <a:extLst>
-              <a:ext uri="{FF2B5EF4-FFF2-40B4-BE49-F238E27FC236}">
-                <a16:creationId xmlns:a16="http://schemas.microsoft.com/office/drawing/2014/main" id="{406E8DFC-63AF-4F2B-B0F7-A766EB9AB4B7}"/>
-              </a:ext>
-            </a:extLst>
-          </p:cNvPr>
-          <p:cNvSpPr/>
-          <p:nvPr/>
-        </p:nvSpPr>
-        <p:spPr>
-          <a:xfrm>
-            <a:off x="9287242" y="2026435"/>
-            <a:ext cx="834739" cy="165501"/>
-          </a:xfrm>
-          <a:prstGeom prst="rect">
-            <a:avLst/>
-          </a:prstGeom>
-          <a:solidFill>
-            <a:schemeClr val="accent1">
-              <a:lumMod val="60000"/>
-              <a:lumOff val="40000"/>
-            </a:schemeClr>
-          </a:solidFill>
-        </p:spPr>
-        <p:style>
-          <a:lnRef idx="2">
-            <a:schemeClr val="accent1">
-              <a:shade val="50000"/>
-            </a:schemeClr>
-          </a:lnRef>
-          <a:fillRef idx="1">
-            <a:schemeClr val="accent1"/>
-          </a:fillRef>
-          <a:effectRef idx="0">
-            <a:schemeClr val="accent1"/>
-          </a:effectRef>
-          <a:fontRef idx="minor">
-            <a:schemeClr val="lt1"/>
-          </a:fontRef>
-        </p:style>
-        <p:txBody>
-          <a:bodyPr rtlCol="0" anchor="ctr"/>
-          <a:lstStyle/>
-          <a:p>
-            <a:pPr algn="ctr"/>
-            <a:r>
-              <a:rPr lang="en-US" sz="1000" dirty="0" err="1"/>
-              <a:t>PrevAddress</a:t>
-            </a:r>
-            <a:endParaRPr lang="en-US" sz="1000" dirty="0"/>
-          </a:p>
-        </p:txBody>
-      </p:sp>
-      <p:sp>
-        <p:nvSpPr>
-          <p:cNvPr id="209" name="Rectangle 208">
-            <a:extLst>
-              <a:ext uri="{FF2B5EF4-FFF2-40B4-BE49-F238E27FC236}">
-                <a16:creationId xmlns:a16="http://schemas.microsoft.com/office/drawing/2014/main" id="{66997635-3049-4D99-A82F-DF7A7AC34D69}"/>
-              </a:ext>
-            </a:extLst>
-          </p:cNvPr>
-          <p:cNvSpPr/>
-          <p:nvPr/>
-        </p:nvSpPr>
-        <p:spPr>
-          <a:xfrm>
-            <a:off x="10228773" y="2029772"/>
-            <a:ext cx="587351" cy="165501"/>
-          </a:xfrm>
-          <a:prstGeom prst="rect">
-            <a:avLst/>
-          </a:prstGeom>
-          <a:solidFill>
-            <a:schemeClr val="accent1">
-              <a:lumMod val="60000"/>
-              <a:lumOff val="40000"/>
-            </a:schemeClr>
-          </a:solidFill>
-        </p:spPr>
-        <p:style>
-          <a:lnRef idx="2">
-            <a:schemeClr val="accent1">
-              <a:shade val="50000"/>
-            </a:schemeClr>
-          </a:lnRef>
-          <a:fillRef idx="1">
-            <a:schemeClr val="accent1"/>
-          </a:fillRef>
-          <a:effectRef idx="0">
-            <a:schemeClr val="accent1"/>
-          </a:effectRef>
-          <a:fontRef idx="minor">
-            <a:schemeClr val="lt1"/>
-          </a:fontRef>
-        </p:style>
-        <p:txBody>
-          <a:bodyPr rtlCol="0" anchor="ctr"/>
-          <a:lstStyle/>
-          <a:p>
-            <a:pPr algn="ctr"/>
-            <a:r>
-              <a:rPr lang="en-US" sz="1000" dirty="0"/>
-              <a:t>“cat”</a:t>
-            </a:r>
-          </a:p>
-        </p:txBody>
-      </p:sp>
-      <p:sp>
-        <p:nvSpPr>
-          <p:cNvPr id="210" name="Rectangle 209">
-            <a:extLst>
-              <a:ext uri="{FF2B5EF4-FFF2-40B4-BE49-F238E27FC236}">
-                <a16:creationId xmlns:a16="http://schemas.microsoft.com/office/drawing/2014/main" id="{5AF35798-0F37-4219-83AF-622E2882906F}"/>
-              </a:ext>
-            </a:extLst>
-          </p:cNvPr>
-          <p:cNvSpPr/>
-          <p:nvPr/>
-        </p:nvSpPr>
-        <p:spPr>
-          <a:xfrm>
-            <a:off x="8439156" y="1788753"/>
-            <a:ext cx="2490435" cy="166862"/>
-          </a:xfrm>
-          <a:prstGeom prst="rect">
-            <a:avLst/>
-          </a:prstGeom>
-          <a:solidFill>
-            <a:schemeClr val="accent1"/>
-          </a:solidFill>
-        </p:spPr>
-        <p:style>
-          <a:lnRef idx="2">
-            <a:schemeClr val="accent1">
-              <a:shade val="50000"/>
-            </a:schemeClr>
-          </a:lnRef>
-          <a:fillRef idx="1">
-            <a:schemeClr val="accent1"/>
-          </a:fillRef>
-          <a:effectRef idx="0">
-            <a:schemeClr val="accent1"/>
-          </a:effectRef>
-          <a:fontRef idx="minor">
-            <a:schemeClr val="lt1"/>
-          </a:fontRef>
-        </p:style>
-        <p:txBody>
-          <a:bodyPr rtlCol="0" anchor="ctr"/>
-          <a:lstStyle/>
-          <a:p>
-            <a:r>
-              <a:rPr lang="en-US" sz="1000" dirty="0"/>
-              <a:t>Predicate 1</a:t>
-            </a:r>
-          </a:p>
-        </p:txBody>
-      </p:sp>
-      <p:sp>
-        <p:nvSpPr>
-          <p:cNvPr id="211" name="Rectangle 210">
-            <a:extLst>
-              <a:ext uri="{FF2B5EF4-FFF2-40B4-BE49-F238E27FC236}">
-                <a16:creationId xmlns:a16="http://schemas.microsoft.com/office/drawing/2014/main" id="{B88D9DB0-B9C1-4A42-9BD3-4201D0684012}"/>
-              </a:ext>
-            </a:extLst>
-          </p:cNvPr>
-          <p:cNvSpPr/>
-          <p:nvPr/>
-        </p:nvSpPr>
-        <p:spPr>
-          <a:xfrm>
-            <a:off x="8439150" y="2234581"/>
-            <a:ext cx="2490434" cy="166862"/>
-          </a:xfrm>
-          <a:prstGeom prst="rect">
-            <a:avLst/>
-          </a:prstGeom>
-          <a:solidFill>
-            <a:schemeClr val="accent1"/>
-          </a:solidFill>
-        </p:spPr>
-        <p:style>
-          <a:lnRef idx="2">
-            <a:schemeClr val="accent1">
-              <a:shade val="50000"/>
-            </a:schemeClr>
-          </a:lnRef>
-          <a:fillRef idx="1">
-            <a:schemeClr val="accent1"/>
-          </a:fillRef>
-          <a:effectRef idx="0">
-            <a:schemeClr val="accent1"/>
-          </a:effectRef>
-          <a:fontRef idx="minor">
-            <a:schemeClr val="lt1"/>
-          </a:fontRef>
-        </p:style>
-        <p:txBody>
-          <a:bodyPr rtlCol="0" anchor="ctr"/>
-          <a:lstStyle/>
-          <a:p>
-            <a:r>
-              <a:rPr lang="en-US" sz="1000" dirty="0"/>
-              <a:t>Predicate 3</a:t>
-            </a:r>
-          </a:p>
-        </p:txBody>
-      </p:sp>
-      <p:sp>
-        <p:nvSpPr>
-          <p:cNvPr id="212" name="Rectangle 211">
-            <a:extLst>
-              <a:ext uri="{FF2B5EF4-FFF2-40B4-BE49-F238E27FC236}">
-                <a16:creationId xmlns:a16="http://schemas.microsoft.com/office/drawing/2014/main" id="{EBD3DBBF-259F-431E-ADA3-A793243B40DC}"/>
-              </a:ext>
-            </a:extLst>
-          </p:cNvPr>
-          <p:cNvSpPr/>
-          <p:nvPr/>
-        </p:nvSpPr>
-        <p:spPr>
-          <a:xfrm>
-            <a:off x="8439155" y="1615217"/>
-            <a:ext cx="2490436" cy="166862"/>
-          </a:xfrm>
-          <a:prstGeom prst="rect">
-            <a:avLst/>
-          </a:prstGeom>
-          <a:solidFill>
-            <a:schemeClr val="accent5"/>
-          </a:solidFill>
-        </p:spPr>
-        <p:style>
-          <a:lnRef idx="2">
-            <a:schemeClr val="accent1">
-              <a:shade val="50000"/>
-            </a:schemeClr>
-          </a:lnRef>
-          <a:fillRef idx="1">
-            <a:schemeClr val="accent1"/>
-          </a:fillRef>
-          <a:effectRef idx="0">
-            <a:schemeClr val="accent1"/>
-          </a:effectRef>
-          <a:fontRef idx="minor">
-            <a:schemeClr val="lt1"/>
-          </a:fontRef>
-        </p:style>
-        <p:txBody>
-          <a:bodyPr rtlCol="0" anchor="ctr"/>
-          <a:lstStyle/>
-          <a:p>
-            <a:r>
-              <a:rPr lang="en-US" sz="1000" dirty="0"/>
-              <a:t>Header</a:t>
-            </a:r>
-          </a:p>
-        </p:txBody>
-      </p:sp>
-      <p:sp>
-        <p:nvSpPr>
-          <p:cNvPr id="213" name="Rectangle 212">
-            <a:extLst>
-              <a:ext uri="{FF2B5EF4-FFF2-40B4-BE49-F238E27FC236}">
-                <a16:creationId xmlns:a16="http://schemas.microsoft.com/office/drawing/2014/main" id="{F413E659-1B97-46C4-BBB4-E66DDE000189}"/>
-              </a:ext>
-            </a:extLst>
-          </p:cNvPr>
-          <p:cNvSpPr/>
-          <p:nvPr/>
-        </p:nvSpPr>
-        <p:spPr>
-          <a:xfrm>
-            <a:off x="8439153" y="2409478"/>
-            <a:ext cx="2490431" cy="166862"/>
-          </a:xfrm>
-          <a:prstGeom prst="rect">
-            <a:avLst/>
-          </a:prstGeom>
-          <a:solidFill>
-            <a:srgbClr val="00B050"/>
-          </a:solidFill>
-        </p:spPr>
-        <p:style>
-          <a:lnRef idx="2">
-            <a:schemeClr val="accent1">
-              <a:shade val="50000"/>
-            </a:schemeClr>
-          </a:lnRef>
-          <a:fillRef idx="1">
-            <a:schemeClr val="accent1"/>
-          </a:fillRef>
-          <a:effectRef idx="0">
-            <a:schemeClr val="accent1"/>
-          </a:effectRef>
-          <a:fontRef idx="minor">
-            <a:schemeClr val="lt1"/>
-          </a:fontRef>
-        </p:style>
-        <p:txBody>
-          <a:bodyPr rtlCol="0" anchor="ctr"/>
-          <a:lstStyle/>
-          <a:p>
-            <a:r>
-              <a:rPr lang="en-US" sz="1000" dirty="0" err="1"/>
-              <a:t>RecordId</a:t>
-            </a:r>
-            <a:endParaRPr lang="en-US" sz="1000" dirty="0"/>
-          </a:p>
-        </p:txBody>
-      </p:sp>
-      <p:sp>
-        <p:nvSpPr>
-          <p:cNvPr id="214" name="Rectangle 213">
-            <a:extLst>
-              <a:ext uri="{FF2B5EF4-FFF2-40B4-BE49-F238E27FC236}">
-                <a16:creationId xmlns:a16="http://schemas.microsoft.com/office/drawing/2014/main" id="{D5F4CD1E-9797-4195-8353-83356BB7F9B0}"/>
-              </a:ext>
-            </a:extLst>
-          </p:cNvPr>
-          <p:cNvSpPr/>
-          <p:nvPr/>
-        </p:nvSpPr>
-        <p:spPr>
-          <a:xfrm>
-            <a:off x="8439153" y="1221425"/>
-            <a:ext cx="2557179" cy="213582"/>
-          </a:xfrm>
-          <a:prstGeom prst="rect">
-            <a:avLst/>
-          </a:prstGeom>
-          <a:noFill/>
-          <a:ln>
-            <a:noFill/>
-          </a:ln>
-        </p:spPr>
-        <p:style>
-          <a:lnRef idx="2">
-            <a:schemeClr val="accent1">
-              <a:shade val="50000"/>
-            </a:schemeClr>
-          </a:lnRef>
-          <a:fillRef idx="1">
-            <a:schemeClr val="accent1"/>
-          </a:fillRef>
-          <a:effectRef idx="0">
-            <a:schemeClr val="accent1"/>
-          </a:effectRef>
-          <a:fontRef idx="minor">
-            <a:schemeClr val="lt1"/>
-          </a:fontRef>
-        </p:style>
-        <p:txBody>
-          <a:bodyPr rtlCol="0" anchor="ctr"/>
-          <a:lstStyle/>
-          <a:p>
-            <a:pPr algn="ctr"/>
-            <a:r>
-              <a:rPr lang="en-US" sz="1400" dirty="0">
-                <a:solidFill>
-                  <a:schemeClr val="tx1"/>
-                </a:solidFill>
-              </a:rPr>
-              <a:t>Collision across Predicates</a:t>
-            </a:r>
-          </a:p>
-        </p:txBody>
-      </p:sp>
-      <p:sp>
-        <p:nvSpPr>
-          <p:cNvPr id="215" name="Rectangle 214">
-            <a:extLst>
-              <a:ext uri="{FF2B5EF4-FFF2-40B4-BE49-F238E27FC236}">
-                <a16:creationId xmlns:a16="http://schemas.microsoft.com/office/drawing/2014/main" id="{529AEA2C-5871-4C9C-9F37-675AE7018886}"/>
-              </a:ext>
-            </a:extLst>
-          </p:cNvPr>
-          <p:cNvSpPr/>
-          <p:nvPr/>
-        </p:nvSpPr>
-        <p:spPr>
-          <a:xfrm>
-            <a:off x="8439148" y="3158247"/>
-            <a:ext cx="2490429" cy="273653"/>
-          </a:xfrm>
-          <a:prstGeom prst="rect">
-            <a:avLst/>
-          </a:prstGeom>
-          <a:solidFill>
-            <a:schemeClr val="accent1"/>
-          </a:solidFill>
-        </p:spPr>
-        <p:style>
-          <a:lnRef idx="2">
-            <a:schemeClr val="accent1">
-              <a:shade val="50000"/>
-            </a:schemeClr>
-          </a:lnRef>
-          <a:fillRef idx="1">
-            <a:schemeClr val="accent1"/>
-          </a:fillRef>
-          <a:effectRef idx="0">
-            <a:schemeClr val="accent1"/>
-          </a:effectRef>
-          <a:fontRef idx="minor">
-            <a:schemeClr val="lt1"/>
-          </a:fontRef>
-        </p:style>
-        <p:txBody>
-          <a:bodyPr rtlCol="0" anchor="ctr"/>
-          <a:lstStyle/>
-          <a:p>
-            <a:r>
-              <a:rPr lang="en-US" sz="1000" dirty="0"/>
-              <a:t>Predicate 1</a:t>
-            </a:r>
-          </a:p>
-        </p:txBody>
-      </p:sp>
-      <p:sp>
-        <p:nvSpPr>
-          <p:cNvPr id="216" name="Rectangle 215">
-            <a:extLst>
-              <a:ext uri="{FF2B5EF4-FFF2-40B4-BE49-F238E27FC236}">
-                <a16:creationId xmlns:a16="http://schemas.microsoft.com/office/drawing/2014/main" id="{350D7E8A-DB47-4018-916A-F2C0E9E891F5}"/>
-              </a:ext>
-            </a:extLst>
-          </p:cNvPr>
-          <p:cNvSpPr/>
-          <p:nvPr/>
-        </p:nvSpPr>
-        <p:spPr>
-          <a:xfrm>
-            <a:off x="9266992" y="3223695"/>
-            <a:ext cx="834740" cy="165501"/>
-          </a:xfrm>
-          <a:prstGeom prst="rect">
-            <a:avLst/>
-          </a:prstGeom>
-          <a:solidFill>
-            <a:schemeClr val="accent1">
-              <a:lumMod val="60000"/>
-              <a:lumOff val="40000"/>
-            </a:schemeClr>
-          </a:solidFill>
-        </p:spPr>
-        <p:style>
-          <a:lnRef idx="2">
-            <a:schemeClr val="accent1">
-              <a:shade val="50000"/>
-            </a:schemeClr>
-          </a:lnRef>
-          <a:fillRef idx="1">
-            <a:schemeClr val="accent1"/>
-          </a:fillRef>
-          <a:effectRef idx="0">
-            <a:schemeClr val="accent1"/>
-          </a:effectRef>
-          <a:fontRef idx="minor">
-            <a:schemeClr val="lt1"/>
-          </a:fontRef>
-        </p:style>
-        <p:txBody>
-          <a:bodyPr rtlCol="0" anchor="ctr"/>
-          <a:lstStyle/>
-          <a:p>
-            <a:pPr algn="ctr"/>
-            <a:r>
-              <a:rPr lang="en-US" sz="1000" dirty="0" err="1"/>
-              <a:t>PrevAddress</a:t>
-            </a:r>
-            <a:endParaRPr lang="en-US" sz="1000" dirty="0"/>
-          </a:p>
-        </p:txBody>
-      </p:sp>
-      <p:sp>
-        <p:nvSpPr>
-          <p:cNvPr id="217" name="Rectangle 216">
-            <a:extLst>
-              <a:ext uri="{FF2B5EF4-FFF2-40B4-BE49-F238E27FC236}">
-                <a16:creationId xmlns:a16="http://schemas.microsoft.com/office/drawing/2014/main" id="{2072FE32-2CF0-44A6-BB35-3D5982A8AEF1}"/>
-              </a:ext>
-            </a:extLst>
-          </p:cNvPr>
-          <p:cNvSpPr/>
-          <p:nvPr/>
-        </p:nvSpPr>
-        <p:spPr>
-          <a:xfrm>
-            <a:off x="10221979" y="3219677"/>
-            <a:ext cx="587350" cy="165501"/>
-          </a:xfrm>
-          <a:prstGeom prst="rect">
-            <a:avLst/>
-          </a:prstGeom>
-          <a:solidFill>
-            <a:schemeClr val="accent1">
-              <a:lumMod val="60000"/>
-              <a:lumOff val="40000"/>
-            </a:schemeClr>
-          </a:solidFill>
-        </p:spPr>
-        <p:style>
-          <a:lnRef idx="2">
-            <a:schemeClr val="accent1">
-              <a:shade val="50000"/>
-            </a:schemeClr>
-          </a:lnRef>
-          <a:fillRef idx="1">
-            <a:schemeClr val="accent1"/>
-          </a:fillRef>
-          <a:effectRef idx="0">
-            <a:schemeClr val="accent1"/>
-          </a:effectRef>
-          <a:fontRef idx="minor">
-            <a:schemeClr val="lt1"/>
-          </a:fontRef>
-        </p:style>
-        <p:txBody>
-          <a:bodyPr rtlCol="0" anchor="ctr"/>
-          <a:lstStyle/>
-          <a:p>
-            <a:pPr algn="ctr"/>
-            <a:r>
-              <a:rPr lang="en-US" sz="1000" dirty="0"/>
-              <a:t>“boat”</a:t>
-            </a:r>
-          </a:p>
-        </p:txBody>
-      </p:sp>
-      <p:sp>
-        <p:nvSpPr>
-          <p:cNvPr id="218" name="Rectangle 217">
-            <a:extLst>
-              <a:ext uri="{FF2B5EF4-FFF2-40B4-BE49-F238E27FC236}">
-                <a16:creationId xmlns:a16="http://schemas.microsoft.com/office/drawing/2014/main" id="{2BDD6508-6D3E-4A37-A2CF-8D0835693BBC}"/>
-              </a:ext>
-            </a:extLst>
-          </p:cNvPr>
-          <p:cNvSpPr/>
-          <p:nvPr/>
-        </p:nvSpPr>
-        <p:spPr>
-          <a:xfrm>
-            <a:off x="8439144" y="3439261"/>
-            <a:ext cx="2490429" cy="166862"/>
-          </a:xfrm>
-          <a:prstGeom prst="rect">
-            <a:avLst/>
-          </a:prstGeom>
-          <a:solidFill>
-            <a:schemeClr val="accent1"/>
-          </a:solidFill>
-        </p:spPr>
-        <p:style>
-          <a:lnRef idx="2">
-            <a:schemeClr val="accent1">
-              <a:shade val="50000"/>
-            </a:schemeClr>
-          </a:lnRef>
-          <a:fillRef idx="1">
-            <a:schemeClr val="accent1"/>
-          </a:fillRef>
-          <a:effectRef idx="0">
-            <a:schemeClr val="accent1"/>
-          </a:effectRef>
-          <a:fontRef idx="minor">
-            <a:schemeClr val="lt1"/>
-          </a:fontRef>
-        </p:style>
-        <p:txBody>
-          <a:bodyPr rtlCol="0" anchor="ctr"/>
-          <a:lstStyle/>
-          <a:p>
-            <a:r>
-              <a:rPr lang="en-US" sz="1000" dirty="0"/>
-              <a:t>Predicate 2</a:t>
-            </a:r>
-          </a:p>
-        </p:txBody>
-      </p:sp>
-      <p:sp>
-        <p:nvSpPr>
-          <p:cNvPr id="219" name="Rectangle 218">
-            <a:extLst>
-              <a:ext uri="{FF2B5EF4-FFF2-40B4-BE49-F238E27FC236}">
-                <a16:creationId xmlns:a16="http://schemas.microsoft.com/office/drawing/2014/main" id="{F4A0AE70-0B8A-4290-B36D-244B491B9E58}"/>
-              </a:ext>
-            </a:extLst>
-          </p:cNvPr>
-          <p:cNvSpPr/>
-          <p:nvPr/>
-        </p:nvSpPr>
-        <p:spPr>
-          <a:xfrm>
-            <a:off x="8439151" y="3612110"/>
-            <a:ext cx="2490429" cy="166862"/>
-          </a:xfrm>
-          <a:prstGeom prst="rect">
-            <a:avLst/>
-          </a:prstGeom>
-          <a:solidFill>
-            <a:schemeClr val="accent1"/>
-          </a:solidFill>
-        </p:spPr>
-        <p:style>
-          <a:lnRef idx="2">
-            <a:schemeClr val="accent1">
-              <a:shade val="50000"/>
-            </a:schemeClr>
-          </a:lnRef>
-          <a:fillRef idx="1">
-            <a:schemeClr val="accent1"/>
-          </a:fillRef>
-          <a:effectRef idx="0">
-            <a:schemeClr val="accent1"/>
-          </a:effectRef>
-          <a:fontRef idx="minor">
-            <a:schemeClr val="lt1"/>
-          </a:fontRef>
-        </p:style>
-        <p:txBody>
-          <a:bodyPr rtlCol="0" anchor="ctr"/>
-          <a:lstStyle/>
-          <a:p>
-            <a:r>
-              <a:rPr lang="en-US" sz="1000" dirty="0"/>
-              <a:t>Predicate 3</a:t>
-            </a:r>
-          </a:p>
-        </p:txBody>
-      </p:sp>
-      <p:sp>
-        <p:nvSpPr>
-          <p:cNvPr id="220" name="Rectangle 219">
-            <a:extLst>
-              <a:ext uri="{FF2B5EF4-FFF2-40B4-BE49-F238E27FC236}">
-                <a16:creationId xmlns:a16="http://schemas.microsoft.com/office/drawing/2014/main" id="{3713FAA1-A687-400A-BFF2-0D631293FE52}"/>
-              </a:ext>
-            </a:extLst>
-          </p:cNvPr>
-          <p:cNvSpPr/>
-          <p:nvPr/>
-        </p:nvSpPr>
-        <p:spPr>
-          <a:xfrm>
-            <a:off x="8439150" y="2991385"/>
-            <a:ext cx="2490429" cy="166862"/>
-          </a:xfrm>
-          <a:prstGeom prst="rect">
-            <a:avLst/>
-          </a:prstGeom>
-          <a:solidFill>
-            <a:schemeClr val="accent5"/>
-          </a:solidFill>
-        </p:spPr>
-        <p:style>
-          <a:lnRef idx="2">
-            <a:schemeClr val="accent1">
-              <a:shade val="50000"/>
-            </a:schemeClr>
-          </a:lnRef>
-          <a:fillRef idx="1">
-            <a:schemeClr val="accent1"/>
-          </a:fillRef>
-          <a:effectRef idx="0">
-            <a:schemeClr val="accent1"/>
-          </a:effectRef>
-          <a:fontRef idx="minor">
-            <a:schemeClr val="lt1"/>
-          </a:fontRef>
-        </p:style>
-        <p:txBody>
-          <a:bodyPr rtlCol="0" anchor="ctr"/>
-          <a:lstStyle/>
-          <a:p>
-            <a:r>
-              <a:rPr lang="en-US" sz="1000" dirty="0"/>
-              <a:t>Header</a:t>
-            </a:r>
-          </a:p>
-        </p:txBody>
-      </p:sp>
-      <p:sp>
-        <p:nvSpPr>
-          <p:cNvPr id="221" name="Rectangle 220">
-            <a:extLst>
-              <a:ext uri="{FF2B5EF4-FFF2-40B4-BE49-F238E27FC236}">
-                <a16:creationId xmlns:a16="http://schemas.microsoft.com/office/drawing/2014/main" id="{749315C8-4947-496D-B0E3-8EFC39A1C498}"/>
-              </a:ext>
-            </a:extLst>
-          </p:cNvPr>
-          <p:cNvSpPr/>
-          <p:nvPr/>
-        </p:nvSpPr>
-        <p:spPr>
-          <a:xfrm>
-            <a:off x="8439149" y="3785646"/>
-            <a:ext cx="2490429" cy="166862"/>
-          </a:xfrm>
-          <a:prstGeom prst="rect">
-            <a:avLst/>
-          </a:prstGeom>
-          <a:solidFill>
-            <a:srgbClr val="00B050"/>
-          </a:solidFill>
-        </p:spPr>
-        <p:style>
-          <a:lnRef idx="2">
-            <a:schemeClr val="accent1">
-              <a:shade val="50000"/>
-            </a:schemeClr>
-          </a:lnRef>
-          <a:fillRef idx="1">
-            <a:schemeClr val="accent1"/>
-          </a:fillRef>
-          <a:effectRef idx="0">
-            <a:schemeClr val="accent1"/>
-          </a:effectRef>
-          <a:fontRef idx="minor">
-            <a:schemeClr val="lt1"/>
-          </a:fontRef>
-        </p:style>
-        <p:txBody>
-          <a:bodyPr rtlCol="0" anchor="ctr"/>
-          <a:lstStyle/>
-          <a:p>
-            <a:r>
-              <a:rPr lang="en-US" sz="1000" dirty="0" err="1"/>
-              <a:t>RecordId</a:t>
-            </a:r>
-            <a:endParaRPr lang="en-US" sz="1000" dirty="0"/>
-          </a:p>
-        </p:txBody>
-      </p:sp>
-      <p:sp>
-        <p:nvSpPr>
-          <p:cNvPr id="222" name="Rectangle 221">
-            <a:extLst>
-              <a:ext uri="{FF2B5EF4-FFF2-40B4-BE49-F238E27FC236}">
-                <a16:creationId xmlns:a16="http://schemas.microsoft.com/office/drawing/2014/main" id="{1CFC8739-812F-43D0-9D87-1AD30E1CC63A}"/>
-              </a:ext>
-            </a:extLst>
-          </p:cNvPr>
-          <p:cNvSpPr/>
-          <p:nvPr/>
-        </p:nvSpPr>
-        <p:spPr>
-          <a:xfrm>
-            <a:off x="8439152" y="4719951"/>
-            <a:ext cx="2490429" cy="273653"/>
-          </a:xfrm>
-          <a:prstGeom prst="rect">
-            <a:avLst/>
-          </a:prstGeom>
-          <a:solidFill>
-            <a:schemeClr val="accent1"/>
-          </a:solidFill>
-        </p:spPr>
-        <p:style>
-          <a:lnRef idx="2">
-            <a:schemeClr val="accent1">
-              <a:shade val="50000"/>
-            </a:schemeClr>
-          </a:lnRef>
-          <a:fillRef idx="1">
-            <a:schemeClr val="accent1"/>
-          </a:fillRef>
-          <a:effectRef idx="0">
-            <a:schemeClr val="accent1"/>
-          </a:effectRef>
-          <a:fontRef idx="minor">
-            <a:schemeClr val="lt1"/>
-          </a:fontRef>
-        </p:style>
-        <p:txBody>
-          <a:bodyPr rtlCol="0" anchor="ctr"/>
-          <a:lstStyle/>
-          <a:p>
-            <a:r>
-              <a:rPr lang="en-US" sz="1000" dirty="0"/>
-              <a:t>Predicate 2</a:t>
-            </a:r>
-          </a:p>
-        </p:txBody>
-      </p:sp>
-      <p:sp>
-        <p:nvSpPr>
-          <p:cNvPr id="223" name="Rectangle 222">
-            <a:extLst>
-              <a:ext uri="{FF2B5EF4-FFF2-40B4-BE49-F238E27FC236}">
-                <a16:creationId xmlns:a16="http://schemas.microsoft.com/office/drawing/2014/main" id="{BAF7A2DD-5AA6-42FA-B73C-20936E6448F5}"/>
-              </a:ext>
-            </a:extLst>
-          </p:cNvPr>
-          <p:cNvSpPr/>
-          <p:nvPr/>
-        </p:nvSpPr>
-        <p:spPr>
-          <a:xfrm>
-            <a:off x="9287238" y="4784097"/>
-            <a:ext cx="834743" cy="165501"/>
-          </a:xfrm>
-          <a:prstGeom prst="rect">
-            <a:avLst/>
-          </a:prstGeom>
-          <a:solidFill>
-            <a:schemeClr val="accent1">
-              <a:lumMod val="60000"/>
-              <a:lumOff val="40000"/>
-            </a:schemeClr>
-          </a:solidFill>
-        </p:spPr>
-        <p:style>
-          <a:lnRef idx="2">
-            <a:schemeClr val="accent1">
-              <a:shade val="50000"/>
-            </a:schemeClr>
-          </a:lnRef>
-          <a:fillRef idx="1">
-            <a:schemeClr val="accent1"/>
-          </a:fillRef>
-          <a:effectRef idx="0">
-            <a:schemeClr val="accent1"/>
-          </a:effectRef>
-          <a:fontRef idx="minor">
-            <a:schemeClr val="lt1"/>
-          </a:fontRef>
-        </p:style>
-        <p:txBody>
-          <a:bodyPr rtlCol="0" anchor="ctr"/>
-          <a:lstStyle/>
-          <a:p>
-            <a:pPr algn="ctr"/>
-            <a:r>
-              <a:rPr lang="en-US" sz="1000" dirty="0" err="1"/>
-              <a:t>PrevAddress</a:t>
-            </a:r>
-            <a:endParaRPr lang="en-US" sz="1000" dirty="0"/>
-          </a:p>
-        </p:txBody>
-      </p:sp>
-      <p:sp>
-        <p:nvSpPr>
-          <p:cNvPr id="224" name="Rectangle 223">
-            <a:extLst>
-              <a:ext uri="{FF2B5EF4-FFF2-40B4-BE49-F238E27FC236}">
-                <a16:creationId xmlns:a16="http://schemas.microsoft.com/office/drawing/2014/main" id="{3C4157D0-ABC3-4D05-A348-8D0B07CD600D}"/>
-              </a:ext>
-            </a:extLst>
-          </p:cNvPr>
-          <p:cNvSpPr/>
-          <p:nvPr/>
-        </p:nvSpPr>
-        <p:spPr>
-          <a:xfrm>
-            <a:off x="10228773" y="4787434"/>
-            <a:ext cx="587351" cy="165501"/>
-          </a:xfrm>
-          <a:prstGeom prst="rect">
-            <a:avLst/>
-          </a:prstGeom>
-          <a:solidFill>
-            <a:schemeClr val="accent1">
-              <a:lumMod val="60000"/>
-              <a:lumOff val="40000"/>
-            </a:schemeClr>
-          </a:solidFill>
-        </p:spPr>
-        <p:style>
-          <a:lnRef idx="2">
-            <a:schemeClr val="accent1">
-              <a:shade val="50000"/>
-            </a:schemeClr>
-          </a:lnRef>
-          <a:fillRef idx="1">
-            <a:schemeClr val="accent1"/>
-          </a:fillRef>
-          <a:effectRef idx="0">
-            <a:schemeClr val="accent1"/>
-          </a:effectRef>
-          <a:fontRef idx="minor">
-            <a:schemeClr val="lt1"/>
-          </a:fontRef>
-        </p:style>
-        <p:txBody>
-          <a:bodyPr rtlCol="0" anchor="ctr"/>
-          <a:lstStyle/>
-          <a:p>
-            <a:pPr algn="ctr"/>
-            <a:r>
-              <a:rPr lang="en-US" sz="1000" dirty="0"/>
-              <a:t>“cat”</a:t>
-            </a:r>
-          </a:p>
-        </p:txBody>
-      </p:sp>
-      <p:sp>
-        <p:nvSpPr>
-          <p:cNvPr id="225" name="Rectangle 224">
-            <a:extLst>
-              <a:ext uri="{FF2B5EF4-FFF2-40B4-BE49-F238E27FC236}">
-                <a16:creationId xmlns:a16="http://schemas.microsoft.com/office/drawing/2014/main" id="{570FDCFA-73D0-4F55-8144-2A3DB9A40504}"/>
-              </a:ext>
-            </a:extLst>
-          </p:cNvPr>
-          <p:cNvSpPr/>
-          <p:nvPr/>
-        </p:nvSpPr>
-        <p:spPr>
-          <a:xfrm>
-            <a:off x="8439152" y="4546415"/>
-            <a:ext cx="2490429" cy="166862"/>
-          </a:xfrm>
-          <a:prstGeom prst="rect">
-            <a:avLst/>
-          </a:prstGeom>
-          <a:solidFill>
-            <a:schemeClr val="accent1"/>
-          </a:solidFill>
-        </p:spPr>
-        <p:style>
-          <a:lnRef idx="2">
-            <a:schemeClr val="accent1">
-              <a:shade val="50000"/>
-            </a:schemeClr>
-          </a:lnRef>
-          <a:fillRef idx="1">
-            <a:schemeClr val="accent1"/>
-          </a:fillRef>
-          <a:effectRef idx="0">
-            <a:schemeClr val="accent1"/>
-          </a:effectRef>
-          <a:fontRef idx="minor">
-            <a:schemeClr val="lt1"/>
-          </a:fontRef>
-        </p:style>
-        <p:txBody>
-          <a:bodyPr rtlCol="0" anchor="ctr"/>
-          <a:lstStyle/>
-          <a:p>
-            <a:r>
-              <a:rPr lang="en-US" sz="1000" dirty="0"/>
-              <a:t>Predicate 1</a:t>
-            </a:r>
-          </a:p>
-        </p:txBody>
-      </p:sp>
-      <p:sp>
-        <p:nvSpPr>
-          <p:cNvPr id="226" name="Rectangle 225">
-            <a:extLst>
-              <a:ext uri="{FF2B5EF4-FFF2-40B4-BE49-F238E27FC236}">
-                <a16:creationId xmlns:a16="http://schemas.microsoft.com/office/drawing/2014/main" id="{1BA97063-F370-41EC-893D-37F09A8D0631}"/>
-              </a:ext>
-            </a:extLst>
-          </p:cNvPr>
-          <p:cNvSpPr/>
-          <p:nvPr/>
-        </p:nvSpPr>
-        <p:spPr>
-          <a:xfrm>
-            <a:off x="8439151" y="4993604"/>
-            <a:ext cx="2490429" cy="166862"/>
-          </a:xfrm>
-          <a:prstGeom prst="rect">
-            <a:avLst/>
-          </a:prstGeom>
-          <a:solidFill>
-            <a:schemeClr val="accent1"/>
-          </a:solidFill>
-        </p:spPr>
-        <p:style>
-          <a:lnRef idx="2">
-            <a:schemeClr val="accent1">
-              <a:shade val="50000"/>
-            </a:schemeClr>
-          </a:lnRef>
-          <a:fillRef idx="1">
-            <a:schemeClr val="accent1"/>
-          </a:fillRef>
-          <a:effectRef idx="0">
-            <a:schemeClr val="accent1"/>
-          </a:effectRef>
-          <a:fontRef idx="minor">
-            <a:schemeClr val="lt1"/>
-          </a:fontRef>
-        </p:style>
-        <p:txBody>
-          <a:bodyPr rtlCol="0" anchor="ctr"/>
-          <a:lstStyle/>
-          <a:p>
-            <a:r>
-              <a:rPr lang="en-US" sz="1000" dirty="0"/>
-              <a:t>Predicate 3</a:t>
-            </a:r>
-          </a:p>
-        </p:txBody>
-      </p:sp>
-      <p:sp>
-        <p:nvSpPr>
-          <p:cNvPr id="227" name="Rectangle 226">
-            <a:extLst>
-              <a:ext uri="{FF2B5EF4-FFF2-40B4-BE49-F238E27FC236}">
-                <a16:creationId xmlns:a16="http://schemas.microsoft.com/office/drawing/2014/main" id="{87E51A26-80F7-4E7D-AC2A-419527C05192}"/>
-              </a:ext>
-            </a:extLst>
-          </p:cNvPr>
-          <p:cNvSpPr/>
-          <p:nvPr/>
-        </p:nvSpPr>
-        <p:spPr>
-          <a:xfrm>
-            <a:off x="8439150" y="4372879"/>
-            <a:ext cx="2490429" cy="166862"/>
-          </a:xfrm>
-          <a:prstGeom prst="rect">
-            <a:avLst/>
-          </a:prstGeom>
-          <a:solidFill>
-            <a:schemeClr val="accent5"/>
-          </a:solidFill>
-        </p:spPr>
-        <p:style>
-          <a:lnRef idx="2">
-            <a:schemeClr val="accent1">
-              <a:shade val="50000"/>
-            </a:schemeClr>
-          </a:lnRef>
-          <a:fillRef idx="1">
-            <a:schemeClr val="accent1"/>
-          </a:fillRef>
-          <a:effectRef idx="0">
-            <a:schemeClr val="accent1"/>
-          </a:effectRef>
-          <a:fontRef idx="minor">
-            <a:schemeClr val="lt1"/>
-          </a:fontRef>
-        </p:style>
-        <p:txBody>
-          <a:bodyPr rtlCol="0" anchor="ctr"/>
-          <a:lstStyle/>
-          <a:p>
-            <a:r>
-              <a:rPr lang="en-US" sz="1000" dirty="0"/>
-              <a:t>Header</a:t>
-            </a:r>
-          </a:p>
-        </p:txBody>
-      </p:sp>
-      <p:sp>
-        <p:nvSpPr>
-          <p:cNvPr id="228" name="Rectangle 227">
-            <a:extLst>
-              <a:ext uri="{FF2B5EF4-FFF2-40B4-BE49-F238E27FC236}">
-                <a16:creationId xmlns:a16="http://schemas.microsoft.com/office/drawing/2014/main" id="{870B0AC7-0C4D-4843-BB43-3AD0DF82BAD3}"/>
-              </a:ext>
-            </a:extLst>
-          </p:cNvPr>
-          <p:cNvSpPr/>
-          <p:nvPr/>
-        </p:nvSpPr>
-        <p:spPr>
-          <a:xfrm>
-            <a:off x="8439149" y="5167140"/>
-            <a:ext cx="2490429" cy="166862"/>
-          </a:xfrm>
-          <a:prstGeom prst="rect">
-            <a:avLst/>
-          </a:prstGeom>
-          <a:solidFill>
-            <a:srgbClr val="00B050"/>
-          </a:solidFill>
-        </p:spPr>
-        <p:style>
-          <a:lnRef idx="2">
-            <a:schemeClr val="accent1">
-              <a:shade val="50000"/>
-            </a:schemeClr>
-          </a:lnRef>
-          <a:fillRef idx="1">
-            <a:schemeClr val="accent1"/>
-          </a:fillRef>
-          <a:effectRef idx="0">
-            <a:schemeClr val="accent1"/>
-          </a:effectRef>
-          <a:fontRef idx="minor">
-            <a:schemeClr val="lt1"/>
-          </a:fontRef>
-        </p:style>
-        <p:txBody>
-          <a:bodyPr rtlCol="0" anchor="ctr"/>
-          <a:lstStyle/>
-          <a:p>
-            <a:r>
-              <a:rPr lang="en-US" sz="1000" dirty="0" err="1"/>
-              <a:t>RecordId</a:t>
-            </a:r>
-            <a:endParaRPr lang="en-US" sz="1000" dirty="0"/>
-          </a:p>
-        </p:txBody>
-      </p:sp>
       <p:cxnSp>
         <p:nvCxnSpPr>
-          <p:cNvPr id="230" name="Connector: Curved 229">
-            <a:extLst>
-              <a:ext uri="{FF2B5EF4-FFF2-40B4-BE49-F238E27FC236}">
-                <a16:creationId xmlns:a16="http://schemas.microsoft.com/office/drawing/2014/main" id="{1C8361B1-DD77-40C1-9B5C-A4B5A4FA1B6F}"/>
+          <p:cNvPr id="167" name="Connector: Curved 166">
+            <a:extLst>
+              <a:ext uri="{FF2B5EF4-FFF2-40B4-BE49-F238E27FC236}">
+                <a16:creationId xmlns:a16="http://schemas.microsoft.com/office/drawing/2014/main" id="{66112A82-6643-4733-BABA-ACBE1224018C}"/>
               </a:ext>
             </a:extLst>
           </p:cNvPr>
           <p:cNvCxnSpPr>
             <a:cxnSpLocks/>
-            <a:stCxn id="216" idx="1"/>
-            <a:endCxn id="222" idx="1"/>
           </p:cNvCxnSpPr>
           <p:nvPr/>
         </p:nvCxnSpPr>
         <p:spPr>
           <a:xfrm rot="10800000" flipV="1">
-            <a:off x="8439152" y="3306446"/>
-            <a:ext cx="827840" cy="1550332"/>
+            <a:off x="4627633" y="3708278"/>
+            <a:ext cx="1001757" cy="2001952"/>
           </a:xfrm>
           <a:prstGeom prst="curvedConnector3">
             <a:avLst>
-              <a:gd name="adj1" fmla="val 127614"/>
+              <a:gd name="adj1" fmla="val 135479"/>
             </a:avLst>
           </a:prstGeom>
           <a:ln w="12700">
@@ -9924,28 +9991,28 @@
       </p:cxnSp>
       <p:cxnSp>
         <p:nvCxnSpPr>
-          <p:cNvPr id="241" name="Connector: Curved 240">
-            <a:extLst>
-              <a:ext uri="{FF2B5EF4-FFF2-40B4-BE49-F238E27FC236}">
-                <a16:creationId xmlns:a16="http://schemas.microsoft.com/office/drawing/2014/main" id="{86F035E2-7B11-480F-BAAE-C57EA07A8031}"/>
+          <p:cNvPr id="181" name="Connector: Curved 180">
+            <a:extLst>
+              <a:ext uri="{FF2B5EF4-FFF2-40B4-BE49-F238E27FC236}">
+                <a16:creationId xmlns:a16="http://schemas.microsoft.com/office/drawing/2014/main" id="{E5CC8AB3-C97B-4E9F-9A83-C85D15E15187}"/>
               </a:ext>
             </a:extLst>
           </p:cNvPr>
           <p:cNvCxnSpPr>
             <a:cxnSpLocks/>
-            <a:stCxn id="208" idx="1"/>
-            <a:endCxn id="215" idx="1"/>
+            <a:stCxn id="140" idx="1"/>
+            <a:endCxn id="152" idx="1"/>
           </p:cNvCxnSpPr>
           <p:nvPr/>
         </p:nvCxnSpPr>
         <p:spPr>
           <a:xfrm rot="10800000" flipV="1">
-            <a:off x="8439148" y="2109186"/>
-            <a:ext cx="848094" cy="1185888"/>
+            <a:off x="8604334" y="3390639"/>
+            <a:ext cx="1021797" cy="2357876"/>
           </a:xfrm>
           <a:prstGeom prst="curvedConnector3">
             <a:avLst>
-              <a:gd name="adj1" fmla="val 126955"/>
+              <a:gd name="adj1" fmla="val 138049"/>
             </a:avLst>
           </a:prstGeom>
           <a:ln w="12700">
